--- a/Clouster Erp.pptx
+++ b/Clouster Erp.pptx
@@ -13,9 +13,12 @@
     <p:sldId id="264" r:id="rId7"/>
     <p:sldId id="266" r:id="rId8"/>
     <p:sldId id="267" r:id="rId9"/>
-    <p:sldId id="265" r:id="rId10"/>
-    <p:sldId id="261" r:id="rId11"/>
-    <p:sldId id="259" r:id="rId12"/>
+    <p:sldId id="268" r:id="rId10"/>
+    <p:sldId id="269" r:id="rId11"/>
+    <p:sldId id="270" r:id="rId12"/>
+    <p:sldId id="271" r:id="rId13"/>
+    <p:sldId id="272" r:id="rId14"/>
+    <p:sldId id="273" r:id="rId15"/>
   </p:sldIdLst>
   <p:sldSz cx="12192000" cy="6858000"/>
   <p:notesSz cx="6858000" cy="9144000"/>
@@ -127,12 +130,18 @@
             <p14:sldId id="264"/>
             <p14:sldId id="266"/>
             <p14:sldId id="267"/>
-            <p14:sldId id="265"/>
-            <p14:sldId id="261"/>
-            <p14:sldId id="259"/>
+            <p14:sldId id="268"/>
+            <p14:sldId id="269"/>
+            <p14:sldId id="270"/>
+            <p14:sldId id="271"/>
+            <p14:sldId id="272"/>
+            <p14:sldId id="273"/>
           </p14:sldIdLst>
         </p14:section>
       </p14:sectionLst>
+    </p:ext>
+    <p:ext uri="{EFAFB233-063F-42B5-8137-9DF3F51BA10A}">
+      <p15:sldGuideLst xmlns:p15="http://schemas.microsoft.com/office/powerpoint/2012/main"/>
     </p:ext>
   </p:extLst>
 </p:presentation>
@@ -541,7 +550,7 @@
           <a:p>
             <a:fld id="{F2C0EFAB-7104-4119-A07F-01D26FF02749}" type="datetimeFigureOut">
               <a:rPr lang="en-US" smtClean="0"/>
-              <a:t>2/26/2021</a:t>
+              <a:t>2/27/2021</a:t>
             </a:fld>
             <a:endParaRPr lang="en-US"/>
           </a:p>
@@ -720,7 +729,7 @@
           <a:p>
             <a:fld id="{F2C0EFAB-7104-4119-A07F-01D26FF02749}" type="datetimeFigureOut">
               <a:rPr lang="en-US" smtClean="0"/>
-              <a:t>2/26/2021</a:t>
+              <a:t>2/27/2021</a:t>
             </a:fld>
             <a:endParaRPr lang="en-US"/>
           </a:p>
@@ -900,7 +909,7 @@
           <a:p>
             <a:fld id="{F2C0EFAB-7104-4119-A07F-01D26FF02749}" type="datetimeFigureOut">
               <a:rPr lang="en-US" smtClean="0"/>
-              <a:t>2/26/2021</a:t>
+              <a:t>2/27/2021</a:t>
             </a:fld>
             <a:endParaRPr lang="en-US"/>
           </a:p>
@@ -1070,7 +1079,7 @@
           <a:p>
             <a:fld id="{F2C0EFAB-7104-4119-A07F-01D26FF02749}" type="datetimeFigureOut">
               <a:rPr lang="en-US" smtClean="0"/>
-              <a:t>2/26/2021</a:t>
+              <a:t>2/27/2021</a:t>
             </a:fld>
             <a:endParaRPr lang="en-US"/>
           </a:p>
@@ -1383,7 +1392,7 @@
           <a:p>
             <a:fld id="{F2C0EFAB-7104-4119-A07F-01D26FF02749}" type="datetimeFigureOut">
               <a:rPr lang="en-US" smtClean="0"/>
-              <a:t>2/26/2021</a:t>
+              <a:t>2/27/2021</a:t>
             </a:fld>
             <a:endParaRPr lang="en-US"/>
           </a:p>
@@ -1769,7 +1778,7 @@
           <a:p>
             <a:fld id="{F2C0EFAB-7104-4119-A07F-01D26FF02749}" type="datetimeFigureOut">
               <a:rPr lang="en-US" smtClean="0"/>
-              <a:t>2/26/2021</a:t>
+              <a:t>2/27/2021</a:t>
             </a:fld>
             <a:endParaRPr lang="en-US"/>
           </a:p>
@@ -2203,7 +2212,7 @@
           <a:p>
             <a:fld id="{F2C0EFAB-7104-4119-A07F-01D26FF02749}" type="datetimeFigureOut">
               <a:rPr lang="en-US" smtClean="0"/>
-              <a:t>2/26/2021</a:t>
+              <a:t>2/27/2021</a:t>
             </a:fld>
             <a:endParaRPr lang="en-US"/>
           </a:p>
@@ -2321,7 +2330,7 @@
           <a:p>
             <a:fld id="{F2C0EFAB-7104-4119-A07F-01D26FF02749}" type="datetimeFigureOut">
               <a:rPr lang="en-US" smtClean="0"/>
-              <a:t>2/26/2021</a:t>
+              <a:t>2/27/2021</a:t>
             </a:fld>
             <a:endParaRPr lang="en-US"/>
           </a:p>
@@ -2416,7 +2425,7 @@
           <a:p>
             <a:fld id="{F2C0EFAB-7104-4119-A07F-01D26FF02749}" type="datetimeFigureOut">
               <a:rPr lang="en-US" smtClean="0"/>
-              <a:t>2/26/2021</a:t>
+              <a:t>2/27/2021</a:t>
             </a:fld>
             <a:endParaRPr lang="en-US"/>
           </a:p>
@@ -2766,7 +2775,7 @@
           <a:p>
             <a:fld id="{F2C0EFAB-7104-4119-A07F-01D26FF02749}" type="datetimeFigureOut">
               <a:rPr lang="en-US" smtClean="0"/>
-              <a:t>2/26/2021</a:t>
+              <a:t>2/27/2021</a:t>
             </a:fld>
             <a:endParaRPr lang="en-US"/>
           </a:p>
@@ -3191,7 +3200,7 @@
           <a:p>
             <a:fld id="{F2C0EFAB-7104-4119-A07F-01D26FF02749}" type="datetimeFigureOut">
               <a:rPr lang="en-US" smtClean="0"/>
-              <a:t>2/26/2021</a:t>
+              <a:t>2/27/2021</a:t>
             </a:fld>
             <a:endParaRPr lang="en-US"/>
           </a:p>
@@ -3472,7 +3481,7 @@
           <a:p>
             <a:fld id="{F2C0EFAB-7104-4119-A07F-01D26FF02749}" type="datetimeFigureOut">
               <a:rPr lang="en-US" smtClean="0"/>
-              <a:t>2/26/2021</a:t>
+              <a:t>2/27/2021</a:t>
             </a:fld>
             <a:endParaRPr lang="en-US"/>
           </a:p>
@@ -4145,7 +4154,7 @@
           <p:cNvPr id="2" name="Title 1">
             <a:extLst>
               <a:ext uri="{FF2B5EF4-FFF2-40B4-BE49-F238E27FC236}">
-                <a16:creationId xmlns:a16="http://schemas.microsoft.com/office/drawing/2014/main" id="{67F42D70-2B41-4B83-A79C-5F16E8822A8B}"/>
+                <a16:creationId xmlns:a16="http://schemas.microsoft.com/office/drawing/2014/main" id="{87F6C8E7-04E7-44E7-B23E-9421EBFF79C5}"/>
               </a:ext>
             </a:extLst>
           </p:cNvPr>
@@ -4156,190 +4165,31 @@
             <p:ph type="title"/>
           </p:nvPr>
         </p:nvSpPr>
-        <p:spPr/>
-        <p:txBody>
-          <a:bodyPr/>
-          <a:lstStyle/>
-          <a:p>
-            <a:r>
-              <a:rPr lang="en-US" dirty="0"/>
-              <a:t>MODULE: SOFTWARE CONFIGURATION</a:t>
-            </a:r>
-          </a:p>
-        </p:txBody>
-      </p:sp>
-      <p:pic>
-        <p:nvPicPr>
-          <p:cNvPr id="1026" name="Picture 2" descr="Company Icons - Free Download, PNG and SVG">
-            <a:extLst>
-              <a:ext uri="{FF2B5EF4-FFF2-40B4-BE49-F238E27FC236}">
-                <a16:creationId xmlns:a16="http://schemas.microsoft.com/office/drawing/2014/main" id="{3CC7BBED-2548-42E5-85D0-03A7CD5AF0D3}"/>
-              </a:ext>
-            </a:extLst>
-          </p:cNvPr>
-          <p:cNvPicPr>
-            <a:picLocks noGrp="1" noChangeAspect="1" noChangeArrowheads="1"/>
-          </p:cNvPicPr>
-          <p:nvPr>
-            <p:ph idx="1"/>
-          </p:nvPr>
-        </p:nvPicPr>
-        <p:blipFill>
-          <a:blip r:embed="rId2">
-            <a:extLst>
-              <a:ext uri="{28A0092B-C50C-407E-A947-70E740481C1C}">
-                <a14:useLocalDpi xmlns:a14="http://schemas.microsoft.com/office/drawing/2010/main" val="0"/>
-              </a:ext>
-            </a:extLst>
-          </a:blip>
-          <a:srcRect/>
-          <a:stretch>
-            <a:fillRect/>
-          </a:stretch>
-        </p:blipFill>
-        <p:spPr bwMode="auto">
-          <a:xfrm>
-            <a:off x="2201329" y="1909310"/>
-            <a:ext cx="2362893" cy="2362893"/>
-          </a:xfrm>
-          <a:prstGeom prst="rect">
-            <a:avLst/>
-          </a:prstGeom>
-          <a:noFill/>
-          <a:extLst>
-            <a:ext uri="{909E8E84-426E-40DD-AFC4-6F175D3DCCD1}">
-              <a14:hiddenFill xmlns:a14="http://schemas.microsoft.com/office/drawing/2010/main">
-                <a:solidFill>
-                  <a:srgbClr val="FFFFFF"/>
-                </a:solidFill>
-              </a14:hiddenFill>
-            </a:ext>
-          </a:extLst>
-        </p:spPr>
-      </p:pic>
-      <p:pic>
-        <p:nvPicPr>
-          <p:cNvPr id="1028" name="Picture 4" descr="Google App Settings APK 1.8 - download free apk from APKSum">
-            <a:extLst>
-              <a:ext uri="{FF2B5EF4-FFF2-40B4-BE49-F238E27FC236}">
-                <a16:creationId xmlns:a16="http://schemas.microsoft.com/office/drawing/2014/main" id="{E503372E-02CE-4CB2-81C0-DEA001C3093E}"/>
-              </a:ext>
-            </a:extLst>
-          </p:cNvPr>
-          <p:cNvPicPr>
-            <a:picLocks noChangeAspect="1" noChangeArrowheads="1"/>
-          </p:cNvPicPr>
-          <p:nvPr/>
-        </p:nvPicPr>
-        <p:blipFill>
-          <a:blip r:embed="rId3">
-            <a:extLst>
-              <a:ext uri="{28A0092B-C50C-407E-A947-70E740481C1C}">
-                <a14:useLocalDpi xmlns:a14="http://schemas.microsoft.com/office/drawing/2010/main" val="0"/>
-              </a:ext>
-            </a:extLst>
-          </a:blip>
-          <a:srcRect/>
-          <a:stretch>
-            <a:fillRect/>
-          </a:stretch>
-        </p:blipFill>
-        <p:spPr bwMode="auto">
-          <a:xfrm>
-            <a:off x="7319598" y="2170598"/>
-            <a:ext cx="1490296" cy="1490296"/>
-          </a:xfrm>
-          <a:prstGeom prst="rect">
-            <a:avLst/>
-          </a:prstGeom>
-          <a:noFill/>
-          <a:extLst>
-            <a:ext uri="{909E8E84-426E-40DD-AFC4-6F175D3DCCD1}">
-              <a14:hiddenFill xmlns:a14="http://schemas.microsoft.com/office/drawing/2010/main">
-                <a:solidFill>
-                  <a:srgbClr val="FFFFFF"/>
-                </a:solidFill>
-              </a14:hiddenFill>
-            </a:ext>
-          </a:extLst>
-        </p:spPr>
-      </p:pic>
-      <p:sp>
-        <p:nvSpPr>
-          <p:cNvPr id="4" name="TextBox 3">
-            <a:extLst>
-              <a:ext uri="{FF2B5EF4-FFF2-40B4-BE49-F238E27FC236}">
-                <a16:creationId xmlns:a16="http://schemas.microsoft.com/office/drawing/2014/main" id="{6C113D83-83EC-4FCB-A5A7-035F12826695}"/>
-              </a:ext>
-            </a:extLst>
-          </p:cNvPr>
-          <p:cNvSpPr txBox="1"/>
-          <p:nvPr/>
-        </p:nvSpPr>
         <p:spPr>
           <a:xfrm>
-            <a:off x="2060652" y="1724644"/>
-            <a:ext cx="2503570" cy="369332"/>
+            <a:off x="586271" y="150525"/>
+            <a:ext cx="10058400" cy="614406"/>
           </a:xfrm>
-          <a:prstGeom prst="rect">
-            <a:avLst/>
-          </a:prstGeom>
-          <a:noFill/>
         </p:spPr>
         <p:txBody>
-          <a:bodyPr wrap="none" rtlCol="0">
-            <a:spAutoFit/>
+          <a:bodyPr>
+            <a:normAutofit fontScale="90000"/>
           </a:bodyPr>
           <a:lstStyle/>
           <a:p>
             <a:r>
               <a:rPr lang="en-US" dirty="0"/>
-              <a:t>Company Information</a:t>
+              <a:t>MODULE: ACCOUNTING</a:t>
             </a:r>
           </a:p>
         </p:txBody>
       </p:sp>
       <p:sp>
         <p:nvSpPr>
-          <p:cNvPr id="7" name="TextBox 6">
+          <p:cNvPr id="3" name="Oval 2">
             <a:extLst>
               <a:ext uri="{FF2B5EF4-FFF2-40B4-BE49-F238E27FC236}">
-                <a16:creationId xmlns:a16="http://schemas.microsoft.com/office/drawing/2014/main" id="{A1BA4690-0832-43F5-9F3F-22F27E5BB001}"/>
-              </a:ext>
-            </a:extLst>
-          </p:cNvPr>
-          <p:cNvSpPr txBox="1"/>
-          <p:nvPr/>
-        </p:nvSpPr>
-        <p:spPr>
-          <a:xfrm>
-            <a:off x="6453984" y="1762955"/>
-            <a:ext cx="3221523" cy="369332"/>
-          </a:xfrm>
-          <a:prstGeom prst="rect">
-            <a:avLst/>
-          </a:prstGeom>
-          <a:noFill/>
-        </p:spPr>
-        <p:txBody>
-          <a:bodyPr wrap="none" rtlCol="0">
-            <a:spAutoFit/>
-          </a:bodyPr>
-          <a:lstStyle/>
-          <a:p>
-            <a:r>
-              <a:rPr lang="en-US" dirty="0"/>
-              <a:t>Basic Software Configuration</a:t>
-            </a:r>
-          </a:p>
-        </p:txBody>
-      </p:sp>
-      <p:sp>
-        <p:nvSpPr>
-          <p:cNvPr id="5" name="Rectangle: Rounded Corners 4">
-            <a:extLst>
-              <a:ext uri="{FF2B5EF4-FFF2-40B4-BE49-F238E27FC236}">
-                <a16:creationId xmlns:a16="http://schemas.microsoft.com/office/drawing/2014/main" id="{0608B764-5349-438C-8FD6-8B8AC88F6B75}"/>
+                <a16:creationId xmlns:a16="http://schemas.microsoft.com/office/drawing/2014/main" id="{3CDA7BF8-D82F-41ED-8A74-0B246A73AE3C}"/>
               </a:ext>
             </a:extLst>
           </p:cNvPr>
@@ -4348,48 +4198,84 @@
         </p:nvSpPr>
         <p:spPr>
           <a:xfrm>
-            <a:off x="1585866" y="4202724"/>
-            <a:ext cx="3452126" cy="2294791"/>
+            <a:off x="4093042" y="764931"/>
+            <a:ext cx="3765175" cy="565125"/>
           </a:xfrm>
-          <a:prstGeom prst="roundRect">
+          <a:prstGeom prst="ellipse">
             <a:avLst/>
           </a:prstGeom>
         </p:spPr>
         <p:style>
           <a:lnRef idx="2">
-            <a:schemeClr val="accent2"/>
+            <a:schemeClr val="accent1">
+              <a:shade val="50000"/>
+            </a:schemeClr>
           </a:lnRef>
           <a:fillRef idx="1">
-            <a:schemeClr val="lt1"/>
+            <a:schemeClr val="accent1"/>
           </a:fillRef>
           <a:effectRef idx="0">
-            <a:schemeClr val="accent2"/>
+            <a:schemeClr val="accent1"/>
           </a:effectRef>
           <a:fontRef idx="minor">
-            <a:schemeClr val="dk1"/>
+            <a:schemeClr val="lt1"/>
           </a:fontRef>
         </p:style>
         <p:txBody>
           <a:bodyPr rtlCol="0" anchor="ctr"/>
           <a:lstStyle/>
           <a:p>
-            <a:pPr marL="285750" indent="-285750" algn="ctr">
-              <a:buFont typeface="Wingdings" panose="05000000000000000000" pitchFamily="2" charset="2"/>
-              <a:buChar char="q"/>
-            </a:pPr>
+            <a:pPr algn="ctr"/>
             <a:r>
               <a:rPr lang="en-US" dirty="0"/>
-              <a:t>Company Information Update </a:t>
+              <a:t>Accounting Reports</a:t>
             </a:r>
           </a:p>
         </p:txBody>
       </p:sp>
+      <p:cxnSp>
+        <p:nvCxnSpPr>
+          <p:cNvPr id="12" name="Straight Connector 11">
+            <a:extLst>
+              <a:ext uri="{FF2B5EF4-FFF2-40B4-BE49-F238E27FC236}">
+                <a16:creationId xmlns:a16="http://schemas.microsoft.com/office/drawing/2014/main" id="{7D3567D8-F1B3-4F88-B2AD-A64A6E2D650B}"/>
+              </a:ext>
+            </a:extLst>
+          </p:cNvPr>
+          <p:cNvCxnSpPr/>
+          <p:nvPr/>
+        </p:nvCxnSpPr>
+        <p:spPr>
+          <a:xfrm>
+            <a:off x="461447" y="1497110"/>
+            <a:ext cx="11028367" cy="0"/>
+          </a:xfrm>
+          <a:prstGeom prst="line">
+            <a:avLst/>
+          </a:prstGeom>
+          <a:ln w="38100"/>
+        </p:spPr>
+        <p:style>
+          <a:lnRef idx="1">
+            <a:schemeClr val="accent1"/>
+          </a:lnRef>
+          <a:fillRef idx="0">
+            <a:schemeClr val="accent1"/>
+          </a:fillRef>
+          <a:effectRef idx="0">
+            <a:schemeClr val="accent1"/>
+          </a:effectRef>
+          <a:fontRef idx="minor">
+            <a:schemeClr val="tx1"/>
+          </a:fontRef>
+        </p:style>
+      </p:cxnSp>
       <p:sp>
         <p:nvSpPr>
-          <p:cNvPr id="9" name="Rectangle: Rounded Corners 8">
+          <p:cNvPr id="34" name="Rectangle 33">
             <a:extLst>
               <a:ext uri="{FF2B5EF4-FFF2-40B4-BE49-F238E27FC236}">
-                <a16:creationId xmlns:a16="http://schemas.microsoft.com/office/drawing/2014/main" id="{386B5F80-B7F5-44A0-A1DB-C586DBF0CD08}"/>
+                <a16:creationId xmlns:a16="http://schemas.microsoft.com/office/drawing/2014/main" id="{068D9EFD-716C-4B57-ABC1-9FD7E29D191F}"/>
               </a:ext>
             </a:extLst>
           </p:cNvPr>
@@ -4398,46 +4284,410 @@
         </p:nvSpPr>
         <p:spPr>
           <a:xfrm>
-            <a:off x="6453984" y="4078577"/>
-            <a:ext cx="3452126" cy="2294791"/>
+            <a:off x="947768" y="4087683"/>
+            <a:ext cx="2371217" cy="301137"/>
           </a:xfrm>
-          <a:prstGeom prst="roundRect">
+          <a:prstGeom prst="rect">
             <a:avLst/>
           </a:prstGeom>
         </p:spPr>
         <p:style>
           <a:lnRef idx="2">
-            <a:schemeClr val="accent2"/>
+            <a:schemeClr val="accent1">
+              <a:shade val="50000"/>
+            </a:schemeClr>
           </a:lnRef>
           <a:fillRef idx="1">
-            <a:schemeClr val="lt1"/>
+            <a:schemeClr val="accent1"/>
           </a:fillRef>
           <a:effectRef idx="0">
-            <a:schemeClr val="accent2"/>
+            <a:schemeClr val="accent1"/>
           </a:effectRef>
           <a:fontRef idx="minor">
-            <a:schemeClr val="dk1"/>
+            <a:schemeClr val="lt1"/>
           </a:fontRef>
         </p:style>
         <p:txBody>
           <a:bodyPr rtlCol="0" anchor="ctr"/>
           <a:lstStyle/>
           <a:p>
-            <a:pPr marL="285750" indent="-285750" algn="ctr">
-              <a:buFont typeface="Wingdings" panose="05000000000000000000" pitchFamily="2" charset="2"/>
-              <a:buChar char="q"/>
-            </a:pPr>
+            <a:pPr algn="ctr"/>
             <a:r>
               <a:rPr lang="en-US" dirty="0"/>
-              <a:t>Lookup Data For All </a:t>
+              <a:t>Collection Report</a:t>
             </a:r>
           </a:p>
         </p:txBody>
       </p:sp>
+      <p:sp>
+        <p:nvSpPr>
+          <p:cNvPr id="35" name="Oval 34">
+            <a:extLst>
+              <a:ext uri="{FF2B5EF4-FFF2-40B4-BE49-F238E27FC236}">
+                <a16:creationId xmlns:a16="http://schemas.microsoft.com/office/drawing/2014/main" id="{C368BA1A-A6D1-46B2-9FAA-FBD24C4D58C0}"/>
+              </a:ext>
+            </a:extLst>
+          </p:cNvPr>
+          <p:cNvSpPr/>
+          <p:nvPr/>
+        </p:nvSpPr>
+        <p:spPr>
+          <a:xfrm>
+            <a:off x="5093677" y="1497110"/>
+            <a:ext cx="1763909" cy="693183"/>
+          </a:xfrm>
+          <a:prstGeom prst="ellipse">
+            <a:avLst/>
+          </a:prstGeom>
+        </p:spPr>
+        <p:style>
+          <a:lnRef idx="2">
+            <a:schemeClr val="accent1">
+              <a:shade val="50000"/>
+            </a:schemeClr>
+          </a:lnRef>
+          <a:fillRef idx="1">
+            <a:schemeClr val="accent1"/>
+          </a:fillRef>
+          <a:effectRef idx="0">
+            <a:schemeClr val="accent1"/>
+          </a:effectRef>
+          <a:fontRef idx="minor">
+            <a:schemeClr val="lt1"/>
+          </a:fontRef>
+        </p:style>
+        <p:txBody>
+          <a:bodyPr rtlCol="0" anchor="ctr"/>
+          <a:lstStyle/>
+          <a:p>
+            <a:pPr algn="ctr"/>
+            <a:r>
+              <a:rPr lang="en-US" dirty="0"/>
+              <a:t>Reports</a:t>
+            </a:r>
+          </a:p>
+        </p:txBody>
+      </p:sp>
+      <p:sp>
+        <p:nvSpPr>
+          <p:cNvPr id="36" name="Rectangle 35">
+            <a:extLst>
+              <a:ext uri="{FF2B5EF4-FFF2-40B4-BE49-F238E27FC236}">
+                <a16:creationId xmlns:a16="http://schemas.microsoft.com/office/drawing/2014/main" id="{F46742AE-974D-4002-A3E3-2436EE1AFAD6}"/>
+              </a:ext>
+            </a:extLst>
+          </p:cNvPr>
+          <p:cNvSpPr/>
+          <p:nvPr/>
+        </p:nvSpPr>
+        <p:spPr>
+          <a:xfrm>
+            <a:off x="3662219" y="4087684"/>
+            <a:ext cx="2229417" cy="301137"/>
+          </a:xfrm>
+          <a:prstGeom prst="rect">
+            <a:avLst/>
+          </a:prstGeom>
+        </p:spPr>
+        <p:style>
+          <a:lnRef idx="2">
+            <a:schemeClr val="accent1">
+              <a:shade val="50000"/>
+            </a:schemeClr>
+          </a:lnRef>
+          <a:fillRef idx="1">
+            <a:schemeClr val="accent1"/>
+          </a:fillRef>
+          <a:effectRef idx="0">
+            <a:schemeClr val="accent1"/>
+          </a:effectRef>
+          <a:fontRef idx="minor">
+            <a:schemeClr val="lt1"/>
+          </a:fontRef>
+        </p:style>
+        <p:txBody>
+          <a:bodyPr rtlCol="0" anchor="ctr"/>
+          <a:lstStyle/>
+          <a:p>
+            <a:pPr algn="ctr"/>
+            <a:r>
+              <a:rPr lang="en-US" dirty="0"/>
+              <a:t>Payment Report</a:t>
+            </a:r>
+          </a:p>
+        </p:txBody>
+      </p:sp>
+      <p:cxnSp>
+        <p:nvCxnSpPr>
+          <p:cNvPr id="18" name="Straight Arrow Connector 17">
+            <a:extLst>
+              <a:ext uri="{FF2B5EF4-FFF2-40B4-BE49-F238E27FC236}">
+                <a16:creationId xmlns:a16="http://schemas.microsoft.com/office/drawing/2014/main" id="{FA2E21A3-9829-4A59-B257-AEB554DA964E}"/>
+              </a:ext>
+            </a:extLst>
+          </p:cNvPr>
+          <p:cNvCxnSpPr>
+            <a:stCxn id="35" idx="4"/>
+            <a:endCxn id="34" idx="0"/>
+          </p:cNvCxnSpPr>
+          <p:nvPr/>
+        </p:nvCxnSpPr>
+        <p:spPr>
+          <a:xfrm flipH="1">
+            <a:off x="2133377" y="2190293"/>
+            <a:ext cx="3842255" cy="1897390"/>
+          </a:xfrm>
+          <a:prstGeom prst="straightConnector1">
+            <a:avLst/>
+          </a:prstGeom>
+          <a:ln>
+            <a:tailEnd type="triangle"/>
+          </a:ln>
+        </p:spPr>
+        <p:style>
+          <a:lnRef idx="1">
+            <a:schemeClr val="accent1"/>
+          </a:lnRef>
+          <a:fillRef idx="0">
+            <a:schemeClr val="accent1"/>
+          </a:fillRef>
+          <a:effectRef idx="0">
+            <a:schemeClr val="accent1"/>
+          </a:effectRef>
+          <a:fontRef idx="minor">
+            <a:schemeClr val="tx1"/>
+          </a:fontRef>
+        </p:style>
+      </p:cxnSp>
+      <p:cxnSp>
+        <p:nvCxnSpPr>
+          <p:cNvPr id="20" name="Straight Arrow Connector 19">
+            <a:extLst>
+              <a:ext uri="{FF2B5EF4-FFF2-40B4-BE49-F238E27FC236}">
+                <a16:creationId xmlns:a16="http://schemas.microsoft.com/office/drawing/2014/main" id="{6FA39EAE-2987-46D6-A229-FA161B4B314F}"/>
+              </a:ext>
+            </a:extLst>
+          </p:cNvPr>
+          <p:cNvCxnSpPr>
+            <a:cxnSpLocks/>
+            <a:stCxn id="35" idx="4"/>
+            <a:endCxn id="36" idx="0"/>
+          </p:cNvCxnSpPr>
+          <p:nvPr/>
+        </p:nvCxnSpPr>
+        <p:spPr>
+          <a:xfrm flipH="1">
+            <a:off x="4776928" y="2190293"/>
+            <a:ext cx="1198704" cy="1897391"/>
+          </a:xfrm>
+          <a:prstGeom prst="straightConnector1">
+            <a:avLst/>
+          </a:prstGeom>
+          <a:ln>
+            <a:tailEnd type="triangle"/>
+          </a:ln>
+        </p:spPr>
+        <p:style>
+          <a:lnRef idx="1">
+            <a:schemeClr val="accent1"/>
+          </a:lnRef>
+          <a:fillRef idx="0">
+            <a:schemeClr val="accent1"/>
+          </a:fillRef>
+          <a:effectRef idx="0">
+            <a:schemeClr val="accent1"/>
+          </a:effectRef>
+          <a:fontRef idx="minor">
+            <a:schemeClr val="tx1"/>
+          </a:fontRef>
+        </p:style>
+      </p:cxnSp>
+      <p:sp>
+        <p:nvSpPr>
+          <p:cNvPr id="17" name="Rectangle 16">
+            <a:extLst>
+              <a:ext uri="{FF2B5EF4-FFF2-40B4-BE49-F238E27FC236}">
+                <a16:creationId xmlns:a16="http://schemas.microsoft.com/office/drawing/2014/main" id="{DB012A54-2CBA-467B-A4DD-66ADDF860C76}"/>
+              </a:ext>
+            </a:extLst>
+          </p:cNvPr>
+          <p:cNvSpPr/>
+          <p:nvPr/>
+        </p:nvSpPr>
+        <p:spPr>
+          <a:xfrm>
+            <a:off x="6046532" y="4087683"/>
+            <a:ext cx="2229417" cy="301137"/>
+          </a:xfrm>
+          <a:prstGeom prst="rect">
+            <a:avLst/>
+          </a:prstGeom>
+        </p:spPr>
+        <p:style>
+          <a:lnRef idx="2">
+            <a:schemeClr val="accent1">
+              <a:shade val="50000"/>
+            </a:schemeClr>
+          </a:lnRef>
+          <a:fillRef idx="1">
+            <a:schemeClr val="accent1"/>
+          </a:fillRef>
+          <a:effectRef idx="0">
+            <a:schemeClr val="accent1"/>
+          </a:effectRef>
+          <a:fontRef idx="minor">
+            <a:schemeClr val="lt1"/>
+          </a:fontRef>
+        </p:style>
+        <p:txBody>
+          <a:bodyPr rtlCol="0" anchor="ctr"/>
+          <a:lstStyle/>
+          <a:p>
+            <a:pPr algn="ctr"/>
+            <a:r>
+              <a:rPr lang="en-US" dirty="0"/>
+              <a:t>Due Report</a:t>
+            </a:r>
+          </a:p>
+        </p:txBody>
+      </p:sp>
+      <p:sp>
+        <p:nvSpPr>
+          <p:cNvPr id="19" name="Rectangle 18">
+            <a:extLst>
+              <a:ext uri="{FF2B5EF4-FFF2-40B4-BE49-F238E27FC236}">
+                <a16:creationId xmlns:a16="http://schemas.microsoft.com/office/drawing/2014/main" id="{8548EF20-3A0C-42FE-A0A3-F4286D2CC585}"/>
+              </a:ext>
+            </a:extLst>
+          </p:cNvPr>
+          <p:cNvSpPr/>
+          <p:nvPr/>
+        </p:nvSpPr>
+        <p:spPr>
+          <a:xfrm>
+            <a:off x="8430845" y="4069358"/>
+            <a:ext cx="2229417" cy="301137"/>
+          </a:xfrm>
+          <a:prstGeom prst="rect">
+            <a:avLst/>
+          </a:prstGeom>
+        </p:spPr>
+        <p:style>
+          <a:lnRef idx="2">
+            <a:schemeClr val="accent1">
+              <a:shade val="50000"/>
+            </a:schemeClr>
+          </a:lnRef>
+          <a:fillRef idx="1">
+            <a:schemeClr val="accent1"/>
+          </a:fillRef>
+          <a:effectRef idx="0">
+            <a:schemeClr val="accent1"/>
+          </a:effectRef>
+          <a:fontRef idx="minor">
+            <a:schemeClr val="lt1"/>
+          </a:fontRef>
+        </p:style>
+        <p:txBody>
+          <a:bodyPr rtlCol="0" anchor="ctr"/>
+          <a:lstStyle/>
+          <a:p>
+            <a:pPr algn="ctr"/>
+            <a:r>
+              <a:rPr lang="en-US" dirty="0"/>
+              <a:t>Expense Report</a:t>
+            </a:r>
+          </a:p>
+        </p:txBody>
+      </p:sp>
+      <p:cxnSp>
+        <p:nvCxnSpPr>
+          <p:cNvPr id="13" name="Straight Arrow Connector 12">
+            <a:extLst>
+              <a:ext uri="{FF2B5EF4-FFF2-40B4-BE49-F238E27FC236}">
+                <a16:creationId xmlns:a16="http://schemas.microsoft.com/office/drawing/2014/main" id="{E4B9A5EF-AA21-4E1E-A27A-3DD77D1C3364}"/>
+              </a:ext>
+            </a:extLst>
+          </p:cNvPr>
+          <p:cNvCxnSpPr>
+            <a:stCxn id="35" idx="4"/>
+            <a:endCxn id="17" idx="0"/>
+          </p:cNvCxnSpPr>
+          <p:nvPr/>
+        </p:nvCxnSpPr>
+        <p:spPr>
+          <a:xfrm>
+            <a:off x="5975632" y="2190293"/>
+            <a:ext cx="1185609" cy="1897390"/>
+          </a:xfrm>
+          <a:prstGeom prst="straightConnector1">
+            <a:avLst/>
+          </a:prstGeom>
+          <a:ln>
+            <a:tailEnd type="triangle"/>
+          </a:ln>
+        </p:spPr>
+        <p:style>
+          <a:lnRef idx="1">
+            <a:schemeClr val="accent1"/>
+          </a:lnRef>
+          <a:fillRef idx="0">
+            <a:schemeClr val="accent1"/>
+          </a:fillRef>
+          <a:effectRef idx="0">
+            <a:schemeClr val="accent1"/>
+          </a:effectRef>
+          <a:fontRef idx="minor">
+            <a:schemeClr val="tx1"/>
+          </a:fontRef>
+        </p:style>
+      </p:cxnSp>
+      <p:cxnSp>
+        <p:nvCxnSpPr>
+          <p:cNvPr id="15" name="Straight Arrow Connector 14">
+            <a:extLst>
+              <a:ext uri="{FF2B5EF4-FFF2-40B4-BE49-F238E27FC236}">
+                <a16:creationId xmlns:a16="http://schemas.microsoft.com/office/drawing/2014/main" id="{4C3D0B18-B3A2-4DD3-82BE-78356E975966}"/>
+              </a:ext>
+            </a:extLst>
+          </p:cNvPr>
+          <p:cNvCxnSpPr>
+            <a:stCxn id="35" idx="4"/>
+            <a:endCxn id="19" idx="0"/>
+          </p:cNvCxnSpPr>
+          <p:nvPr/>
+        </p:nvCxnSpPr>
+        <p:spPr>
+          <a:xfrm>
+            <a:off x="5975632" y="2190293"/>
+            <a:ext cx="3569922" cy="1879065"/>
+          </a:xfrm>
+          <a:prstGeom prst="straightConnector1">
+            <a:avLst/>
+          </a:prstGeom>
+          <a:ln>
+            <a:tailEnd type="triangle"/>
+          </a:ln>
+        </p:spPr>
+        <p:style>
+          <a:lnRef idx="1">
+            <a:schemeClr val="accent1"/>
+          </a:lnRef>
+          <a:fillRef idx="0">
+            <a:schemeClr val="accent1"/>
+          </a:fillRef>
+          <a:effectRef idx="0">
+            <a:schemeClr val="accent1"/>
+          </a:effectRef>
+          <a:fontRef idx="minor">
+            <a:schemeClr val="tx1"/>
+          </a:fontRef>
+        </p:style>
+      </p:cxnSp>
     </p:spTree>
     <p:extLst>
       <p:ext uri="{BB962C8B-B14F-4D97-AF65-F5344CB8AC3E}">
-        <p14:creationId xmlns:p14="http://schemas.microsoft.com/office/powerpoint/2010/main" val="686309219"/>
+        <p14:creationId xmlns:p14="http://schemas.microsoft.com/office/powerpoint/2010/main" val="3801085941"/>
       </p:ext>
     </p:extLst>
   </p:cSld>
@@ -4469,7 +4719,7 @@
           <p:cNvPr id="2" name="Title 1">
             <a:extLst>
               <a:ext uri="{FF2B5EF4-FFF2-40B4-BE49-F238E27FC236}">
-                <a16:creationId xmlns:a16="http://schemas.microsoft.com/office/drawing/2014/main" id="{A7F6BDD2-8E0D-4A9D-A6BB-59F1FD982BD1}"/>
+                <a16:creationId xmlns:a16="http://schemas.microsoft.com/office/drawing/2014/main" id="{87F6C8E7-04E7-44E7-B23E-9421EBFF79C5}"/>
               </a:ext>
             </a:extLst>
           </p:cNvPr>
@@ -4482,78 +4732,115 @@
         </p:nvSpPr>
         <p:spPr>
           <a:xfrm>
-            <a:off x="823663" y="106562"/>
-            <a:ext cx="9841406" cy="1238661"/>
+            <a:off x="586271" y="150525"/>
+            <a:ext cx="10058400" cy="614406"/>
           </a:xfrm>
         </p:spPr>
         <p:txBody>
           <a:bodyPr>
-            <a:normAutofit/>
+            <a:normAutofit fontScale="90000"/>
           </a:bodyPr>
           <a:lstStyle/>
           <a:p>
             <a:r>
-              <a:rPr lang="en-US" sz="4800" dirty="0"/>
-              <a:t>MODULE: USER MANAGEMENT</a:t>
+              <a:rPr lang="en-US" dirty="0"/>
+              <a:t>MODULE: HR</a:t>
             </a:r>
           </a:p>
         </p:txBody>
       </p:sp>
-      <p:pic>
-        <p:nvPicPr>
-          <p:cNvPr id="2050" name="Picture 2" descr="User Icons - Free Download, PNG and SVG">
+      <p:sp>
+        <p:nvSpPr>
+          <p:cNvPr id="3" name="Oval 2">
             <a:extLst>
               <a:ext uri="{FF2B5EF4-FFF2-40B4-BE49-F238E27FC236}">
-                <a16:creationId xmlns:a16="http://schemas.microsoft.com/office/drawing/2014/main" id="{C0A8C774-3CF7-4DD0-90FB-0F4FDFEA8E1A}"/>
+                <a16:creationId xmlns:a16="http://schemas.microsoft.com/office/drawing/2014/main" id="{3CDA7BF8-D82F-41ED-8A74-0B246A73AE3C}"/>
               </a:ext>
             </a:extLst>
           </p:cNvPr>
-          <p:cNvPicPr>
-            <a:picLocks noGrp="1" noChangeAspect="1" noChangeArrowheads="1"/>
-          </p:cNvPicPr>
-          <p:nvPr>
-            <p:ph idx="1"/>
-          </p:nvPr>
-        </p:nvPicPr>
-        <p:blipFill>
-          <a:blip r:embed="rId2">
+          <p:cNvSpPr/>
+          <p:nvPr/>
+        </p:nvSpPr>
+        <p:spPr>
+          <a:xfrm>
+            <a:off x="4657856" y="764931"/>
+            <a:ext cx="2593731" cy="565125"/>
+          </a:xfrm>
+          <a:prstGeom prst="ellipse">
+            <a:avLst/>
+          </a:prstGeom>
+        </p:spPr>
+        <p:style>
+          <a:lnRef idx="2">
+            <a:schemeClr val="accent1">
+              <a:shade val="50000"/>
+            </a:schemeClr>
+          </a:lnRef>
+          <a:fillRef idx="1">
+            <a:schemeClr val="accent1"/>
+          </a:fillRef>
+          <a:effectRef idx="0">
+            <a:schemeClr val="accent1"/>
+          </a:effectRef>
+          <a:fontRef idx="minor">
+            <a:schemeClr val="lt1"/>
+          </a:fontRef>
+        </p:style>
+        <p:txBody>
+          <a:bodyPr rtlCol="0" anchor="ctr"/>
+          <a:lstStyle/>
+          <a:p>
+            <a:pPr algn="ctr"/>
+            <a:r>
+              <a:rPr lang="en-US" dirty="0"/>
+              <a:t>Configuration</a:t>
+            </a:r>
+          </a:p>
+        </p:txBody>
+      </p:sp>
+      <p:cxnSp>
+        <p:nvCxnSpPr>
+          <p:cNvPr id="12" name="Straight Connector 11">
             <a:extLst>
-              <a:ext uri="{28A0092B-C50C-407E-A947-70E740481C1C}">
-                <a14:useLocalDpi xmlns:a14="http://schemas.microsoft.com/office/drawing/2010/main" val="0"/>
+              <a:ext uri="{FF2B5EF4-FFF2-40B4-BE49-F238E27FC236}">
+                <a16:creationId xmlns:a16="http://schemas.microsoft.com/office/drawing/2014/main" id="{7D3567D8-F1B3-4F88-B2AD-A64A6E2D650B}"/>
               </a:ext>
             </a:extLst>
-          </a:blip>
-          <a:srcRect/>
-          <a:stretch>
-            <a:fillRect/>
-          </a:stretch>
-        </p:blipFill>
-        <p:spPr bwMode="auto">
+          </p:cNvPr>
+          <p:cNvCxnSpPr/>
+          <p:nvPr/>
+        </p:nvCxnSpPr>
+        <p:spPr>
           <a:xfrm>
-            <a:off x="5363691" y="893874"/>
-            <a:ext cx="1808040" cy="1808040"/>
+            <a:off x="461447" y="1497110"/>
+            <a:ext cx="11028367" cy="0"/>
           </a:xfrm>
-          <a:prstGeom prst="rect">
+          <a:prstGeom prst="line">
             <a:avLst/>
           </a:prstGeom>
-          <a:noFill/>
-          <a:extLst>
-            <a:ext uri="{909E8E84-426E-40DD-AFC4-6F175D3DCCD1}">
-              <a14:hiddenFill xmlns:a14="http://schemas.microsoft.com/office/drawing/2010/main">
-                <a:solidFill>
-                  <a:srgbClr val="FFFFFF"/>
-                </a:solidFill>
-              </a14:hiddenFill>
-            </a:ext>
-          </a:extLst>
+          <a:ln w="38100"/>
         </p:spPr>
-      </p:pic>
+        <p:style>
+          <a:lnRef idx="1">
+            <a:schemeClr val="accent1"/>
+          </a:lnRef>
+          <a:fillRef idx="0">
+            <a:schemeClr val="accent1"/>
+          </a:fillRef>
+          <a:effectRef idx="0">
+            <a:schemeClr val="accent1"/>
+          </a:effectRef>
+          <a:fontRef idx="minor">
+            <a:schemeClr val="tx1"/>
+          </a:fontRef>
+        </p:style>
+      </p:cxnSp>
       <p:grpSp>
         <p:nvGrpSpPr>
-          <p:cNvPr id="7" name="Group 6">
+          <p:cNvPr id="25" name="Group 24">
             <a:extLst>
               <a:ext uri="{FF2B5EF4-FFF2-40B4-BE49-F238E27FC236}">
-                <a16:creationId xmlns:a16="http://schemas.microsoft.com/office/drawing/2014/main" id="{75583956-EACE-4A9F-81AC-D868FAC45380}"/>
+                <a16:creationId xmlns:a16="http://schemas.microsoft.com/office/drawing/2014/main" id="{6616CF92-1F07-40AE-A8D7-09ABFFA825FD}"/>
               </a:ext>
             </a:extLst>
           </p:cNvPr>
@@ -4562,259 +4849,4481 @@
         </p:nvGrpSpPr>
         <p:grpSpPr>
           <a:xfrm>
-            <a:off x="1273065" y="2701913"/>
-            <a:ext cx="9686902" cy="1364118"/>
-            <a:chOff x="1273065" y="2701913"/>
-            <a:chExt cx="9686902" cy="1364118"/>
+            <a:off x="4125595" y="2229290"/>
+            <a:ext cx="3837539" cy="1821626"/>
+            <a:chOff x="6096000" y="2229290"/>
+            <a:chExt cx="3837539" cy="1821626"/>
           </a:xfrm>
         </p:grpSpPr>
-        <p:pic>
-          <p:nvPicPr>
-            <p:cNvPr id="2054" name="Picture 6" descr="Transparent Training Icon Png - Font Awesome Users Png, Png Download ,  Transparent Png Image - PNGitem">
-              <a:extLst>
-                <a:ext uri="{FF2B5EF4-FFF2-40B4-BE49-F238E27FC236}">
-                  <a16:creationId xmlns:a16="http://schemas.microsoft.com/office/drawing/2014/main" id="{0C8FBA1A-5FA1-4AC6-84F6-BC2E536C093B}"/>
-                </a:ext>
-              </a:extLst>
-            </p:cNvPr>
-            <p:cNvPicPr>
-              <a:picLocks noChangeAspect="1" noChangeArrowheads="1"/>
-            </p:cNvPicPr>
-            <p:nvPr/>
-          </p:nvPicPr>
-          <p:blipFill>
-            <a:blip r:embed="rId3">
-              <a:extLst>
-                <a:ext uri="{28A0092B-C50C-407E-A947-70E740481C1C}">
-                  <a14:useLocalDpi xmlns:a14="http://schemas.microsoft.com/office/drawing/2010/main" val="0"/>
-                </a:ext>
-              </a:extLst>
-            </a:blip>
-            <a:srcRect/>
-            <a:stretch>
-              <a:fillRect/>
-            </a:stretch>
-          </p:blipFill>
-          <p:spPr bwMode="auto">
-            <a:xfrm>
-              <a:off x="1273065" y="3071245"/>
-              <a:ext cx="1467332" cy="975946"/>
-            </a:xfrm>
-            <a:prstGeom prst="rect">
-              <a:avLst/>
-            </a:prstGeom>
-            <a:noFill/>
-            <a:extLst>
-              <a:ext uri="{909E8E84-426E-40DD-AFC4-6F175D3DCCD1}">
-                <a14:hiddenFill xmlns:a14="http://schemas.microsoft.com/office/drawing/2010/main">
-                  <a:solidFill>
-                    <a:srgbClr val="FFFFFF"/>
-                  </a:solidFill>
-                </a14:hiddenFill>
-              </a:ext>
-            </a:extLst>
-          </p:spPr>
-        </p:pic>
-        <p:pic>
-          <p:nvPicPr>
-            <p:cNvPr id="2056" name="Picture 8" descr="About the Company - axes4">
-              <a:extLst>
-                <a:ext uri="{FF2B5EF4-FFF2-40B4-BE49-F238E27FC236}">
-                  <a16:creationId xmlns:a16="http://schemas.microsoft.com/office/drawing/2014/main" id="{2F441F40-D6C5-4E69-8A3F-3ECC04D3BADB}"/>
-                </a:ext>
-              </a:extLst>
-            </p:cNvPr>
-            <p:cNvPicPr>
-              <a:picLocks noChangeAspect="1" noChangeArrowheads="1"/>
-            </p:cNvPicPr>
-            <p:nvPr/>
-          </p:nvPicPr>
-          <p:blipFill rotWithShape="1">
-            <a:blip r:embed="rId4">
-              <a:extLst>
-                <a:ext uri="{28A0092B-C50C-407E-A947-70E740481C1C}">
-                  <a14:useLocalDpi xmlns:a14="http://schemas.microsoft.com/office/drawing/2010/main" val="0"/>
-                </a:ext>
-              </a:extLst>
-            </a:blip>
-            <a:srcRect l="14268" t="10679" r="17672" b="10187"/>
-            <a:stretch/>
-          </p:blipFill>
-          <p:spPr bwMode="auto">
-            <a:xfrm>
-              <a:off x="5752083" y="3071245"/>
-              <a:ext cx="1034503" cy="876503"/>
-            </a:xfrm>
-            <a:prstGeom prst="rect">
-              <a:avLst/>
-            </a:prstGeom>
-            <a:noFill/>
-            <a:extLst>
-              <a:ext uri="{909E8E84-426E-40DD-AFC4-6F175D3DCCD1}">
-                <a14:hiddenFill xmlns:a14="http://schemas.microsoft.com/office/drawing/2010/main">
-                  <a:solidFill>
-                    <a:srgbClr val="FFFFFF"/>
-                  </a:solidFill>
-                </a14:hiddenFill>
-              </a:ext>
-            </a:extLst>
-          </p:spPr>
-        </p:pic>
-        <p:pic>
-          <p:nvPicPr>
-            <p:cNvPr id="2060" name="Picture 12" descr="Users And Permissions - Permission Icon Png | Transparent PNG Download  #2251197 - Vippng">
-              <a:extLst>
-                <a:ext uri="{FF2B5EF4-FFF2-40B4-BE49-F238E27FC236}">
-                  <a16:creationId xmlns:a16="http://schemas.microsoft.com/office/drawing/2014/main" id="{430F95F6-6359-4F77-BBB8-01D9D683427C}"/>
-                </a:ext>
-              </a:extLst>
-            </p:cNvPr>
-            <p:cNvPicPr>
-              <a:picLocks noChangeAspect="1" noChangeArrowheads="1"/>
-            </p:cNvPicPr>
-            <p:nvPr/>
-          </p:nvPicPr>
-          <p:blipFill rotWithShape="1">
-            <a:blip r:embed="rId5">
-              <a:extLst>
-                <a:ext uri="{28A0092B-C50C-407E-A947-70E740481C1C}">
-                  <a14:useLocalDpi xmlns:a14="http://schemas.microsoft.com/office/drawing/2010/main" val="0"/>
-                </a:ext>
-              </a:extLst>
-            </a:blip>
-            <a:srcRect r="7443" b="13522"/>
-            <a:stretch/>
-          </p:blipFill>
-          <p:spPr bwMode="auto">
-            <a:xfrm>
-              <a:off x="9859818" y="3071245"/>
-              <a:ext cx="923971" cy="994786"/>
-            </a:xfrm>
-            <a:prstGeom prst="rect">
-              <a:avLst/>
-            </a:prstGeom>
-            <a:noFill/>
-            <a:extLst>
-              <a:ext uri="{909E8E84-426E-40DD-AFC4-6F175D3DCCD1}">
-                <a14:hiddenFill xmlns:a14="http://schemas.microsoft.com/office/drawing/2010/main">
-                  <a:solidFill>
-                    <a:srgbClr val="FFFFFF"/>
-                  </a:solidFill>
-                </a14:hiddenFill>
-              </a:ext>
-            </a:extLst>
-          </p:spPr>
-        </p:pic>
         <p:sp>
           <p:nvSpPr>
-            <p:cNvPr id="4" name="TextBox 3">
-              <a:extLst>
-                <a:ext uri="{FF2B5EF4-FFF2-40B4-BE49-F238E27FC236}">
-                  <a16:creationId xmlns:a16="http://schemas.microsoft.com/office/drawing/2014/main" id="{A3B9A769-1C16-46E3-A8BD-17C351EA14C0}"/>
-                </a:ext>
-              </a:extLst>
-            </p:cNvPr>
-            <p:cNvSpPr txBox="1"/>
+            <p:cNvPr id="16" name="Rectangle 15">
+              <a:extLst>
+                <a:ext uri="{FF2B5EF4-FFF2-40B4-BE49-F238E27FC236}">
+                  <a16:creationId xmlns:a16="http://schemas.microsoft.com/office/drawing/2014/main" id="{05196FA9-9852-480D-835A-EC4FBB3BBCF7}"/>
+                </a:ext>
+              </a:extLst>
+            </p:cNvPr>
+            <p:cNvSpPr/>
             <p:nvPr/>
           </p:nvSpPr>
           <p:spPr>
             <a:xfrm>
-              <a:off x="1560936" y="2701913"/>
-              <a:ext cx="891591" cy="369332"/>
+              <a:off x="6096000" y="3749779"/>
+              <a:ext cx="1153411" cy="301137"/>
             </a:xfrm>
             <a:prstGeom prst="rect">
               <a:avLst/>
             </a:prstGeom>
-            <a:noFill/>
-          </p:spPr>
+          </p:spPr>
+          <p:style>
+            <a:lnRef idx="2">
+              <a:schemeClr val="accent1">
+                <a:shade val="50000"/>
+              </a:schemeClr>
+            </a:lnRef>
+            <a:fillRef idx="1">
+              <a:schemeClr val="accent1"/>
+            </a:fillRef>
+            <a:effectRef idx="0">
+              <a:schemeClr val="accent1"/>
+            </a:effectRef>
+            <a:fontRef idx="minor">
+              <a:schemeClr val="lt1"/>
+            </a:fontRef>
+          </p:style>
           <p:txBody>
-            <a:bodyPr wrap="none" rtlCol="0">
-              <a:spAutoFit/>
-            </a:bodyPr>
+            <a:bodyPr rtlCol="0" anchor="ctr"/>
             <a:lstStyle/>
             <a:p>
+              <a:pPr algn="ctr"/>
               <a:r>
                 <a:rPr lang="en-US" dirty="0"/>
-                <a:t>Admin</a:t>
+                <a:t>Create</a:t>
               </a:r>
             </a:p>
           </p:txBody>
         </p:sp>
         <p:sp>
           <p:nvSpPr>
-            <p:cNvPr id="5" name="TextBox 4">
-              <a:extLst>
-                <a:ext uri="{FF2B5EF4-FFF2-40B4-BE49-F238E27FC236}">
-                  <a16:creationId xmlns:a16="http://schemas.microsoft.com/office/drawing/2014/main" id="{77D48E32-DF0E-4472-ABB7-9DC3495A717C}"/>
-                </a:ext>
-              </a:extLst>
-            </p:cNvPr>
-            <p:cNvSpPr txBox="1"/>
+            <p:cNvPr id="17" name="Oval 16">
+              <a:extLst>
+                <a:ext uri="{FF2B5EF4-FFF2-40B4-BE49-F238E27FC236}">
+                  <a16:creationId xmlns:a16="http://schemas.microsoft.com/office/drawing/2014/main" id="{4BB55055-C27F-4C84-B742-8E66235500D4}"/>
+                </a:ext>
+              </a:extLst>
+            </p:cNvPr>
+            <p:cNvSpPr/>
             <p:nvPr/>
           </p:nvSpPr>
           <p:spPr>
             <a:xfrm>
-              <a:off x="5744366" y="2701913"/>
-              <a:ext cx="1205779" cy="369332"/>
-            </a:xfrm>
-            <a:prstGeom prst="rect">
-              <a:avLst/>
-            </a:prstGeom>
-            <a:noFill/>
-          </p:spPr>
+              <a:off x="7035239" y="2229290"/>
+              <a:ext cx="2064799" cy="693183"/>
+            </a:xfrm>
+            <a:prstGeom prst="ellipse">
+              <a:avLst/>
+            </a:prstGeom>
+          </p:spPr>
+          <p:style>
+            <a:lnRef idx="2">
+              <a:schemeClr val="accent1">
+                <a:shade val="50000"/>
+              </a:schemeClr>
+            </a:lnRef>
+            <a:fillRef idx="1">
+              <a:schemeClr val="accent1"/>
+            </a:fillRef>
+            <a:effectRef idx="0">
+              <a:schemeClr val="accent1"/>
+            </a:effectRef>
+            <a:fontRef idx="minor">
+              <a:schemeClr val="lt1"/>
+            </a:fontRef>
+          </p:style>
           <p:txBody>
-            <a:bodyPr wrap="none" rtlCol="0">
-              <a:spAutoFit/>
-            </a:bodyPr>
+            <a:bodyPr rtlCol="0" anchor="ctr"/>
             <a:lstStyle/>
             <a:p>
+              <a:pPr algn="ctr"/>
               <a:r>
                 <a:rPr lang="en-US" dirty="0"/>
-                <a:t>User Role</a:t>
+                <a:t>Department</a:t>
               </a:r>
             </a:p>
           </p:txBody>
         </p:sp>
         <p:sp>
           <p:nvSpPr>
-            <p:cNvPr id="6" name="TextBox 5">
-              <a:extLst>
-                <a:ext uri="{FF2B5EF4-FFF2-40B4-BE49-F238E27FC236}">
-                  <a16:creationId xmlns:a16="http://schemas.microsoft.com/office/drawing/2014/main" id="{01746358-F294-4A44-816D-59E7BBBC6F63}"/>
-                </a:ext>
-              </a:extLst>
-            </p:cNvPr>
-            <p:cNvSpPr txBox="1"/>
+            <p:cNvPr id="18" name="Rectangle 17">
+              <a:extLst>
+                <a:ext uri="{FF2B5EF4-FFF2-40B4-BE49-F238E27FC236}">
+                  <a16:creationId xmlns:a16="http://schemas.microsoft.com/office/drawing/2014/main" id="{2B1E95C1-434C-4F6A-B65E-C2545F6BCCB0}"/>
+                </a:ext>
+              </a:extLst>
+            </p:cNvPr>
+            <p:cNvSpPr/>
             <p:nvPr/>
           </p:nvSpPr>
           <p:spPr>
             <a:xfrm>
-              <a:off x="9501363" y="2701913"/>
-              <a:ext cx="1458604" cy="369332"/>
+              <a:off x="7469502" y="3749779"/>
+              <a:ext cx="1153411" cy="301137"/>
             </a:xfrm>
             <a:prstGeom prst="rect">
               <a:avLst/>
             </a:prstGeom>
-            <a:noFill/>
-          </p:spPr>
+          </p:spPr>
+          <p:style>
+            <a:lnRef idx="2">
+              <a:schemeClr val="accent1">
+                <a:shade val="50000"/>
+              </a:schemeClr>
+            </a:lnRef>
+            <a:fillRef idx="1">
+              <a:schemeClr val="accent1"/>
+            </a:fillRef>
+            <a:effectRef idx="0">
+              <a:schemeClr val="accent1"/>
+            </a:effectRef>
+            <a:fontRef idx="minor">
+              <a:schemeClr val="lt1"/>
+            </a:fontRef>
+          </p:style>
           <p:txBody>
-            <a:bodyPr wrap="none" rtlCol="0">
-              <a:spAutoFit/>
-            </a:bodyPr>
+            <a:bodyPr rtlCol="0" anchor="ctr"/>
             <a:lstStyle/>
             <a:p>
+              <a:pPr algn="ctr"/>
               <a:r>
                 <a:rPr lang="en-US" dirty="0"/>
-                <a:t>Permissions</a:t>
+                <a:t>Return</a:t>
+              </a:r>
+            </a:p>
+          </p:txBody>
+        </p:sp>
+        <p:sp>
+          <p:nvSpPr>
+            <p:cNvPr id="19" name="Rectangle 18">
+              <a:extLst>
+                <a:ext uri="{FF2B5EF4-FFF2-40B4-BE49-F238E27FC236}">
+                  <a16:creationId xmlns:a16="http://schemas.microsoft.com/office/drawing/2014/main" id="{A6B08C56-C47E-42AD-9691-74077532DE67}"/>
+                </a:ext>
+              </a:extLst>
+            </p:cNvPr>
+            <p:cNvSpPr/>
+            <p:nvPr/>
+          </p:nvSpPr>
+          <p:spPr>
+            <a:xfrm>
+              <a:off x="8780128" y="3749779"/>
+              <a:ext cx="1153411" cy="301137"/>
+            </a:xfrm>
+            <a:prstGeom prst="rect">
+              <a:avLst/>
+            </a:prstGeom>
+          </p:spPr>
+          <p:style>
+            <a:lnRef idx="2">
+              <a:schemeClr val="accent1">
+                <a:shade val="50000"/>
+              </a:schemeClr>
+            </a:lnRef>
+            <a:fillRef idx="1">
+              <a:schemeClr val="accent1"/>
+            </a:fillRef>
+            <a:effectRef idx="0">
+              <a:schemeClr val="accent1"/>
+            </a:effectRef>
+            <a:fontRef idx="minor">
+              <a:schemeClr val="lt1"/>
+            </a:fontRef>
+          </p:style>
+          <p:txBody>
+            <a:bodyPr rtlCol="0" anchor="ctr"/>
+            <a:lstStyle/>
+            <a:p>
+              <a:pPr algn="ctr"/>
+              <a:r>
+                <a:rPr lang="en-US" dirty="0"/>
+                <a:t>Delete</a:t>
+              </a:r>
+            </a:p>
+          </p:txBody>
+        </p:sp>
+        <p:cxnSp>
+          <p:nvCxnSpPr>
+            <p:cNvPr id="20" name="Straight Arrow Connector 19">
+              <a:extLst>
+                <a:ext uri="{FF2B5EF4-FFF2-40B4-BE49-F238E27FC236}">
+                  <a16:creationId xmlns:a16="http://schemas.microsoft.com/office/drawing/2014/main" id="{9C1C6531-138F-4646-912E-1AB5D689C1DB}"/>
+                </a:ext>
+              </a:extLst>
+            </p:cNvPr>
+            <p:cNvCxnSpPr>
+              <a:cxnSpLocks/>
+              <a:stCxn id="17" idx="4"/>
+              <a:endCxn id="16" idx="0"/>
+            </p:cNvCxnSpPr>
+            <p:nvPr/>
+          </p:nvCxnSpPr>
+          <p:spPr>
+            <a:xfrm flipH="1">
+              <a:off x="6672706" y="2922473"/>
+              <a:ext cx="1394933" cy="827306"/>
+            </a:xfrm>
+            <a:prstGeom prst="straightConnector1">
+              <a:avLst/>
+            </a:prstGeom>
+            <a:ln>
+              <a:tailEnd type="triangle"/>
+            </a:ln>
+          </p:spPr>
+          <p:style>
+            <a:lnRef idx="1">
+              <a:schemeClr val="accent1"/>
+            </a:lnRef>
+            <a:fillRef idx="0">
+              <a:schemeClr val="accent1"/>
+            </a:fillRef>
+            <a:effectRef idx="0">
+              <a:schemeClr val="accent1"/>
+            </a:effectRef>
+            <a:fontRef idx="minor">
+              <a:schemeClr val="tx1"/>
+            </a:fontRef>
+          </p:style>
+        </p:cxnSp>
+        <p:cxnSp>
+          <p:nvCxnSpPr>
+            <p:cNvPr id="21" name="Straight Arrow Connector 20">
+              <a:extLst>
+                <a:ext uri="{FF2B5EF4-FFF2-40B4-BE49-F238E27FC236}">
+                  <a16:creationId xmlns:a16="http://schemas.microsoft.com/office/drawing/2014/main" id="{FF504B6A-0EB0-451B-AB1D-2DF9793A5DB9}"/>
+                </a:ext>
+              </a:extLst>
+            </p:cNvPr>
+            <p:cNvCxnSpPr>
+              <a:cxnSpLocks/>
+              <a:stCxn id="17" idx="4"/>
+              <a:endCxn id="18" idx="0"/>
+            </p:cNvCxnSpPr>
+            <p:nvPr/>
+          </p:nvCxnSpPr>
+          <p:spPr>
+            <a:xfrm flipH="1">
+              <a:off x="8046208" y="2922473"/>
+              <a:ext cx="21431" cy="827306"/>
+            </a:xfrm>
+            <a:prstGeom prst="straightConnector1">
+              <a:avLst/>
+            </a:prstGeom>
+            <a:ln>
+              <a:tailEnd type="triangle"/>
+            </a:ln>
+          </p:spPr>
+          <p:style>
+            <a:lnRef idx="1">
+              <a:schemeClr val="accent1"/>
+            </a:lnRef>
+            <a:fillRef idx="0">
+              <a:schemeClr val="accent1"/>
+            </a:fillRef>
+            <a:effectRef idx="0">
+              <a:schemeClr val="accent1"/>
+            </a:effectRef>
+            <a:fontRef idx="minor">
+              <a:schemeClr val="tx1"/>
+            </a:fontRef>
+          </p:style>
+        </p:cxnSp>
+        <p:cxnSp>
+          <p:nvCxnSpPr>
+            <p:cNvPr id="22" name="Straight Arrow Connector 21">
+              <a:extLst>
+                <a:ext uri="{FF2B5EF4-FFF2-40B4-BE49-F238E27FC236}">
+                  <a16:creationId xmlns:a16="http://schemas.microsoft.com/office/drawing/2014/main" id="{3353C039-01E5-410D-A06C-1137EADB610E}"/>
+                </a:ext>
+              </a:extLst>
+            </p:cNvPr>
+            <p:cNvCxnSpPr>
+              <a:cxnSpLocks/>
+              <a:stCxn id="17" idx="4"/>
+              <a:endCxn id="19" idx="0"/>
+            </p:cNvCxnSpPr>
+            <p:nvPr/>
+          </p:nvCxnSpPr>
+          <p:spPr>
+            <a:xfrm>
+              <a:off x="8067639" y="2922473"/>
+              <a:ext cx="1289195" cy="827306"/>
+            </a:xfrm>
+            <a:prstGeom prst="straightConnector1">
+              <a:avLst/>
+            </a:prstGeom>
+            <a:ln>
+              <a:tailEnd type="triangle"/>
+            </a:ln>
+          </p:spPr>
+          <p:style>
+            <a:lnRef idx="1">
+              <a:schemeClr val="accent1"/>
+            </a:lnRef>
+            <a:fillRef idx="0">
+              <a:schemeClr val="accent1"/>
+            </a:fillRef>
+            <a:effectRef idx="0">
+              <a:schemeClr val="accent1"/>
+            </a:effectRef>
+            <a:fontRef idx="minor">
+              <a:schemeClr val="tx1"/>
+            </a:fontRef>
+          </p:style>
+        </p:cxnSp>
+      </p:grpSp>
+      <p:grpSp>
+        <p:nvGrpSpPr>
+          <p:cNvPr id="15" name="Group 14">
+            <a:extLst>
+              <a:ext uri="{FF2B5EF4-FFF2-40B4-BE49-F238E27FC236}">
+                <a16:creationId xmlns:a16="http://schemas.microsoft.com/office/drawing/2014/main" id="{E069E262-FF23-4C07-8A4E-882E04BF59FF}"/>
+              </a:ext>
+            </a:extLst>
+          </p:cNvPr>
+          <p:cNvGrpSpPr/>
+          <p:nvPr/>
+        </p:nvGrpSpPr>
+        <p:grpSpPr>
+          <a:xfrm>
+            <a:off x="133329" y="2229290"/>
+            <a:ext cx="3837539" cy="1821626"/>
+            <a:chOff x="1200323" y="2260503"/>
+            <a:chExt cx="3837539" cy="1821626"/>
+          </a:xfrm>
+        </p:grpSpPr>
+        <p:sp>
+          <p:nvSpPr>
+            <p:cNvPr id="32" name="Rectangle 31">
+              <a:extLst>
+                <a:ext uri="{FF2B5EF4-FFF2-40B4-BE49-F238E27FC236}">
+                  <a16:creationId xmlns:a16="http://schemas.microsoft.com/office/drawing/2014/main" id="{3E2CDEEA-9EF9-4D79-8A74-D567C9F7CC2D}"/>
+                </a:ext>
+              </a:extLst>
+            </p:cNvPr>
+            <p:cNvSpPr/>
+            <p:nvPr/>
+          </p:nvSpPr>
+          <p:spPr>
+            <a:xfrm>
+              <a:off x="1200323" y="3780992"/>
+              <a:ext cx="1153411" cy="301137"/>
+            </a:xfrm>
+            <a:prstGeom prst="rect">
+              <a:avLst/>
+            </a:prstGeom>
+          </p:spPr>
+          <p:style>
+            <a:lnRef idx="2">
+              <a:schemeClr val="accent1">
+                <a:shade val="50000"/>
+              </a:schemeClr>
+            </a:lnRef>
+            <a:fillRef idx="1">
+              <a:schemeClr val="accent1"/>
+            </a:fillRef>
+            <a:effectRef idx="0">
+              <a:schemeClr val="accent1"/>
+            </a:effectRef>
+            <a:fontRef idx="minor">
+              <a:schemeClr val="lt1"/>
+            </a:fontRef>
+          </p:style>
+          <p:txBody>
+            <a:bodyPr rtlCol="0" anchor="ctr"/>
+            <a:lstStyle/>
+            <a:p>
+              <a:pPr algn="ctr"/>
+              <a:r>
+                <a:rPr lang="en-US" dirty="0"/>
+                <a:t>Create</a:t>
+              </a:r>
+            </a:p>
+          </p:txBody>
+        </p:sp>
+        <p:sp>
+          <p:nvSpPr>
+            <p:cNvPr id="33" name="Oval 32">
+              <a:extLst>
+                <a:ext uri="{FF2B5EF4-FFF2-40B4-BE49-F238E27FC236}">
+                  <a16:creationId xmlns:a16="http://schemas.microsoft.com/office/drawing/2014/main" id="{90C8438E-809E-4C45-A582-9FDA52584A95}"/>
+                </a:ext>
+              </a:extLst>
+            </p:cNvPr>
+            <p:cNvSpPr/>
+            <p:nvPr/>
+          </p:nvSpPr>
+          <p:spPr>
+            <a:xfrm>
+              <a:off x="2139562" y="2260503"/>
+              <a:ext cx="1763909" cy="693183"/>
+            </a:xfrm>
+            <a:prstGeom prst="ellipse">
+              <a:avLst/>
+            </a:prstGeom>
+          </p:spPr>
+          <p:style>
+            <a:lnRef idx="2">
+              <a:schemeClr val="accent1">
+                <a:shade val="50000"/>
+              </a:schemeClr>
+            </a:lnRef>
+            <a:fillRef idx="1">
+              <a:schemeClr val="accent1"/>
+            </a:fillRef>
+            <a:effectRef idx="0">
+              <a:schemeClr val="accent1"/>
+            </a:effectRef>
+            <a:fontRef idx="minor">
+              <a:schemeClr val="lt1"/>
+            </a:fontRef>
+          </p:style>
+          <p:txBody>
+            <a:bodyPr rtlCol="0" anchor="ctr"/>
+            <a:lstStyle/>
+            <a:p>
+              <a:pPr algn="ctr"/>
+              <a:r>
+                <a:rPr lang="en-US" dirty="0"/>
+                <a:t>Employee</a:t>
+              </a:r>
+            </a:p>
+          </p:txBody>
+        </p:sp>
+        <p:sp>
+          <p:nvSpPr>
+            <p:cNvPr id="41" name="Rectangle 40">
+              <a:extLst>
+                <a:ext uri="{FF2B5EF4-FFF2-40B4-BE49-F238E27FC236}">
+                  <a16:creationId xmlns:a16="http://schemas.microsoft.com/office/drawing/2014/main" id="{3343E03E-481C-4D83-A595-93D9228C1210}"/>
+                </a:ext>
+              </a:extLst>
+            </p:cNvPr>
+            <p:cNvSpPr/>
+            <p:nvPr/>
+          </p:nvSpPr>
+          <p:spPr>
+            <a:xfrm>
+              <a:off x="2573825" y="3780992"/>
+              <a:ext cx="1153411" cy="301137"/>
+            </a:xfrm>
+            <a:prstGeom prst="rect">
+              <a:avLst/>
+            </a:prstGeom>
+          </p:spPr>
+          <p:style>
+            <a:lnRef idx="2">
+              <a:schemeClr val="accent1">
+                <a:shade val="50000"/>
+              </a:schemeClr>
+            </a:lnRef>
+            <a:fillRef idx="1">
+              <a:schemeClr val="accent1"/>
+            </a:fillRef>
+            <a:effectRef idx="0">
+              <a:schemeClr val="accent1"/>
+            </a:effectRef>
+            <a:fontRef idx="minor">
+              <a:schemeClr val="lt1"/>
+            </a:fontRef>
+          </p:style>
+          <p:txBody>
+            <a:bodyPr rtlCol="0" anchor="ctr"/>
+            <a:lstStyle/>
+            <a:p>
+              <a:pPr algn="ctr"/>
+              <a:r>
+                <a:rPr lang="en-US" dirty="0"/>
+                <a:t>Update</a:t>
+              </a:r>
+            </a:p>
+          </p:txBody>
+        </p:sp>
+        <p:sp>
+          <p:nvSpPr>
+            <p:cNvPr id="42" name="Rectangle 41">
+              <a:extLst>
+                <a:ext uri="{FF2B5EF4-FFF2-40B4-BE49-F238E27FC236}">
+                  <a16:creationId xmlns:a16="http://schemas.microsoft.com/office/drawing/2014/main" id="{069DEC21-E6A3-4CF5-8D35-6F023145E3A3}"/>
+                </a:ext>
+              </a:extLst>
+            </p:cNvPr>
+            <p:cNvSpPr/>
+            <p:nvPr/>
+          </p:nvSpPr>
+          <p:spPr>
+            <a:xfrm>
+              <a:off x="3884451" y="3780992"/>
+              <a:ext cx="1153411" cy="301137"/>
+            </a:xfrm>
+            <a:prstGeom prst="rect">
+              <a:avLst/>
+            </a:prstGeom>
+          </p:spPr>
+          <p:style>
+            <a:lnRef idx="2">
+              <a:schemeClr val="accent1">
+                <a:shade val="50000"/>
+              </a:schemeClr>
+            </a:lnRef>
+            <a:fillRef idx="1">
+              <a:schemeClr val="accent1"/>
+            </a:fillRef>
+            <a:effectRef idx="0">
+              <a:schemeClr val="accent1"/>
+            </a:effectRef>
+            <a:fontRef idx="minor">
+              <a:schemeClr val="lt1"/>
+            </a:fontRef>
+          </p:style>
+          <p:txBody>
+            <a:bodyPr rtlCol="0" anchor="ctr"/>
+            <a:lstStyle/>
+            <a:p>
+              <a:pPr algn="ctr"/>
+              <a:r>
+                <a:rPr lang="en-US" dirty="0"/>
+                <a:t>Delete</a:t>
+              </a:r>
+            </a:p>
+          </p:txBody>
+        </p:sp>
+        <p:cxnSp>
+          <p:nvCxnSpPr>
+            <p:cNvPr id="43" name="Straight Arrow Connector 42">
+              <a:extLst>
+                <a:ext uri="{FF2B5EF4-FFF2-40B4-BE49-F238E27FC236}">
+                  <a16:creationId xmlns:a16="http://schemas.microsoft.com/office/drawing/2014/main" id="{906036A7-F713-4915-AA92-AA2865764FB6}"/>
+                </a:ext>
+              </a:extLst>
+            </p:cNvPr>
+            <p:cNvCxnSpPr>
+              <a:cxnSpLocks/>
+              <a:stCxn id="33" idx="4"/>
+              <a:endCxn id="32" idx="0"/>
+            </p:cNvCxnSpPr>
+            <p:nvPr/>
+          </p:nvCxnSpPr>
+          <p:spPr>
+            <a:xfrm flipH="1">
+              <a:off x="1777029" y="2953686"/>
+              <a:ext cx="1244488" cy="827306"/>
+            </a:xfrm>
+            <a:prstGeom prst="straightConnector1">
+              <a:avLst/>
+            </a:prstGeom>
+            <a:ln>
+              <a:tailEnd type="triangle"/>
+            </a:ln>
+          </p:spPr>
+          <p:style>
+            <a:lnRef idx="1">
+              <a:schemeClr val="accent1"/>
+            </a:lnRef>
+            <a:fillRef idx="0">
+              <a:schemeClr val="accent1"/>
+            </a:fillRef>
+            <a:effectRef idx="0">
+              <a:schemeClr val="accent1"/>
+            </a:effectRef>
+            <a:fontRef idx="minor">
+              <a:schemeClr val="tx1"/>
+            </a:fontRef>
+          </p:style>
+        </p:cxnSp>
+        <p:cxnSp>
+          <p:nvCxnSpPr>
+            <p:cNvPr id="44" name="Straight Arrow Connector 43">
+              <a:extLst>
+                <a:ext uri="{FF2B5EF4-FFF2-40B4-BE49-F238E27FC236}">
+                  <a16:creationId xmlns:a16="http://schemas.microsoft.com/office/drawing/2014/main" id="{5682EF00-06ED-40B6-A2EF-A2AD78B5DE93}"/>
+                </a:ext>
+              </a:extLst>
+            </p:cNvPr>
+            <p:cNvCxnSpPr>
+              <a:cxnSpLocks/>
+              <a:stCxn id="33" idx="4"/>
+              <a:endCxn id="41" idx="0"/>
+            </p:cNvCxnSpPr>
+            <p:nvPr/>
+          </p:nvCxnSpPr>
+          <p:spPr>
+            <a:xfrm>
+              <a:off x="3021517" y="2953686"/>
+              <a:ext cx="129014" cy="827306"/>
+            </a:xfrm>
+            <a:prstGeom prst="straightConnector1">
+              <a:avLst/>
+            </a:prstGeom>
+            <a:ln>
+              <a:tailEnd type="triangle"/>
+            </a:ln>
+          </p:spPr>
+          <p:style>
+            <a:lnRef idx="1">
+              <a:schemeClr val="accent1"/>
+            </a:lnRef>
+            <a:fillRef idx="0">
+              <a:schemeClr val="accent1"/>
+            </a:fillRef>
+            <a:effectRef idx="0">
+              <a:schemeClr val="accent1"/>
+            </a:effectRef>
+            <a:fontRef idx="minor">
+              <a:schemeClr val="tx1"/>
+            </a:fontRef>
+          </p:style>
+        </p:cxnSp>
+        <p:cxnSp>
+          <p:nvCxnSpPr>
+            <p:cNvPr id="45" name="Straight Arrow Connector 44">
+              <a:extLst>
+                <a:ext uri="{FF2B5EF4-FFF2-40B4-BE49-F238E27FC236}">
+                  <a16:creationId xmlns:a16="http://schemas.microsoft.com/office/drawing/2014/main" id="{67268BB0-E38F-477C-92D0-9745BD108424}"/>
+                </a:ext>
+              </a:extLst>
+            </p:cNvPr>
+            <p:cNvCxnSpPr>
+              <a:cxnSpLocks/>
+              <a:stCxn id="33" idx="4"/>
+              <a:endCxn id="42" idx="0"/>
+            </p:cNvCxnSpPr>
+            <p:nvPr/>
+          </p:nvCxnSpPr>
+          <p:spPr>
+            <a:xfrm>
+              <a:off x="3021517" y="2953686"/>
+              <a:ext cx="1439640" cy="827306"/>
+            </a:xfrm>
+            <a:prstGeom prst="straightConnector1">
+              <a:avLst/>
+            </a:prstGeom>
+            <a:ln>
+              <a:tailEnd type="triangle"/>
+            </a:ln>
+          </p:spPr>
+          <p:style>
+            <a:lnRef idx="1">
+              <a:schemeClr val="accent1"/>
+            </a:lnRef>
+            <a:fillRef idx="0">
+              <a:schemeClr val="accent1"/>
+            </a:fillRef>
+            <a:effectRef idx="0">
+              <a:schemeClr val="accent1"/>
+            </a:effectRef>
+            <a:fontRef idx="minor">
+              <a:schemeClr val="tx1"/>
+            </a:fontRef>
+          </p:style>
+        </p:cxnSp>
+      </p:grpSp>
+      <p:grpSp>
+        <p:nvGrpSpPr>
+          <p:cNvPr id="24" name="Group 23">
+            <a:extLst>
+              <a:ext uri="{FF2B5EF4-FFF2-40B4-BE49-F238E27FC236}">
+                <a16:creationId xmlns:a16="http://schemas.microsoft.com/office/drawing/2014/main" id="{B6CFF892-589E-494C-A60A-1A4CF01761E5}"/>
+              </a:ext>
+            </a:extLst>
+          </p:cNvPr>
+          <p:cNvGrpSpPr/>
+          <p:nvPr/>
+        </p:nvGrpSpPr>
+        <p:grpSpPr>
+          <a:xfrm>
+            <a:off x="8120349" y="2229290"/>
+            <a:ext cx="3837539" cy="1821626"/>
+            <a:chOff x="6096000" y="2229290"/>
+            <a:chExt cx="3837539" cy="1821626"/>
+          </a:xfrm>
+        </p:grpSpPr>
+        <p:sp>
+          <p:nvSpPr>
+            <p:cNvPr id="26" name="Rectangle 25">
+              <a:extLst>
+                <a:ext uri="{FF2B5EF4-FFF2-40B4-BE49-F238E27FC236}">
+                  <a16:creationId xmlns:a16="http://schemas.microsoft.com/office/drawing/2014/main" id="{CA9F0D12-3146-44E2-9400-EDEE676E8C8D}"/>
+                </a:ext>
+              </a:extLst>
+            </p:cNvPr>
+            <p:cNvSpPr/>
+            <p:nvPr/>
+          </p:nvSpPr>
+          <p:spPr>
+            <a:xfrm>
+              <a:off x="6096000" y="3749779"/>
+              <a:ext cx="1153411" cy="301137"/>
+            </a:xfrm>
+            <a:prstGeom prst="rect">
+              <a:avLst/>
+            </a:prstGeom>
+          </p:spPr>
+          <p:style>
+            <a:lnRef idx="2">
+              <a:schemeClr val="accent1">
+                <a:shade val="50000"/>
+              </a:schemeClr>
+            </a:lnRef>
+            <a:fillRef idx="1">
+              <a:schemeClr val="accent1"/>
+            </a:fillRef>
+            <a:effectRef idx="0">
+              <a:schemeClr val="accent1"/>
+            </a:effectRef>
+            <a:fontRef idx="minor">
+              <a:schemeClr val="lt1"/>
+            </a:fontRef>
+          </p:style>
+          <p:txBody>
+            <a:bodyPr rtlCol="0" anchor="ctr"/>
+            <a:lstStyle/>
+            <a:p>
+              <a:pPr algn="ctr"/>
+              <a:r>
+                <a:rPr lang="en-US" dirty="0"/>
+                <a:t>Create</a:t>
+              </a:r>
+            </a:p>
+          </p:txBody>
+        </p:sp>
+        <p:sp>
+          <p:nvSpPr>
+            <p:cNvPr id="27" name="Oval 26">
+              <a:extLst>
+                <a:ext uri="{FF2B5EF4-FFF2-40B4-BE49-F238E27FC236}">
+                  <a16:creationId xmlns:a16="http://schemas.microsoft.com/office/drawing/2014/main" id="{A52725FC-919B-4A7D-BEEC-B0CB91FA7909}"/>
+                </a:ext>
+              </a:extLst>
+            </p:cNvPr>
+            <p:cNvSpPr/>
+            <p:nvPr/>
+          </p:nvSpPr>
+          <p:spPr>
+            <a:xfrm>
+              <a:off x="7035239" y="2229290"/>
+              <a:ext cx="2064799" cy="693183"/>
+            </a:xfrm>
+            <a:prstGeom prst="ellipse">
+              <a:avLst/>
+            </a:prstGeom>
+          </p:spPr>
+          <p:style>
+            <a:lnRef idx="2">
+              <a:schemeClr val="accent1">
+                <a:shade val="50000"/>
+              </a:schemeClr>
+            </a:lnRef>
+            <a:fillRef idx="1">
+              <a:schemeClr val="accent1"/>
+            </a:fillRef>
+            <a:effectRef idx="0">
+              <a:schemeClr val="accent1"/>
+            </a:effectRef>
+            <a:fontRef idx="minor">
+              <a:schemeClr val="lt1"/>
+            </a:fontRef>
+          </p:style>
+          <p:txBody>
+            <a:bodyPr rtlCol="0" anchor="ctr"/>
+            <a:lstStyle/>
+            <a:p>
+              <a:pPr algn="ctr"/>
+              <a:r>
+                <a:rPr lang="en-US" dirty="0"/>
+                <a:t>Designation</a:t>
+              </a:r>
+            </a:p>
+          </p:txBody>
+        </p:sp>
+        <p:sp>
+          <p:nvSpPr>
+            <p:cNvPr id="28" name="Rectangle 27">
+              <a:extLst>
+                <a:ext uri="{FF2B5EF4-FFF2-40B4-BE49-F238E27FC236}">
+                  <a16:creationId xmlns:a16="http://schemas.microsoft.com/office/drawing/2014/main" id="{E85A5836-7FB3-437C-91C0-CCC08A88AC41}"/>
+                </a:ext>
+              </a:extLst>
+            </p:cNvPr>
+            <p:cNvSpPr/>
+            <p:nvPr/>
+          </p:nvSpPr>
+          <p:spPr>
+            <a:xfrm>
+              <a:off x="7469502" y="3749779"/>
+              <a:ext cx="1153411" cy="301137"/>
+            </a:xfrm>
+            <a:prstGeom prst="rect">
+              <a:avLst/>
+            </a:prstGeom>
+          </p:spPr>
+          <p:style>
+            <a:lnRef idx="2">
+              <a:schemeClr val="accent1">
+                <a:shade val="50000"/>
+              </a:schemeClr>
+            </a:lnRef>
+            <a:fillRef idx="1">
+              <a:schemeClr val="accent1"/>
+            </a:fillRef>
+            <a:effectRef idx="0">
+              <a:schemeClr val="accent1"/>
+            </a:effectRef>
+            <a:fontRef idx="minor">
+              <a:schemeClr val="lt1"/>
+            </a:fontRef>
+          </p:style>
+          <p:txBody>
+            <a:bodyPr rtlCol="0" anchor="ctr"/>
+            <a:lstStyle/>
+            <a:p>
+              <a:pPr algn="ctr"/>
+              <a:r>
+                <a:rPr lang="en-US" dirty="0"/>
+                <a:t>Return</a:t>
+              </a:r>
+            </a:p>
+          </p:txBody>
+        </p:sp>
+        <p:sp>
+          <p:nvSpPr>
+            <p:cNvPr id="29" name="Rectangle 28">
+              <a:extLst>
+                <a:ext uri="{FF2B5EF4-FFF2-40B4-BE49-F238E27FC236}">
+                  <a16:creationId xmlns:a16="http://schemas.microsoft.com/office/drawing/2014/main" id="{D3DDD4F5-3F33-4717-8331-5BC866310A40}"/>
+                </a:ext>
+              </a:extLst>
+            </p:cNvPr>
+            <p:cNvSpPr/>
+            <p:nvPr/>
+          </p:nvSpPr>
+          <p:spPr>
+            <a:xfrm>
+              <a:off x="8780128" y="3749779"/>
+              <a:ext cx="1153411" cy="301137"/>
+            </a:xfrm>
+            <a:prstGeom prst="rect">
+              <a:avLst/>
+            </a:prstGeom>
+          </p:spPr>
+          <p:style>
+            <a:lnRef idx="2">
+              <a:schemeClr val="accent1">
+                <a:shade val="50000"/>
+              </a:schemeClr>
+            </a:lnRef>
+            <a:fillRef idx="1">
+              <a:schemeClr val="accent1"/>
+            </a:fillRef>
+            <a:effectRef idx="0">
+              <a:schemeClr val="accent1"/>
+            </a:effectRef>
+            <a:fontRef idx="minor">
+              <a:schemeClr val="lt1"/>
+            </a:fontRef>
+          </p:style>
+          <p:txBody>
+            <a:bodyPr rtlCol="0" anchor="ctr"/>
+            <a:lstStyle/>
+            <a:p>
+              <a:pPr algn="ctr"/>
+              <a:r>
+                <a:rPr lang="en-US" dirty="0"/>
+                <a:t>Delete</a:t>
+              </a:r>
+            </a:p>
+          </p:txBody>
+        </p:sp>
+        <p:cxnSp>
+          <p:nvCxnSpPr>
+            <p:cNvPr id="30" name="Straight Arrow Connector 29">
+              <a:extLst>
+                <a:ext uri="{FF2B5EF4-FFF2-40B4-BE49-F238E27FC236}">
+                  <a16:creationId xmlns:a16="http://schemas.microsoft.com/office/drawing/2014/main" id="{8DD77012-1C83-4F01-A5E8-E54DBB86A6B4}"/>
+                </a:ext>
+              </a:extLst>
+            </p:cNvPr>
+            <p:cNvCxnSpPr>
+              <a:cxnSpLocks/>
+              <a:stCxn id="27" idx="4"/>
+              <a:endCxn id="26" idx="0"/>
+            </p:cNvCxnSpPr>
+            <p:nvPr/>
+          </p:nvCxnSpPr>
+          <p:spPr>
+            <a:xfrm flipH="1">
+              <a:off x="6672706" y="2922473"/>
+              <a:ext cx="1394933" cy="827306"/>
+            </a:xfrm>
+            <a:prstGeom prst="straightConnector1">
+              <a:avLst/>
+            </a:prstGeom>
+            <a:ln>
+              <a:tailEnd type="triangle"/>
+            </a:ln>
+          </p:spPr>
+          <p:style>
+            <a:lnRef idx="1">
+              <a:schemeClr val="accent1"/>
+            </a:lnRef>
+            <a:fillRef idx="0">
+              <a:schemeClr val="accent1"/>
+            </a:fillRef>
+            <a:effectRef idx="0">
+              <a:schemeClr val="accent1"/>
+            </a:effectRef>
+            <a:fontRef idx="minor">
+              <a:schemeClr val="tx1"/>
+            </a:fontRef>
+          </p:style>
+        </p:cxnSp>
+        <p:cxnSp>
+          <p:nvCxnSpPr>
+            <p:cNvPr id="31" name="Straight Arrow Connector 30">
+              <a:extLst>
+                <a:ext uri="{FF2B5EF4-FFF2-40B4-BE49-F238E27FC236}">
+                  <a16:creationId xmlns:a16="http://schemas.microsoft.com/office/drawing/2014/main" id="{517C9C8D-A8C3-4C36-8FB6-B8F5A9660CF1}"/>
+                </a:ext>
+              </a:extLst>
+            </p:cNvPr>
+            <p:cNvCxnSpPr>
+              <a:cxnSpLocks/>
+              <a:stCxn id="27" idx="4"/>
+              <a:endCxn id="28" idx="0"/>
+            </p:cNvCxnSpPr>
+            <p:nvPr/>
+          </p:nvCxnSpPr>
+          <p:spPr>
+            <a:xfrm flipH="1">
+              <a:off x="8046208" y="2922473"/>
+              <a:ext cx="21431" cy="827306"/>
+            </a:xfrm>
+            <a:prstGeom prst="straightConnector1">
+              <a:avLst/>
+            </a:prstGeom>
+            <a:ln>
+              <a:tailEnd type="triangle"/>
+            </a:ln>
+          </p:spPr>
+          <p:style>
+            <a:lnRef idx="1">
+              <a:schemeClr val="accent1"/>
+            </a:lnRef>
+            <a:fillRef idx="0">
+              <a:schemeClr val="accent1"/>
+            </a:fillRef>
+            <a:effectRef idx="0">
+              <a:schemeClr val="accent1"/>
+            </a:effectRef>
+            <a:fontRef idx="minor">
+              <a:schemeClr val="tx1"/>
+            </a:fontRef>
+          </p:style>
+        </p:cxnSp>
+        <p:cxnSp>
+          <p:nvCxnSpPr>
+            <p:cNvPr id="34" name="Straight Arrow Connector 33">
+              <a:extLst>
+                <a:ext uri="{FF2B5EF4-FFF2-40B4-BE49-F238E27FC236}">
+                  <a16:creationId xmlns:a16="http://schemas.microsoft.com/office/drawing/2014/main" id="{D07A70CC-3596-4CCE-A768-1FE7F0D3E0D9}"/>
+                </a:ext>
+              </a:extLst>
+            </p:cNvPr>
+            <p:cNvCxnSpPr>
+              <a:cxnSpLocks/>
+              <a:stCxn id="27" idx="4"/>
+              <a:endCxn id="29" idx="0"/>
+            </p:cNvCxnSpPr>
+            <p:nvPr/>
+          </p:nvCxnSpPr>
+          <p:spPr>
+            <a:xfrm>
+              <a:off x="8067639" y="2922473"/>
+              <a:ext cx="1289195" cy="827306"/>
+            </a:xfrm>
+            <a:prstGeom prst="straightConnector1">
+              <a:avLst/>
+            </a:prstGeom>
+            <a:ln>
+              <a:tailEnd type="triangle"/>
+            </a:ln>
+          </p:spPr>
+          <p:style>
+            <a:lnRef idx="1">
+              <a:schemeClr val="accent1"/>
+            </a:lnRef>
+            <a:fillRef idx="0">
+              <a:schemeClr val="accent1"/>
+            </a:fillRef>
+            <a:effectRef idx="0">
+              <a:schemeClr val="accent1"/>
+            </a:effectRef>
+            <a:fontRef idx="minor">
+              <a:schemeClr val="tx1"/>
+            </a:fontRef>
+          </p:style>
+        </p:cxnSp>
+      </p:grpSp>
+      <p:grpSp>
+        <p:nvGrpSpPr>
+          <p:cNvPr id="35" name="Group 34">
+            <a:extLst>
+              <a:ext uri="{FF2B5EF4-FFF2-40B4-BE49-F238E27FC236}">
+                <a16:creationId xmlns:a16="http://schemas.microsoft.com/office/drawing/2014/main" id="{61BB48CA-9F08-413B-BC91-4F9856B78A7B}"/>
+              </a:ext>
+            </a:extLst>
+          </p:cNvPr>
+          <p:cNvGrpSpPr/>
+          <p:nvPr/>
+        </p:nvGrpSpPr>
+        <p:grpSpPr>
+          <a:xfrm>
+            <a:off x="1475392" y="4577085"/>
+            <a:ext cx="3837539" cy="1821626"/>
+            <a:chOff x="6096000" y="2229290"/>
+            <a:chExt cx="3837539" cy="1821626"/>
+          </a:xfrm>
+        </p:grpSpPr>
+        <p:sp>
+          <p:nvSpPr>
+            <p:cNvPr id="36" name="Rectangle 35">
+              <a:extLst>
+                <a:ext uri="{FF2B5EF4-FFF2-40B4-BE49-F238E27FC236}">
+                  <a16:creationId xmlns:a16="http://schemas.microsoft.com/office/drawing/2014/main" id="{0225C321-D5F3-4572-9E39-864EAAE1D874}"/>
+                </a:ext>
+              </a:extLst>
+            </p:cNvPr>
+            <p:cNvSpPr/>
+            <p:nvPr/>
+          </p:nvSpPr>
+          <p:spPr>
+            <a:xfrm>
+              <a:off x="6096000" y="3749779"/>
+              <a:ext cx="1153411" cy="301137"/>
+            </a:xfrm>
+            <a:prstGeom prst="rect">
+              <a:avLst/>
+            </a:prstGeom>
+          </p:spPr>
+          <p:style>
+            <a:lnRef idx="2">
+              <a:schemeClr val="accent1">
+                <a:shade val="50000"/>
+              </a:schemeClr>
+            </a:lnRef>
+            <a:fillRef idx="1">
+              <a:schemeClr val="accent1"/>
+            </a:fillRef>
+            <a:effectRef idx="0">
+              <a:schemeClr val="accent1"/>
+            </a:effectRef>
+            <a:fontRef idx="minor">
+              <a:schemeClr val="lt1"/>
+            </a:fontRef>
+          </p:style>
+          <p:txBody>
+            <a:bodyPr rtlCol="0" anchor="ctr"/>
+            <a:lstStyle/>
+            <a:p>
+              <a:pPr algn="ctr"/>
+              <a:r>
+                <a:rPr lang="en-US" dirty="0"/>
+                <a:t>Create</a:t>
+              </a:r>
+            </a:p>
+          </p:txBody>
+        </p:sp>
+        <p:sp>
+          <p:nvSpPr>
+            <p:cNvPr id="37" name="Oval 36">
+              <a:extLst>
+                <a:ext uri="{FF2B5EF4-FFF2-40B4-BE49-F238E27FC236}">
+                  <a16:creationId xmlns:a16="http://schemas.microsoft.com/office/drawing/2014/main" id="{57A967DC-886E-4299-BF55-0F0D2D6BE103}"/>
+                </a:ext>
+              </a:extLst>
+            </p:cNvPr>
+            <p:cNvSpPr/>
+            <p:nvPr/>
+          </p:nvSpPr>
+          <p:spPr>
+            <a:xfrm>
+              <a:off x="7035239" y="2229290"/>
+              <a:ext cx="2064799" cy="693183"/>
+            </a:xfrm>
+            <a:prstGeom prst="ellipse">
+              <a:avLst/>
+            </a:prstGeom>
+          </p:spPr>
+          <p:style>
+            <a:lnRef idx="2">
+              <a:schemeClr val="accent1">
+                <a:shade val="50000"/>
+              </a:schemeClr>
+            </a:lnRef>
+            <a:fillRef idx="1">
+              <a:schemeClr val="accent1"/>
+            </a:fillRef>
+            <a:effectRef idx="0">
+              <a:schemeClr val="accent1"/>
+            </a:effectRef>
+            <a:fontRef idx="minor">
+              <a:schemeClr val="lt1"/>
+            </a:fontRef>
+          </p:style>
+          <p:txBody>
+            <a:bodyPr rtlCol="0" anchor="ctr"/>
+            <a:lstStyle/>
+            <a:p>
+              <a:pPr algn="ctr"/>
+              <a:r>
+                <a:rPr lang="en-US" dirty="0"/>
+                <a:t>Holidays</a:t>
+              </a:r>
+            </a:p>
+          </p:txBody>
+        </p:sp>
+        <p:sp>
+          <p:nvSpPr>
+            <p:cNvPr id="38" name="Rectangle 37">
+              <a:extLst>
+                <a:ext uri="{FF2B5EF4-FFF2-40B4-BE49-F238E27FC236}">
+                  <a16:creationId xmlns:a16="http://schemas.microsoft.com/office/drawing/2014/main" id="{10363DEA-94AF-4FAD-9FB9-AFAFD783EFD4}"/>
+                </a:ext>
+              </a:extLst>
+            </p:cNvPr>
+            <p:cNvSpPr/>
+            <p:nvPr/>
+          </p:nvSpPr>
+          <p:spPr>
+            <a:xfrm>
+              <a:off x="7469502" y="3749779"/>
+              <a:ext cx="1153411" cy="301137"/>
+            </a:xfrm>
+            <a:prstGeom prst="rect">
+              <a:avLst/>
+            </a:prstGeom>
+          </p:spPr>
+          <p:style>
+            <a:lnRef idx="2">
+              <a:schemeClr val="accent1">
+                <a:shade val="50000"/>
+              </a:schemeClr>
+            </a:lnRef>
+            <a:fillRef idx="1">
+              <a:schemeClr val="accent1"/>
+            </a:fillRef>
+            <a:effectRef idx="0">
+              <a:schemeClr val="accent1"/>
+            </a:effectRef>
+            <a:fontRef idx="minor">
+              <a:schemeClr val="lt1"/>
+            </a:fontRef>
+          </p:style>
+          <p:txBody>
+            <a:bodyPr rtlCol="0" anchor="ctr"/>
+            <a:lstStyle/>
+            <a:p>
+              <a:pPr algn="ctr"/>
+              <a:r>
+                <a:rPr lang="en-US" dirty="0"/>
+                <a:t>Return</a:t>
+              </a:r>
+            </a:p>
+          </p:txBody>
+        </p:sp>
+        <p:sp>
+          <p:nvSpPr>
+            <p:cNvPr id="39" name="Rectangle 38">
+              <a:extLst>
+                <a:ext uri="{FF2B5EF4-FFF2-40B4-BE49-F238E27FC236}">
+                  <a16:creationId xmlns:a16="http://schemas.microsoft.com/office/drawing/2014/main" id="{EB752895-E895-4E44-B16C-3E883935FA13}"/>
+                </a:ext>
+              </a:extLst>
+            </p:cNvPr>
+            <p:cNvSpPr/>
+            <p:nvPr/>
+          </p:nvSpPr>
+          <p:spPr>
+            <a:xfrm>
+              <a:off x="8780128" y="3749779"/>
+              <a:ext cx="1153411" cy="301137"/>
+            </a:xfrm>
+            <a:prstGeom prst="rect">
+              <a:avLst/>
+            </a:prstGeom>
+          </p:spPr>
+          <p:style>
+            <a:lnRef idx="2">
+              <a:schemeClr val="accent1">
+                <a:shade val="50000"/>
+              </a:schemeClr>
+            </a:lnRef>
+            <a:fillRef idx="1">
+              <a:schemeClr val="accent1"/>
+            </a:fillRef>
+            <a:effectRef idx="0">
+              <a:schemeClr val="accent1"/>
+            </a:effectRef>
+            <a:fontRef idx="minor">
+              <a:schemeClr val="lt1"/>
+            </a:fontRef>
+          </p:style>
+          <p:txBody>
+            <a:bodyPr rtlCol="0" anchor="ctr"/>
+            <a:lstStyle/>
+            <a:p>
+              <a:pPr algn="ctr"/>
+              <a:r>
+                <a:rPr lang="en-US" dirty="0"/>
+                <a:t>Delete</a:t>
+              </a:r>
+            </a:p>
+          </p:txBody>
+        </p:sp>
+        <p:cxnSp>
+          <p:nvCxnSpPr>
+            <p:cNvPr id="40" name="Straight Arrow Connector 39">
+              <a:extLst>
+                <a:ext uri="{FF2B5EF4-FFF2-40B4-BE49-F238E27FC236}">
+                  <a16:creationId xmlns:a16="http://schemas.microsoft.com/office/drawing/2014/main" id="{A723A0D0-3779-4C82-8945-56066E5DFAFA}"/>
+                </a:ext>
+              </a:extLst>
+            </p:cNvPr>
+            <p:cNvCxnSpPr>
+              <a:cxnSpLocks/>
+              <a:stCxn id="37" idx="4"/>
+              <a:endCxn id="36" idx="0"/>
+            </p:cNvCxnSpPr>
+            <p:nvPr/>
+          </p:nvCxnSpPr>
+          <p:spPr>
+            <a:xfrm flipH="1">
+              <a:off x="6672706" y="2922473"/>
+              <a:ext cx="1394933" cy="827306"/>
+            </a:xfrm>
+            <a:prstGeom prst="straightConnector1">
+              <a:avLst/>
+            </a:prstGeom>
+            <a:ln>
+              <a:tailEnd type="triangle"/>
+            </a:ln>
+          </p:spPr>
+          <p:style>
+            <a:lnRef idx="1">
+              <a:schemeClr val="accent1"/>
+            </a:lnRef>
+            <a:fillRef idx="0">
+              <a:schemeClr val="accent1"/>
+            </a:fillRef>
+            <a:effectRef idx="0">
+              <a:schemeClr val="accent1"/>
+            </a:effectRef>
+            <a:fontRef idx="minor">
+              <a:schemeClr val="tx1"/>
+            </a:fontRef>
+          </p:style>
+        </p:cxnSp>
+        <p:cxnSp>
+          <p:nvCxnSpPr>
+            <p:cNvPr id="46" name="Straight Arrow Connector 45">
+              <a:extLst>
+                <a:ext uri="{FF2B5EF4-FFF2-40B4-BE49-F238E27FC236}">
+                  <a16:creationId xmlns:a16="http://schemas.microsoft.com/office/drawing/2014/main" id="{7D08FF4E-CBEC-4DEB-9F97-20337ABE9B3D}"/>
+                </a:ext>
+              </a:extLst>
+            </p:cNvPr>
+            <p:cNvCxnSpPr>
+              <a:cxnSpLocks/>
+              <a:stCxn id="37" idx="4"/>
+              <a:endCxn id="38" idx="0"/>
+            </p:cNvCxnSpPr>
+            <p:nvPr/>
+          </p:nvCxnSpPr>
+          <p:spPr>
+            <a:xfrm flipH="1">
+              <a:off x="8046208" y="2922473"/>
+              <a:ext cx="21431" cy="827306"/>
+            </a:xfrm>
+            <a:prstGeom prst="straightConnector1">
+              <a:avLst/>
+            </a:prstGeom>
+            <a:ln>
+              <a:tailEnd type="triangle"/>
+            </a:ln>
+          </p:spPr>
+          <p:style>
+            <a:lnRef idx="1">
+              <a:schemeClr val="accent1"/>
+            </a:lnRef>
+            <a:fillRef idx="0">
+              <a:schemeClr val="accent1"/>
+            </a:fillRef>
+            <a:effectRef idx="0">
+              <a:schemeClr val="accent1"/>
+            </a:effectRef>
+            <a:fontRef idx="minor">
+              <a:schemeClr val="tx1"/>
+            </a:fontRef>
+          </p:style>
+        </p:cxnSp>
+        <p:cxnSp>
+          <p:nvCxnSpPr>
+            <p:cNvPr id="47" name="Straight Arrow Connector 46">
+              <a:extLst>
+                <a:ext uri="{FF2B5EF4-FFF2-40B4-BE49-F238E27FC236}">
+                  <a16:creationId xmlns:a16="http://schemas.microsoft.com/office/drawing/2014/main" id="{34DC6767-D157-449D-8A74-AA0909235545}"/>
+                </a:ext>
+              </a:extLst>
+            </p:cNvPr>
+            <p:cNvCxnSpPr>
+              <a:cxnSpLocks/>
+              <a:stCxn id="37" idx="4"/>
+              <a:endCxn id="39" idx="0"/>
+            </p:cNvCxnSpPr>
+            <p:nvPr/>
+          </p:nvCxnSpPr>
+          <p:spPr>
+            <a:xfrm>
+              <a:off x="8067639" y="2922473"/>
+              <a:ext cx="1289195" cy="827306"/>
+            </a:xfrm>
+            <a:prstGeom prst="straightConnector1">
+              <a:avLst/>
+            </a:prstGeom>
+            <a:ln>
+              <a:tailEnd type="triangle"/>
+            </a:ln>
+          </p:spPr>
+          <p:style>
+            <a:lnRef idx="1">
+              <a:schemeClr val="accent1"/>
+            </a:lnRef>
+            <a:fillRef idx="0">
+              <a:schemeClr val="accent1"/>
+            </a:fillRef>
+            <a:effectRef idx="0">
+              <a:schemeClr val="accent1"/>
+            </a:effectRef>
+            <a:fontRef idx="minor">
+              <a:schemeClr val="tx1"/>
+            </a:fontRef>
+          </p:style>
+        </p:cxnSp>
+      </p:grpSp>
+      <p:grpSp>
+        <p:nvGrpSpPr>
+          <p:cNvPr id="48" name="Group 47">
+            <a:extLst>
+              <a:ext uri="{FF2B5EF4-FFF2-40B4-BE49-F238E27FC236}">
+                <a16:creationId xmlns:a16="http://schemas.microsoft.com/office/drawing/2014/main" id="{462BC7AF-A090-477C-A03F-07A5DA1E2CC3}"/>
+              </a:ext>
+            </a:extLst>
+          </p:cNvPr>
+          <p:cNvGrpSpPr/>
+          <p:nvPr/>
+        </p:nvGrpSpPr>
+        <p:grpSpPr>
+          <a:xfrm>
+            <a:off x="6096000" y="4577085"/>
+            <a:ext cx="3837539" cy="1821626"/>
+            <a:chOff x="6096000" y="2229290"/>
+            <a:chExt cx="3837539" cy="1821626"/>
+          </a:xfrm>
+        </p:grpSpPr>
+        <p:sp>
+          <p:nvSpPr>
+            <p:cNvPr id="49" name="Rectangle 48">
+              <a:extLst>
+                <a:ext uri="{FF2B5EF4-FFF2-40B4-BE49-F238E27FC236}">
+                  <a16:creationId xmlns:a16="http://schemas.microsoft.com/office/drawing/2014/main" id="{24C4514A-2D4B-490B-B9BA-621C86F0DBDA}"/>
+                </a:ext>
+              </a:extLst>
+            </p:cNvPr>
+            <p:cNvSpPr/>
+            <p:nvPr/>
+          </p:nvSpPr>
+          <p:spPr>
+            <a:xfrm>
+              <a:off x="6096000" y="3749779"/>
+              <a:ext cx="1153411" cy="301137"/>
+            </a:xfrm>
+            <a:prstGeom prst="rect">
+              <a:avLst/>
+            </a:prstGeom>
+          </p:spPr>
+          <p:style>
+            <a:lnRef idx="2">
+              <a:schemeClr val="accent1">
+                <a:shade val="50000"/>
+              </a:schemeClr>
+            </a:lnRef>
+            <a:fillRef idx="1">
+              <a:schemeClr val="accent1"/>
+            </a:fillRef>
+            <a:effectRef idx="0">
+              <a:schemeClr val="accent1"/>
+            </a:effectRef>
+            <a:fontRef idx="minor">
+              <a:schemeClr val="lt1"/>
+            </a:fontRef>
+          </p:style>
+          <p:txBody>
+            <a:bodyPr rtlCol="0" anchor="ctr"/>
+            <a:lstStyle/>
+            <a:p>
+              <a:pPr algn="ctr"/>
+              <a:r>
+                <a:rPr lang="en-US" dirty="0"/>
+                <a:t>Create</a:t>
+              </a:r>
+            </a:p>
+          </p:txBody>
+        </p:sp>
+        <p:sp>
+          <p:nvSpPr>
+            <p:cNvPr id="50" name="Oval 49">
+              <a:extLst>
+                <a:ext uri="{FF2B5EF4-FFF2-40B4-BE49-F238E27FC236}">
+                  <a16:creationId xmlns:a16="http://schemas.microsoft.com/office/drawing/2014/main" id="{42254F2B-C821-47EB-83C6-2C06606E1D46}"/>
+                </a:ext>
+              </a:extLst>
+            </p:cNvPr>
+            <p:cNvSpPr/>
+            <p:nvPr/>
+          </p:nvSpPr>
+          <p:spPr>
+            <a:xfrm>
+              <a:off x="7035239" y="2229290"/>
+              <a:ext cx="2064799" cy="693183"/>
+            </a:xfrm>
+            <a:prstGeom prst="ellipse">
+              <a:avLst/>
+            </a:prstGeom>
+          </p:spPr>
+          <p:style>
+            <a:lnRef idx="2">
+              <a:schemeClr val="accent1">
+                <a:shade val="50000"/>
+              </a:schemeClr>
+            </a:lnRef>
+            <a:fillRef idx="1">
+              <a:schemeClr val="accent1"/>
+            </a:fillRef>
+            <a:effectRef idx="0">
+              <a:schemeClr val="accent1"/>
+            </a:effectRef>
+            <a:fontRef idx="minor">
+              <a:schemeClr val="lt1"/>
+            </a:fontRef>
+          </p:style>
+          <p:txBody>
+            <a:bodyPr rtlCol="0" anchor="ctr"/>
+            <a:lstStyle/>
+            <a:p>
+              <a:pPr algn="ctr"/>
+              <a:r>
+                <a:rPr lang="en-US" dirty="0" err="1"/>
+                <a:t>Salaray</a:t>
+              </a:r>
+              <a:endParaRPr lang="en-US" dirty="0"/>
+            </a:p>
+          </p:txBody>
+        </p:sp>
+        <p:sp>
+          <p:nvSpPr>
+            <p:cNvPr id="51" name="Rectangle 50">
+              <a:extLst>
+                <a:ext uri="{FF2B5EF4-FFF2-40B4-BE49-F238E27FC236}">
+                  <a16:creationId xmlns:a16="http://schemas.microsoft.com/office/drawing/2014/main" id="{7B915372-AB9A-4403-99E7-A04076657659}"/>
+                </a:ext>
+              </a:extLst>
+            </p:cNvPr>
+            <p:cNvSpPr/>
+            <p:nvPr/>
+          </p:nvSpPr>
+          <p:spPr>
+            <a:xfrm>
+              <a:off x="7469502" y="3749779"/>
+              <a:ext cx="1153411" cy="301137"/>
+            </a:xfrm>
+            <a:prstGeom prst="rect">
+              <a:avLst/>
+            </a:prstGeom>
+          </p:spPr>
+          <p:style>
+            <a:lnRef idx="2">
+              <a:schemeClr val="accent1">
+                <a:shade val="50000"/>
+              </a:schemeClr>
+            </a:lnRef>
+            <a:fillRef idx="1">
+              <a:schemeClr val="accent1"/>
+            </a:fillRef>
+            <a:effectRef idx="0">
+              <a:schemeClr val="accent1"/>
+            </a:effectRef>
+            <a:fontRef idx="minor">
+              <a:schemeClr val="lt1"/>
+            </a:fontRef>
+          </p:style>
+          <p:txBody>
+            <a:bodyPr rtlCol="0" anchor="ctr"/>
+            <a:lstStyle/>
+            <a:p>
+              <a:pPr algn="ctr"/>
+              <a:r>
+                <a:rPr lang="en-US" dirty="0"/>
+                <a:t>Return</a:t>
+              </a:r>
+            </a:p>
+          </p:txBody>
+        </p:sp>
+        <p:sp>
+          <p:nvSpPr>
+            <p:cNvPr id="52" name="Rectangle 51">
+              <a:extLst>
+                <a:ext uri="{FF2B5EF4-FFF2-40B4-BE49-F238E27FC236}">
+                  <a16:creationId xmlns:a16="http://schemas.microsoft.com/office/drawing/2014/main" id="{D7677414-189E-4C7A-9FA1-C93137FCC97D}"/>
+                </a:ext>
+              </a:extLst>
+            </p:cNvPr>
+            <p:cNvSpPr/>
+            <p:nvPr/>
+          </p:nvSpPr>
+          <p:spPr>
+            <a:xfrm>
+              <a:off x="8780128" y="3749779"/>
+              <a:ext cx="1153411" cy="301137"/>
+            </a:xfrm>
+            <a:prstGeom prst="rect">
+              <a:avLst/>
+            </a:prstGeom>
+          </p:spPr>
+          <p:style>
+            <a:lnRef idx="2">
+              <a:schemeClr val="accent1">
+                <a:shade val="50000"/>
+              </a:schemeClr>
+            </a:lnRef>
+            <a:fillRef idx="1">
+              <a:schemeClr val="accent1"/>
+            </a:fillRef>
+            <a:effectRef idx="0">
+              <a:schemeClr val="accent1"/>
+            </a:effectRef>
+            <a:fontRef idx="minor">
+              <a:schemeClr val="lt1"/>
+            </a:fontRef>
+          </p:style>
+          <p:txBody>
+            <a:bodyPr rtlCol="0" anchor="ctr"/>
+            <a:lstStyle/>
+            <a:p>
+              <a:pPr algn="ctr"/>
+              <a:r>
+                <a:rPr lang="en-US" dirty="0"/>
+                <a:t>Delete</a:t>
+              </a:r>
+            </a:p>
+          </p:txBody>
+        </p:sp>
+        <p:cxnSp>
+          <p:nvCxnSpPr>
+            <p:cNvPr id="53" name="Straight Arrow Connector 52">
+              <a:extLst>
+                <a:ext uri="{FF2B5EF4-FFF2-40B4-BE49-F238E27FC236}">
+                  <a16:creationId xmlns:a16="http://schemas.microsoft.com/office/drawing/2014/main" id="{895FE0F3-E329-4D85-B68E-BAFA8938A4D0}"/>
+                </a:ext>
+              </a:extLst>
+            </p:cNvPr>
+            <p:cNvCxnSpPr>
+              <a:cxnSpLocks/>
+              <a:stCxn id="50" idx="4"/>
+              <a:endCxn id="49" idx="0"/>
+            </p:cNvCxnSpPr>
+            <p:nvPr/>
+          </p:nvCxnSpPr>
+          <p:spPr>
+            <a:xfrm flipH="1">
+              <a:off x="6672706" y="2922473"/>
+              <a:ext cx="1394933" cy="827306"/>
+            </a:xfrm>
+            <a:prstGeom prst="straightConnector1">
+              <a:avLst/>
+            </a:prstGeom>
+            <a:ln>
+              <a:tailEnd type="triangle"/>
+            </a:ln>
+          </p:spPr>
+          <p:style>
+            <a:lnRef idx="1">
+              <a:schemeClr val="accent1"/>
+            </a:lnRef>
+            <a:fillRef idx="0">
+              <a:schemeClr val="accent1"/>
+            </a:fillRef>
+            <a:effectRef idx="0">
+              <a:schemeClr val="accent1"/>
+            </a:effectRef>
+            <a:fontRef idx="minor">
+              <a:schemeClr val="tx1"/>
+            </a:fontRef>
+          </p:style>
+        </p:cxnSp>
+        <p:cxnSp>
+          <p:nvCxnSpPr>
+            <p:cNvPr id="54" name="Straight Arrow Connector 53">
+              <a:extLst>
+                <a:ext uri="{FF2B5EF4-FFF2-40B4-BE49-F238E27FC236}">
+                  <a16:creationId xmlns:a16="http://schemas.microsoft.com/office/drawing/2014/main" id="{63E063B9-4754-4625-9601-DDFD542788EC}"/>
+                </a:ext>
+              </a:extLst>
+            </p:cNvPr>
+            <p:cNvCxnSpPr>
+              <a:cxnSpLocks/>
+              <a:stCxn id="50" idx="4"/>
+              <a:endCxn id="51" idx="0"/>
+            </p:cNvCxnSpPr>
+            <p:nvPr/>
+          </p:nvCxnSpPr>
+          <p:spPr>
+            <a:xfrm flipH="1">
+              <a:off x="8046208" y="2922473"/>
+              <a:ext cx="21431" cy="827306"/>
+            </a:xfrm>
+            <a:prstGeom prst="straightConnector1">
+              <a:avLst/>
+            </a:prstGeom>
+            <a:ln>
+              <a:tailEnd type="triangle"/>
+            </a:ln>
+          </p:spPr>
+          <p:style>
+            <a:lnRef idx="1">
+              <a:schemeClr val="accent1"/>
+            </a:lnRef>
+            <a:fillRef idx="0">
+              <a:schemeClr val="accent1"/>
+            </a:fillRef>
+            <a:effectRef idx="0">
+              <a:schemeClr val="accent1"/>
+            </a:effectRef>
+            <a:fontRef idx="minor">
+              <a:schemeClr val="tx1"/>
+            </a:fontRef>
+          </p:style>
+        </p:cxnSp>
+        <p:cxnSp>
+          <p:nvCxnSpPr>
+            <p:cNvPr id="55" name="Straight Arrow Connector 54">
+              <a:extLst>
+                <a:ext uri="{FF2B5EF4-FFF2-40B4-BE49-F238E27FC236}">
+                  <a16:creationId xmlns:a16="http://schemas.microsoft.com/office/drawing/2014/main" id="{21CD6E19-6152-4BF7-8325-FA5241D542A7}"/>
+                </a:ext>
+              </a:extLst>
+            </p:cNvPr>
+            <p:cNvCxnSpPr>
+              <a:cxnSpLocks/>
+              <a:stCxn id="50" idx="4"/>
+              <a:endCxn id="52" idx="0"/>
+            </p:cNvCxnSpPr>
+            <p:nvPr/>
+          </p:nvCxnSpPr>
+          <p:spPr>
+            <a:xfrm>
+              <a:off x="8067639" y="2922473"/>
+              <a:ext cx="1289195" cy="827306"/>
+            </a:xfrm>
+            <a:prstGeom prst="straightConnector1">
+              <a:avLst/>
+            </a:prstGeom>
+            <a:ln>
+              <a:tailEnd type="triangle"/>
+            </a:ln>
+          </p:spPr>
+          <p:style>
+            <a:lnRef idx="1">
+              <a:schemeClr val="accent1"/>
+            </a:lnRef>
+            <a:fillRef idx="0">
+              <a:schemeClr val="accent1"/>
+            </a:fillRef>
+            <a:effectRef idx="0">
+              <a:schemeClr val="accent1"/>
+            </a:effectRef>
+            <a:fontRef idx="minor">
+              <a:schemeClr val="tx1"/>
+            </a:fontRef>
+          </p:style>
+        </p:cxnSp>
+      </p:grpSp>
+    </p:spTree>
+    <p:extLst>
+      <p:ext uri="{BB962C8B-B14F-4D97-AF65-F5344CB8AC3E}">
+        <p14:creationId xmlns:p14="http://schemas.microsoft.com/office/powerpoint/2010/main" val="1414760257"/>
+      </p:ext>
+    </p:extLst>
+  </p:cSld>
+  <p:clrMapOvr>
+    <a:masterClrMapping/>
+  </p:clrMapOvr>
+</p:sld>
+</file>
+
+<file path=ppt/slides/slide12.xml><?xml version="1.0" encoding="utf-8"?>
+<p:sld xmlns:a="http://schemas.openxmlformats.org/drawingml/2006/main" xmlns:r="http://schemas.openxmlformats.org/officeDocument/2006/relationships" xmlns:p="http://schemas.openxmlformats.org/presentationml/2006/main">
+  <p:cSld>
+    <p:spTree>
+      <p:nvGrpSpPr>
+        <p:cNvPr id="1" name=""/>
+        <p:cNvGrpSpPr/>
+        <p:nvPr/>
+      </p:nvGrpSpPr>
+      <p:grpSpPr>
+        <a:xfrm>
+          <a:off x="0" y="0"/>
+          <a:ext cx="0" cy="0"/>
+          <a:chOff x="0" y="0"/>
+          <a:chExt cx="0" cy="0"/>
+        </a:xfrm>
+      </p:grpSpPr>
+      <p:sp>
+        <p:nvSpPr>
+          <p:cNvPr id="2" name="Title 1">
+            <a:extLst>
+              <a:ext uri="{FF2B5EF4-FFF2-40B4-BE49-F238E27FC236}">
+                <a16:creationId xmlns:a16="http://schemas.microsoft.com/office/drawing/2014/main" id="{87F6C8E7-04E7-44E7-B23E-9421EBFF79C5}"/>
+              </a:ext>
+            </a:extLst>
+          </p:cNvPr>
+          <p:cNvSpPr>
+            <a:spLocks noGrp="1"/>
+          </p:cNvSpPr>
+          <p:nvPr>
+            <p:ph type="title"/>
+          </p:nvPr>
+        </p:nvSpPr>
+        <p:spPr>
+          <a:xfrm>
+            <a:off x="586271" y="150525"/>
+            <a:ext cx="10058400" cy="614406"/>
+          </a:xfrm>
+        </p:spPr>
+        <p:txBody>
+          <a:bodyPr>
+            <a:normAutofit fontScale="90000"/>
+          </a:bodyPr>
+          <a:lstStyle/>
+          <a:p>
+            <a:r>
+              <a:rPr lang="en-US" dirty="0"/>
+              <a:t>MODULE: HR</a:t>
+            </a:r>
+          </a:p>
+        </p:txBody>
+      </p:sp>
+      <p:cxnSp>
+        <p:nvCxnSpPr>
+          <p:cNvPr id="12" name="Straight Connector 11">
+            <a:extLst>
+              <a:ext uri="{FF2B5EF4-FFF2-40B4-BE49-F238E27FC236}">
+                <a16:creationId xmlns:a16="http://schemas.microsoft.com/office/drawing/2014/main" id="{7D3567D8-F1B3-4F88-B2AD-A64A6E2D650B}"/>
+              </a:ext>
+            </a:extLst>
+          </p:cNvPr>
+          <p:cNvCxnSpPr/>
+          <p:nvPr/>
+        </p:nvCxnSpPr>
+        <p:spPr>
+          <a:xfrm>
+            <a:off x="586271" y="1022325"/>
+            <a:ext cx="11028367" cy="0"/>
+          </a:xfrm>
+          <a:prstGeom prst="line">
+            <a:avLst/>
+          </a:prstGeom>
+          <a:ln w="38100"/>
+        </p:spPr>
+        <p:style>
+          <a:lnRef idx="1">
+            <a:schemeClr val="accent1"/>
+          </a:lnRef>
+          <a:fillRef idx="0">
+            <a:schemeClr val="accent1"/>
+          </a:fillRef>
+          <a:effectRef idx="0">
+            <a:schemeClr val="accent1"/>
+          </a:effectRef>
+          <a:fontRef idx="minor">
+            <a:schemeClr val="tx1"/>
+          </a:fontRef>
+        </p:style>
+      </p:cxnSp>
+      <p:sp>
+        <p:nvSpPr>
+          <p:cNvPr id="34" name="Rectangle 33">
+            <a:extLst>
+              <a:ext uri="{FF2B5EF4-FFF2-40B4-BE49-F238E27FC236}">
+                <a16:creationId xmlns:a16="http://schemas.microsoft.com/office/drawing/2014/main" id="{068D9EFD-716C-4B57-ABC1-9FD7E29D191F}"/>
+              </a:ext>
+            </a:extLst>
+          </p:cNvPr>
+          <p:cNvSpPr/>
+          <p:nvPr/>
+        </p:nvSpPr>
+        <p:spPr>
+          <a:xfrm>
+            <a:off x="947768" y="4387143"/>
+            <a:ext cx="2371217" cy="301137"/>
+          </a:xfrm>
+          <a:prstGeom prst="rect">
+            <a:avLst/>
+          </a:prstGeom>
+        </p:spPr>
+        <p:style>
+          <a:lnRef idx="2">
+            <a:schemeClr val="accent1">
+              <a:shade val="50000"/>
+            </a:schemeClr>
+          </a:lnRef>
+          <a:fillRef idx="1">
+            <a:schemeClr val="accent1"/>
+          </a:fillRef>
+          <a:effectRef idx="0">
+            <a:schemeClr val="accent1"/>
+          </a:effectRef>
+          <a:fontRef idx="minor">
+            <a:schemeClr val="lt1"/>
+          </a:fontRef>
+        </p:style>
+        <p:txBody>
+          <a:bodyPr rtlCol="0" anchor="ctr"/>
+          <a:lstStyle/>
+          <a:p>
+            <a:pPr algn="ctr"/>
+            <a:r>
+              <a:rPr lang="en-US" dirty="0"/>
+              <a:t>Employee Report</a:t>
+            </a:r>
+          </a:p>
+        </p:txBody>
+      </p:sp>
+      <p:sp>
+        <p:nvSpPr>
+          <p:cNvPr id="35" name="Oval 34">
+            <a:extLst>
+              <a:ext uri="{FF2B5EF4-FFF2-40B4-BE49-F238E27FC236}">
+                <a16:creationId xmlns:a16="http://schemas.microsoft.com/office/drawing/2014/main" id="{C368BA1A-A6D1-46B2-9FAA-FBD24C4D58C0}"/>
+              </a:ext>
+            </a:extLst>
+          </p:cNvPr>
+          <p:cNvSpPr/>
+          <p:nvPr/>
+        </p:nvSpPr>
+        <p:spPr>
+          <a:xfrm>
+            <a:off x="5009681" y="1627105"/>
+            <a:ext cx="1763909" cy="693183"/>
+          </a:xfrm>
+          <a:prstGeom prst="ellipse">
+            <a:avLst/>
+          </a:prstGeom>
+        </p:spPr>
+        <p:style>
+          <a:lnRef idx="2">
+            <a:schemeClr val="accent1">
+              <a:shade val="50000"/>
+            </a:schemeClr>
+          </a:lnRef>
+          <a:fillRef idx="1">
+            <a:schemeClr val="accent1"/>
+          </a:fillRef>
+          <a:effectRef idx="0">
+            <a:schemeClr val="accent1"/>
+          </a:effectRef>
+          <a:fontRef idx="minor">
+            <a:schemeClr val="lt1"/>
+          </a:fontRef>
+        </p:style>
+        <p:txBody>
+          <a:bodyPr rtlCol="0" anchor="ctr"/>
+          <a:lstStyle/>
+          <a:p>
+            <a:pPr algn="ctr"/>
+            <a:r>
+              <a:rPr lang="en-US" dirty="0"/>
+              <a:t>Reports</a:t>
+            </a:r>
+          </a:p>
+        </p:txBody>
+      </p:sp>
+      <p:sp>
+        <p:nvSpPr>
+          <p:cNvPr id="36" name="Rectangle 35">
+            <a:extLst>
+              <a:ext uri="{FF2B5EF4-FFF2-40B4-BE49-F238E27FC236}">
+                <a16:creationId xmlns:a16="http://schemas.microsoft.com/office/drawing/2014/main" id="{F46742AE-974D-4002-A3E3-2436EE1AFAD6}"/>
+              </a:ext>
+            </a:extLst>
+          </p:cNvPr>
+          <p:cNvSpPr/>
+          <p:nvPr/>
+        </p:nvSpPr>
+        <p:spPr>
+          <a:xfrm>
+            <a:off x="3662219" y="4387144"/>
+            <a:ext cx="2229417" cy="301137"/>
+          </a:xfrm>
+          <a:prstGeom prst="rect">
+            <a:avLst/>
+          </a:prstGeom>
+        </p:spPr>
+        <p:style>
+          <a:lnRef idx="2">
+            <a:schemeClr val="accent1">
+              <a:shade val="50000"/>
+            </a:schemeClr>
+          </a:lnRef>
+          <a:fillRef idx="1">
+            <a:schemeClr val="accent1"/>
+          </a:fillRef>
+          <a:effectRef idx="0">
+            <a:schemeClr val="accent1"/>
+          </a:effectRef>
+          <a:fontRef idx="minor">
+            <a:schemeClr val="lt1"/>
+          </a:fontRef>
+        </p:style>
+        <p:txBody>
+          <a:bodyPr rtlCol="0" anchor="ctr"/>
+          <a:lstStyle/>
+          <a:p>
+            <a:pPr algn="ctr"/>
+            <a:r>
+              <a:rPr lang="en-US" dirty="0"/>
+              <a:t>Joining Report</a:t>
+            </a:r>
+          </a:p>
+        </p:txBody>
+      </p:sp>
+      <p:cxnSp>
+        <p:nvCxnSpPr>
+          <p:cNvPr id="18" name="Straight Arrow Connector 17">
+            <a:extLst>
+              <a:ext uri="{FF2B5EF4-FFF2-40B4-BE49-F238E27FC236}">
+                <a16:creationId xmlns:a16="http://schemas.microsoft.com/office/drawing/2014/main" id="{FA2E21A3-9829-4A59-B257-AEB554DA964E}"/>
+              </a:ext>
+            </a:extLst>
+          </p:cNvPr>
+          <p:cNvCxnSpPr>
+            <a:stCxn id="35" idx="4"/>
+            <a:endCxn id="34" idx="0"/>
+          </p:cNvCxnSpPr>
+          <p:nvPr/>
+        </p:nvCxnSpPr>
+        <p:spPr>
+          <a:xfrm flipH="1">
+            <a:off x="2133377" y="2320288"/>
+            <a:ext cx="3758259" cy="2066855"/>
+          </a:xfrm>
+          <a:prstGeom prst="straightConnector1">
+            <a:avLst/>
+          </a:prstGeom>
+          <a:ln>
+            <a:tailEnd type="triangle"/>
+          </a:ln>
+        </p:spPr>
+        <p:style>
+          <a:lnRef idx="1">
+            <a:schemeClr val="accent1"/>
+          </a:lnRef>
+          <a:fillRef idx="0">
+            <a:schemeClr val="accent1"/>
+          </a:fillRef>
+          <a:effectRef idx="0">
+            <a:schemeClr val="accent1"/>
+          </a:effectRef>
+          <a:fontRef idx="minor">
+            <a:schemeClr val="tx1"/>
+          </a:fontRef>
+        </p:style>
+      </p:cxnSp>
+      <p:cxnSp>
+        <p:nvCxnSpPr>
+          <p:cNvPr id="20" name="Straight Arrow Connector 19">
+            <a:extLst>
+              <a:ext uri="{FF2B5EF4-FFF2-40B4-BE49-F238E27FC236}">
+                <a16:creationId xmlns:a16="http://schemas.microsoft.com/office/drawing/2014/main" id="{6FA39EAE-2987-46D6-A229-FA161B4B314F}"/>
+              </a:ext>
+            </a:extLst>
+          </p:cNvPr>
+          <p:cNvCxnSpPr>
+            <a:cxnSpLocks/>
+            <a:stCxn id="35" idx="4"/>
+            <a:endCxn id="36" idx="0"/>
+          </p:cNvCxnSpPr>
+          <p:nvPr/>
+        </p:nvCxnSpPr>
+        <p:spPr>
+          <a:xfrm flipH="1">
+            <a:off x="4776928" y="2320288"/>
+            <a:ext cx="1114708" cy="2066856"/>
+          </a:xfrm>
+          <a:prstGeom prst="straightConnector1">
+            <a:avLst/>
+          </a:prstGeom>
+          <a:ln>
+            <a:tailEnd type="triangle"/>
+          </a:ln>
+        </p:spPr>
+        <p:style>
+          <a:lnRef idx="1">
+            <a:schemeClr val="accent1"/>
+          </a:lnRef>
+          <a:fillRef idx="0">
+            <a:schemeClr val="accent1"/>
+          </a:fillRef>
+          <a:effectRef idx="0">
+            <a:schemeClr val="accent1"/>
+          </a:effectRef>
+          <a:fontRef idx="minor">
+            <a:schemeClr val="tx1"/>
+          </a:fontRef>
+        </p:style>
+      </p:cxnSp>
+      <p:sp>
+        <p:nvSpPr>
+          <p:cNvPr id="17" name="Rectangle 16">
+            <a:extLst>
+              <a:ext uri="{FF2B5EF4-FFF2-40B4-BE49-F238E27FC236}">
+                <a16:creationId xmlns:a16="http://schemas.microsoft.com/office/drawing/2014/main" id="{DB012A54-2CBA-467B-A4DD-66ADDF860C76}"/>
+              </a:ext>
+            </a:extLst>
+          </p:cNvPr>
+          <p:cNvSpPr/>
+          <p:nvPr/>
+        </p:nvSpPr>
+        <p:spPr>
+          <a:xfrm>
+            <a:off x="6046532" y="4387143"/>
+            <a:ext cx="2229417" cy="301137"/>
+          </a:xfrm>
+          <a:prstGeom prst="rect">
+            <a:avLst/>
+          </a:prstGeom>
+        </p:spPr>
+        <p:style>
+          <a:lnRef idx="2">
+            <a:schemeClr val="accent1">
+              <a:shade val="50000"/>
+            </a:schemeClr>
+          </a:lnRef>
+          <a:fillRef idx="1">
+            <a:schemeClr val="accent1"/>
+          </a:fillRef>
+          <a:effectRef idx="0">
+            <a:schemeClr val="accent1"/>
+          </a:effectRef>
+          <a:fontRef idx="minor">
+            <a:schemeClr val="lt1"/>
+          </a:fontRef>
+        </p:style>
+        <p:txBody>
+          <a:bodyPr rtlCol="0" anchor="ctr"/>
+          <a:lstStyle/>
+          <a:p>
+            <a:pPr algn="ctr"/>
+            <a:r>
+              <a:rPr lang="en-US" dirty="0"/>
+              <a:t>Attendance Report</a:t>
+            </a:r>
+          </a:p>
+        </p:txBody>
+      </p:sp>
+      <p:sp>
+        <p:nvSpPr>
+          <p:cNvPr id="19" name="Rectangle 18">
+            <a:extLst>
+              <a:ext uri="{FF2B5EF4-FFF2-40B4-BE49-F238E27FC236}">
+                <a16:creationId xmlns:a16="http://schemas.microsoft.com/office/drawing/2014/main" id="{8548EF20-3A0C-42FE-A0A3-F4286D2CC585}"/>
+              </a:ext>
+            </a:extLst>
+          </p:cNvPr>
+          <p:cNvSpPr/>
+          <p:nvPr/>
+        </p:nvSpPr>
+        <p:spPr>
+          <a:xfrm>
+            <a:off x="8430845" y="4368818"/>
+            <a:ext cx="2229417" cy="301137"/>
+          </a:xfrm>
+          <a:prstGeom prst="rect">
+            <a:avLst/>
+          </a:prstGeom>
+        </p:spPr>
+        <p:style>
+          <a:lnRef idx="2">
+            <a:schemeClr val="accent1">
+              <a:shade val="50000"/>
+            </a:schemeClr>
+          </a:lnRef>
+          <a:fillRef idx="1">
+            <a:schemeClr val="accent1"/>
+          </a:fillRef>
+          <a:effectRef idx="0">
+            <a:schemeClr val="accent1"/>
+          </a:effectRef>
+          <a:fontRef idx="minor">
+            <a:schemeClr val="lt1"/>
+          </a:fontRef>
+        </p:style>
+        <p:txBody>
+          <a:bodyPr rtlCol="0" anchor="ctr"/>
+          <a:lstStyle/>
+          <a:p>
+            <a:pPr algn="ctr"/>
+            <a:r>
+              <a:rPr lang="en-US" dirty="0"/>
+              <a:t>Salary Sheet</a:t>
+            </a:r>
+          </a:p>
+        </p:txBody>
+      </p:sp>
+      <p:cxnSp>
+        <p:nvCxnSpPr>
+          <p:cNvPr id="13" name="Straight Arrow Connector 12">
+            <a:extLst>
+              <a:ext uri="{FF2B5EF4-FFF2-40B4-BE49-F238E27FC236}">
+                <a16:creationId xmlns:a16="http://schemas.microsoft.com/office/drawing/2014/main" id="{E4B9A5EF-AA21-4E1E-A27A-3DD77D1C3364}"/>
+              </a:ext>
+            </a:extLst>
+          </p:cNvPr>
+          <p:cNvCxnSpPr>
+            <a:stCxn id="35" idx="4"/>
+            <a:endCxn id="17" idx="0"/>
+          </p:cNvCxnSpPr>
+          <p:nvPr/>
+        </p:nvCxnSpPr>
+        <p:spPr>
+          <a:xfrm>
+            <a:off x="5891636" y="2320288"/>
+            <a:ext cx="1269605" cy="2066855"/>
+          </a:xfrm>
+          <a:prstGeom prst="straightConnector1">
+            <a:avLst/>
+          </a:prstGeom>
+          <a:ln>
+            <a:tailEnd type="triangle"/>
+          </a:ln>
+        </p:spPr>
+        <p:style>
+          <a:lnRef idx="1">
+            <a:schemeClr val="accent1"/>
+          </a:lnRef>
+          <a:fillRef idx="0">
+            <a:schemeClr val="accent1"/>
+          </a:fillRef>
+          <a:effectRef idx="0">
+            <a:schemeClr val="accent1"/>
+          </a:effectRef>
+          <a:fontRef idx="minor">
+            <a:schemeClr val="tx1"/>
+          </a:fontRef>
+        </p:style>
+      </p:cxnSp>
+      <p:cxnSp>
+        <p:nvCxnSpPr>
+          <p:cNvPr id="15" name="Straight Arrow Connector 14">
+            <a:extLst>
+              <a:ext uri="{FF2B5EF4-FFF2-40B4-BE49-F238E27FC236}">
+                <a16:creationId xmlns:a16="http://schemas.microsoft.com/office/drawing/2014/main" id="{4C3D0B18-B3A2-4DD3-82BE-78356E975966}"/>
+              </a:ext>
+            </a:extLst>
+          </p:cNvPr>
+          <p:cNvCxnSpPr>
+            <a:stCxn id="35" idx="4"/>
+            <a:endCxn id="19" idx="0"/>
+          </p:cNvCxnSpPr>
+          <p:nvPr/>
+        </p:nvCxnSpPr>
+        <p:spPr>
+          <a:xfrm>
+            <a:off x="5891636" y="2320288"/>
+            <a:ext cx="3653918" cy="2048530"/>
+          </a:xfrm>
+          <a:prstGeom prst="straightConnector1">
+            <a:avLst/>
+          </a:prstGeom>
+          <a:ln>
+            <a:tailEnd type="triangle"/>
+          </a:ln>
+        </p:spPr>
+        <p:style>
+          <a:lnRef idx="1">
+            <a:schemeClr val="accent1"/>
+          </a:lnRef>
+          <a:fillRef idx="0">
+            <a:schemeClr val="accent1"/>
+          </a:fillRef>
+          <a:effectRef idx="0">
+            <a:schemeClr val="accent1"/>
+          </a:effectRef>
+          <a:fontRef idx="minor">
+            <a:schemeClr val="tx1"/>
+          </a:fontRef>
+        </p:style>
+      </p:cxnSp>
+    </p:spTree>
+    <p:extLst>
+      <p:ext uri="{BB962C8B-B14F-4D97-AF65-F5344CB8AC3E}">
+        <p14:creationId xmlns:p14="http://schemas.microsoft.com/office/powerpoint/2010/main" val="3739285916"/>
+      </p:ext>
+    </p:extLst>
+  </p:cSld>
+  <p:clrMapOvr>
+    <a:masterClrMapping/>
+  </p:clrMapOvr>
+</p:sld>
+</file>
+
+<file path=ppt/slides/slide13.xml><?xml version="1.0" encoding="utf-8"?>
+<p:sld xmlns:a="http://schemas.openxmlformats.org/drawingml/2006/main" xmlns:r="http://schemas.openxmlformats.org/officeDocument/2006/relationships" xmlns:p="http://schemas.openxmlformats.org/presentationml/2006/main">
+  <p:cSld>
+    <p:spTree>
+      <p:nvGrpSpPr>
+        <p:cNvPr id="1" name=""/>
+        <p:cNvGrpSpPr/>
+        <p:nvPr/>
+      </p:nvGrpSpPr>
+      <p:grpSpPr>
+        <a:xfrm>
+          <a:off x="0" y="0"/>
+          <a:ext cx="0" cy="0"/>
+          <a:chOff x="0" y="0"/>
+          <a:chExt cx="0" cy="0"/>
+        </a:xfrm>
+      </p:grpSpPr>
+      <p:sp>
+        <p:nvSpPr>
+          <p:cNvPr id="2" name="Title 1">
+            <a:extLst>
+              <a:ext uri="{FF2B5EF4-FFF2-40B4-BE49-F238E27FC236}">
+                <a16:creationId xmlns:a16="http://schemas.microsoft.com/office/drawing/2014/main" id="{87F6C8E7-04E7-44E7-B23E-9421EBFF79C5}"/>
+              </a:ext>
+            </a:extLst>
+          </p:cNvPr>
+          <p:cNvSpPr>
+            <a:spLocks noGrp="1"/>
+          </p:cNvSpPr>
+          <p:nvPr>
+            <p:ph type="title"/>
+          </p:nvPr>
+        </p:nvSpPr>
+        <p:spPr>
+          <a:xfrm>
+            <a:off x="586271" y="150525"/>
+            <a:ext cx="10058400" cy="614406"/>
+          </a:xfrm>
+        </p:spPr>
+        <p:txBody>
+          <a:bodyPr>
+            <a:normAutofit fontScale="90000"/>
+          </a:bodyPr>
+          <a:lstStyle/>
+          <a:p>
+            <a:r>
+              <a:rPr lang="en-US" dirty="0"/>
+              <a:t>MODULE: CRM</a:t>
+            </a:r>
+          </a:p>
+        </p:txBody>
+      </p:sp>
+      <p:grpSp>
+        <p:nvGrpSpPr>
+          <p:cNvPr id="33" name="Group 32">
+            <a:extLst>
+              <a:ext uri="{FF2B5EF4-FFF2-40B4-BE49-F238E27FC236}">
+                <a16:creationId xmlns:a16="http://schemas.microsoft.com/office/drawing/2014/main" id="{AB76AAEB-F528-4A3B-9471-E838162B822F}"/>
+              </a:ext>
+            </a:extLst>
+          </p:cNvPr>
+          <p:cNvGrpSpPr/>
+          <p:nvPr/>
+        </p:nvGrpSpPr>
+        <p:grpSpPr>
+          <a:xfrm>
+            <a:off x="234681" y="1704873"/>
+            <a:ext cx="3742449" cy="1808753"/>
+            <a:chOff x="442605" y="1620247"/>
+            <a:chExt cx="4366787" cy="2110500"/>
+          </a:xfrm>
+        </p:grpSpPr>
+        <p:sp>
+          <p:nvSpPr>
+            <p:cNvPr id="34" name="Rectangle 33">
+              <a:extLst>
+                <a:ext uri="{FF2B5EF4-FFF2-40B4-BE49-F238E27FC236}">
+                  <a16:creationId xmlns:a16="http://schemas.microsoft.com/office/drawing/2014/main" id="{068D9EFD-716C-4B57-ABC1-9FD7E29D191F}"/>
+                </a:ext>
+              </a:extLst>
+            </p:cNvPr>
+            <p:cNvSpPr/>
+            <p:nvPr/>
+          </p:nvSpPr>
+          <p:spPr>
+            <a:xfrm>
+              <a:off x="442605" y="3379373"/>
+              <a:ext cx="1345830" cy="351374"/>
+            </a:xfrm>
+            <a:prstGeom prst="rect">
+              <a:avLst/>
+            </a:prstGeom>
+          </p:spPr>
+          <p:style>
+            <a:lnRef idx="2">
+              <a:schemeClr val="accent1">
+                <a:shade val="50000"/>
+              </a:schemeClr>
+            </a:lnRef>
+            <a:fillRef idx="1">
+              <a:schemeClr val="accent1"/>
+            </a:fillRef>
+            <a:effectRef idx="0">
+              <a:schemeClr val="accent1"/>
+            </a:effectRef>
+            <a:fontRef idx="minor">
+              <a:schemeClr val="lt1"/>
+            </a:fontRef>
+          </p:style>
+          <p:txBody>
+            <a:bodyPr rtlCol="0" anchor="ctr"/>
+            <a:lstStyle/>
+            <a:p>
+              <a:pPr algn="ctr"/>
+              <a:r>
+                <a:rPr lang="en-US" dirty="0"/>
+                <a:t>Create</a:t>
+              </a:r>
+            </a:p>
+          </p:txBody>
+        </p:sp>
+        <p:sp>
+          <p:nvSpPr>
+            <p:cNvPr id="35" name="Oval 34">
+              <a:extLst>
+                <a:ext uri="{FF2B5EF4-FFF2-40B4-BE49-F238E27FC236}">
+                  <a16:creationId xmlns:a16="http://schemas.microsoft.com/office/drawing/2014/main" id="{C368BA1A-A6D1-46B2-9FAA-FBD24C4D58C0}"/>
+                </a:ext>
+              </a:extLst>
+            </p:cNvPr>
+            <p:cNvSpPr/>
+            <p:nvPr/>
+          </p:nvSpPr>
+          <p:spPr>
+            <a:xfrm>
+              <a:off x="1578115" y="1620247"/>
+              <a:ext cx="2058175" cy="808824"/>
+            </a:xfrm>
+            <a:prstGeom prst="ellipse">
+              <a:avLst/>
+            </a:prstGeom>
+          </p:spPr>
+          <p:style>
+            <a:lnRef idx="2">
+              <a:schemeClr val="accent1">
+                <a:shade val="50000"/>
+              </a:schemeClr>
+            </a:lnRef>
+            <a:fillRef idx="1">
+              <a:schemeClr val="accent1"/>
+            </a:fillRef>
+            <a:effectRef idx="0">
+              <a:schemeClr val="accent1"/>
+            </a:effectRef>
+            <a:fontRef idx="minor">
+              <a:schemeClr val="lt1"/>
+            </a:fontRef>
+          </p:style>
+          <p:txBody>
+            <a:bodyPr rtlCol="0" anchor="ctr"/>
+            <a:lstStyle/>
+            <a:p>
+              <a:pPr algn="ctr"/>
+              <a:r>
+                <a:rPr lang="en-US" dirty="0"/>
+                <a:t>Customer</a:t>
+              </a:r>
+            </a:p>
+          </p:txBody>
+        </p:sp>
+        <p:sp>
+          <p:nvSpPr>
+            <p:cNvPr id="36" name="Rectangle 35">
+              <a:extLst>
+                <a:ext uri="{FF2B5EF4-FFF2-40B4-BE49-F238E27FC236}">
+                  <a16:creationId xmlns:a16="http://schemas.microsoft.com/office/drawing/2014/main" id="{F46742AE-974D-4002-A3E3-2436EE1AFAD6}"/>
+                </a:ext>
+              </a:extLst>
+            </p:cNvPr>
+            <p:cNvSpPr/>
+            <p:nvPr/>
+          </p:nvSpPr>
+          <p:spPr>
+            <a:xfrm>
+              <a:off x="1934289" y="3379373"/>
+              <a:ext cx="1345830" cy="351374"/>
+            </a:xfrm>
+            <a:prstGeom prst="rect">
+              <a:avLst/>
+            </a:prstGeom>
+          </p:spPr>
+          <p:style>
+            <a:lnRef idx="2">
+              <a:schemeClr val="accent1">
+                <a:shade val="50000"/>
+              </a:schemeClr>
+            </a:lnRef>
+            <a:fillRef idx="1">
+              <a:schemeClr val="accent1"/>
+            </a:fillRef>
+            <a:effectRef idx="0">
+              <a:schemeClr val="accent1"/>
+            </a:effectRef>
+            <a:fontRef idx="minor">
+              <a:schemeClr val="lt1"/>
+            </a:fontRef>
+          </p:style>
+          <p:txBody>
+            <a:bodyPr rtlCol="0" anchor="ctr"/>
+            <a:lstStyle/>
+            <a:p>
+              <a:pPr algn="ctr"/>
+              <a:r>
+                <a:rPr lang="en-US" dirty="0"/>
+                <a:t>Update</a:t>
+              </a:r>
+            </a:p>
+          </p:txBody>
+        </p:sp>
+        <p:sp>
+          <p:nvSpPr>
+            <p:cNvPr id="37" name="Rectangle 36">
+              <a:extLst>
+                <a:ext uri="{FF2B5EF4-FFF2-40B4-BE49-F238E27FC236}">
+                  <a16:creationId xmlns:a16="http://schemas.microsoft.com/office/drawing/2014/main" id="{46B3008B-4D15-49D1-84F5-EAD6F4296A56}"/>
+                </a:ext>
+              </a:extLst>
+            </p:cNvPr>
+            <p:cNvSpPr/>
+            <p:nvPr/>
+          </p:nvSpPr>
+          <p:spPr>
+            <a:xfrm>
+              <a:off x="3463562" y="3379373"/>
+              <a:ext cx="1345830" cy="351374"/>
+            </a:xfrm>
+            <a:prstGeom prst="rect">
+              <a:avLst/>
+            </a:prstGeom>
+          </p:spPr>
+          <p:style>
+            <a:lnRef idx="2">
+              <a:schemeClr val="accent1">
+                <a:shade val="50000"/>
+              </a:schemeClr>
+            </a:lnRef>
+            <a:fillRef idx="1">
+              <a:schemeClr val="accent1"/>
+            </a:fillRef>
+            <a:effectRef idx="0">
+              <a:schemeClr val="accent1"/>
+            </a:effectRef>
+            <a:fontRef idx="minor">
+              <a:schemeClr val="lt1"/>
+            </a:fontRef>
+          </p:style>
+          <p:txBody>
+            <a:bodyPr rtlCol="0" anchor="ctr"/>
+            <a:lstStyle/>
+            <a:p>
+              <a:pPr algn="ctr"/>
+              <a:r>
+                <a:rPr lang="en-US" dirty="0"/>
+                <a:t>Delete</a:t>
+              </a:r>
+            </a:p>
+          </p:txBody>
+        </p:sp>
+        <p:cxnSp>
+          <p:nvCxnSpPr>
+            <p:cNvPr id="38" name="Straight Arrow Connector 37">
+              <a:extLst>
+                <a:ext uri="{FF2B5EF4-FFF2-40B4-BE49-F238E27FC236}">
+                  <a16:creationId xmlns:a16="http://schemas.microsoft.com/office/drawing/2014/main" id="{F942F3FE-1AEE-49B1-8BDD-FE890A5E783D}"/>
+                </a:ext>
+              </a:extLst>
+            </p:cNvPr>
+            <p:cNvCxnSpPr>
+              <a:cxnSpLocks/>
+              <a:stCxn id="35" idx="4"/>
+            </p:cNvCxnSpPr>
+            <p:nvPr/>
+          </p:nvCxnSpPr>
+          <p:spPr>
+            <a:xfrm flipH="1">
+              <a:off x="988029" y="2429071"/>
+              <a:ext cx="1619174" cy="950302"/>
+            </a:xfrm>
+            <a:prstGeom prst="straightConnector1">
+              <a:avLst/>
+            </a:prstGeom>
+            <a:ln>
+              <a:tailEnd type="triangle"/>
+            </a:ln>
+          </p:spPr>
+          <p:style>
+            <a:lnRef idx="1">
+              <a:schemeClr val="accent1"/>
+            </a:lnRef>
+            <a:fillRef idx="0">
+              <a:schemeClr val="accent1"/>
+            </a:fillRef>
+            <a:effectRef idx="0">
+              <a:schemeClr val="accent1"/>
+            </a:effectRef>
+            <a:fontRef idx="minor">
+              <a:schemeClr val="tx1"/>
+            </a:fontRef>
+          </p:style>
+        </p:cxnSp>
+        <p:cxnSp>
+          <p:nvCxnSpPr>
+            <p:cNvPr id="39" name="Straight Arrow Connector 38">
+              <a:extLst>
+                <a:ext uri="{FF2B5EF4-FFF2-40B4-BE49-F238E27FC236}">
+                  <a16:creationId xmlns:a16="http://schemas.microsoft.com/office/drawing/2014/main" id="{F1ECFC4C-1C0B-4116-B29E-FC717AE19EF3}"/>
+                </a:ext>
+              </a:extLst>
+            </p:cNvPr>
+            <p:cNvCxnSpPr>
+              <a:endCxn id="36" idx="0"/>
+            </p:cNvCxnSpPr>
+            <p:nvPr/>
+          </p:nvCxnSpPr>
+          <p:spPr>
+            <a:xfrm>
+              <a:off x="2607204" y="2429071"/>
+              <a:ext cx="0" cy="950302"/>
+            </a:xfrm>
+            <a:prstGeom prst="straightConnector1">
+              <a:avLst/>
+            </a:prstGeom>
+            <a:ln>
+              <a:tailEnd type="triangle"/>
+            </a:ln>
+          </p:spPr>
+          <p:style>
+            <a:lnRef idx="1">
+              <a:schemeClr val="accent1"/>
+            </a:lnRef>
+            <a:fillRef idx="0">
+              <a:schemeClr val="accent1"/>
+            </a:fillRef>
+            <a:effectRef idx="0">
+              <a:schemeClr val="accent1"/>
+            </a:effectRef>
+            <a:fontRef idx="minor">
+              <a:schemeClr val="tx1"/>
+            </a:fontRef>
+          </p:style>
+        </p:cxnSp>
+        <p:cxnSp>
+          <p:nvCxnSpPr>
+            <p:cNvPr id="40" name="Straight Arrow Connector 39">
+              <a:extLst>
+                <a:ext uri="{FF2B5EF4-FFF2-40B4-BE49-F238E27FC236}">
+                  <a16:creationId xmlns:a16="http://schemas.microsoft.com/office/drawing/2014/main" id="{F051D6FE-D226-4CD8-9828-C0494929B554}"/>
+                </a:ext>
+              </a:extLst>
+            </p:cNvPr>
+            <p:cNvCxnSpPr>
+              <a:endCxn id="37" idx="0"/>
+            </p:cNvCxnSpPr>
+            <p:nvPr/>
+          </p:nvCxnSpPr>
+          <p:spPr>
+            <a:xfrm>
+              <a:off x="2607204" y="2429071"/>
+              <a:ext cx="1529274" cy="950302"/>
+            </a:xfrm>
+            <a:prstGeom prst="straightConnector1">
+              <a:avLst/>
+            </a:prstGeom>
+            <a:ln>
+              <a:tailEnd type="triangle"/>
+            </a:ln>
+          </p:spPr>
+          <p:style>
+            <a:lnRef idx="1">
+              <a:schemeClr val="accent1"/>
+            </a:lnRef>
+            <a:fillRef idx="0">
+              <a:schemeClr val="accent1"/>
+            </a:fillRef>
+            <a:effectRef idx="0">
+              <a:schemeClr val="accent1"/>
+            </a:effectRef>
+            <a:fontRef idx="minor">
+              <a:schemeClr val="tx1"/>
+            </a:fontRef>
+          </p:style>
+        </p:cxnSp>
+      </p:grpSp>
+      <p:sp>
+        <p:nvSpPr>
+          <p:cNvPr id="3" name="Oval 2">
+            <a:extLst>
+              <a:ext uri="{FF2B5EF4-FFF2-40B4-BE49-F238E27FC236}">
+                <a16:creationId xmlns:a16="http://schemas.microsoft.com/office/drawing/2014/main" id="{3CDA7BF8-D82F-41ED-8A74-0B246A73AE3C}"/>
+              </a:ext>
+            </a:extLst>
+          </p:cNvPr>
+          <p:cNvSpPr/>
+          <p:nvPr/>
+        </p:nvSpPr>
+        <p:spPr>
+          <a:xfrm>
+            <a:off x="4657856" y="500943"/>
+            <a:ext cx="2593731" cy="565125"/>
+          </a:xfrm>
+          <a:prstGeom prst="ellipse">
+            <a:avLst/>
+          </a:prstGeom>
+        </p:spPr>
+        <p:style>
+          <a:lnRef idx="2">
+            <a:schemeClr val="accent1">
+              <a:shade val="50000"/>
+            </a:schemeClr>
+          </a:lnRef>
+          <a:fillRef idx="1">
+            <a:schemeClr val="accent1"/>
+          </a:fillRef>
+          <a:effectRef idx="0">
+            <a:schemeClr val="accent1"/>
+          </a:effectRef>
+          <a:fontRef idx="minor">
+            <a:schemeClr val="lt1"/>
+          </a:fontRef>
+        </p:style>
+        <p:txBody>
+          <a:bodyPr rtlCol="0" anchor="ctr"/>
+          <a:lstStyle/>
+          <a:p>
+            <a:pPr algn="ctr"/>
+            <a:r>
+              <a:rPr lang="en-US" dirty="0"/>
+              <a:t>SALES</a:t>
+            </a:r>
+          </a:p>
+        </p:txBody>
+      </p:sp>
+      <p:cxnSp>
+        <p:nvCxnSpPr>
+          <p:cNvPr id="86" name="Straight Connector 85">
+            <a:extLst>
+              <a:ext uri="{FF2B5EF4-FFF2-40B4-BE49-F238E27FC236}">
+                <a16:creationId xmlns:a16="http://schemas.microsoft.com/office/drawing/2014/main" id="{9E5BE527-52D2-4BBE-941F-F170CC5819AE}"/>
+              </a:ext>
+            </a:extLst>
+          </p:cNvPr>
+          <p:cNvCxnSpPr/>
+          <p:nvPr/>
+        </p:nvCxnSpPr>
+        <p:spPr>
+          <a:xfrm>
+            <a:off x="506879" y="1242133"/>
+            <a:ext cx="11028367" cy="0"/>
+          </a:xfrm>
+          <a:prstGeom prst="line">
+            <a:avLst/>
+          </a:prstGeom>
+          <a:ln w="38100"/>
+        </p:spPr>
+        <p:style>
+          <a:lnRef idx="1">
+            <a:schemeClr val="accent1"/>
+          </a:lnRef>
+          <a:fillRef idx="0">
+            <a:schemeClr val="accent1"/>
+          </a:fillRef>
+          <a:effectRef idx="0">
+            <a:schemeClr val="accent1"/>
+          </a:effectRef>
+          <a:fontRef idx="minor">
+            <a:schemeClr val="tx1"/>
+          </a:fontRef>
+        </p:style>
+      </p:cxnSp>
+      <p:grpSp>
+        <p:nvGrpSpPr>
+          <p:cNvPr id="27" name="Group 26">
+            <a:extLst>
+              <a:ext uri="{FF2B5EF4-FFF2-40B4-BE49-F238E27FC236}">
+                <a16:creationId xmlns:a16="http://schemas.microsoft.com/office/drawing/2014/main" id="{971F20CE-9B02-4365-B07C-8828472DFD7D}"/>
+              </a:ext>
+            </a:extLst>
+          </p:cNvPr>
+          <p:cNvGrpSpPr/>
+          <p:nvPr/>
+        </p:nvGrpSpPr>
+        <p:grpSpPr>
+          <a:xfrm>
+            <a:off x="4165947" y="1704873"/>
+            <a:ext cx="3766916" cy="2241776"/>
+            <a:chOff x="4165947" y="1704873"/>
+            <a:chExt cx="3766916" cy="2241776"/>
+          </a:xfrm>
+        </p:grpSpPr>
+        <p:cxnSp>
+          <p:nvCxnSpPr>
+            <p:cNvPr id="9" name="Connector: Elbow 8">
+              <a:extLst>
+                <a:ext uri="{FF2B5EF4-FFF2-40B4-BE49-F238E27FC236}">
+                  <a16:creationId xmlns:a16="http://schemas.microsoft.com/office/drawing/2014/main" id="{2BA5517E-9867-4E81-AA5A-EFA9A157FA88}"/>
+                </a:ext>
+              </a:extLst>
+            </p:cNvPr>
+            <p:cNvCxnSpPr>
+              <a:stCxn id="43" idx="4"/>
+              <a:endCxn id="113" idx="3"/>
+            </p:cNvCxnSpPr>
+            <p:nvPr/>
+          </p:nvCxnSpPr>
+          <p:spPr>
+            <a:xfrm rot="5400000">
+              <a:off x="4983432" y="2733982"/>
+              <a:ext cx="1398025" cy="726172"/>
+            </a:xfrm>
+            <a:prstGeom prst="bentConnector2">
+              <a:avLst/>
+            </a:prstGeom>
+            <a:ln>
+              <a:tailEnd type="triangle"/>
+            </a:ln>
+          </p:spPr>
+          <p:style>
+            <a:lnRef idx="1">
+              <a:schemeClr val="accent1"/>
+            </a:lnRef>
+            <a:fillRef idx="0">
+              <a:schemeClr val="accent1"/>
+            </a:fillRef>
+            <a:effectRef idx="0">
+              <a:schemeClr val="accent1"/>
+            </a:effectRef>
+            <a:fontRef idx="minor">
+              <a:schemeClr val="tx1"/>
+            </a:fontRef>
+          </p:style>
+        </p:cxnSp>
+        <p:sp>
+          <p:nvSpPr>
+            <p:cNvPr id="42" name="Rectangle 41">
+              <a:extLst>
+                <a:ext uri="{FF2B5EF4-FFF2-40B4-BE49-F238E27FC236}">
+                  <a16:creationId xmlns:a16="http://schemas.microsoft.com/office/drawing/2014/main" id="{9661A8FF-9AF9-4CBC-B88F-44991FF8E0DC}"/>
+                </a:ext>
+              </a:extLst>
+            </p:cNvPr>
+            <p:cNvSpPr/>
+            <p:nvPr/>
+          </p:nvSpPr>
+          <p:spPr>
+            <a:xfrm>
+              <a:off x="4165947" y="3212489"/>
+              <a:ext cx="1153411" cy="301137"/>
+            </a:xfrm>
+            <a:prstGeom prst="rect">
+              <a:avLst/>
+            </a:prstGeom>
+          </p:spPr>
+          <p:style>
+            <a:lnRef idx="2">
+              <a:schemeClr val="accent1">
+                <a:shade val="50000"/>
+              </a:schemeClr>
+            </a:lnRef>
+            <a:fillRef idx="1">
+              <a:schemeClr val="accent1"/>
+            </a:fillRef>
+            <a:effectRef idx="0">
+              <a:schemeClr val="accent1"/>
+            </a:effectRef>
+            <a:fontRef idx="minor">
+              <a:schemeClr val="lt1"/>
+            </a:fontRef>
+          </p:style>
+          <p:txBody>
+            <a:bodyPr rtlCol="0" anchor="ctr"/>
+            <a:lstStyle/>
+            <a:p>
+              <a:pPr algn="ctr"/>
+              <a:r>
+                <a:rPr lang="en-US" dirty="0"/>
+                <a:t>Create</a:t>
+              </a:r>
+            </a:p>
+          </p:txBody>
+        </p:sp>
+        <p:sp>
+          <p:nvSpPr>
+            <p:cNvPr id="43" name="Oval 42">
+              <a:extLst>
+                <a:ext uri="{FF2B5EF4-FFF2-40B4-BE49-F238E27FC236}">
+                  <a16:creationId xmlns:a16="http://schemas.microsoft.com/office/drawing/2014/main" id="{86FE0440-7DBA-4E59-85F4-C90B1CABB609}"/>
+                </a:ext>
+              </a:extLst>
+            </p:cNvPr>
+            <p:cNvSpPr/>
+            <p:nvPr/>
+          </p:nvSpPr>
+          <p:spPr>
+            <a:xfrm>
+              <a:off x="5163575" y="1704873"/>
+              <a:ext cx="1763909" cy="693183"/>
+            </a:xfrm>
+            <a:prstGeom prst="ellipse">
+              <a:avLst/>
+            </a:prstGeom>
+          </p:spPr>
+          <p:style>
+            <a:lnRef idx="2">
+              <a:schemeClr val="accent1">
+                <a:shade val="50000"/>
+              </a:schemeClr>
+            </a:lnRef>
+            <a:fillRef idx="1">
+              <a:schemeClr val="accent1"/>
+            </a:fillRef>
+            <a:effectRef idx="0">
+              <a:schemeClr val="accent1"/>
+            </a:effectRef>
+            <a:fontRef idx="minor">
+              <a:schemeClr val="lt1"/>
+            </a:fontRef>
+          </p:style>
+          <p:txBody>
+            <a:bodyPr rtlCol="0" anchor="ctr"/>
+            <a:lstStyle/>
+            <a:p>
+              <a:pPr algn="ctr"/>
+              <a:r>
+                <a:rPr lang="en-US" dirty="0"/>
+                <a:t>Sales Order</a:t>
+              </a:r>
+            </a:p>
+          </p:txBody>
+        </p:sp>
+        <p:sp>
+          <p:nvSpPr>
+            <p:cNvPr id="44" name="Rectangle 43">
+              <a:extLst>
+                <a:ext uri="{FF2B5EF4-FFF2-40B4-BE49-F238E27FC236}">
+                  <a16:creationId xmlns:a16="http://schemas.microsoft.com/office/drawing/2014/main" id="{C1762566-67DC-461B-B5C6-04DB9A6D293F}"/>
+                </a:ext>
+              </a:extLst>
+            </p:cNvPr>
+            <p:cNvSpPr/>
+            <p:nvPr/>
+          </p:nvSpPr>
+          <p:spPr>
+            <a:xfrm>
+              <a:off x="5468826" y="3212489"/>
+              <a:ext cx="1153411" cy="301137"/>
+            </a:xfrm>
+            <a:prstGeom prst="rect">
+              <a:avLst/>
+            </a:prstGeom>
+          </p:spPr>
+          <p:style>
+            <a:lnRef idx="2">
+              <a:schemeClr val="accent1">
+                <a:shade val="50000"/>
+              </a:schemeClr>
+            </a:lnRef>
+            <a:fillRef idx="1">
+              <a:schemeClr val="accent1"/>
+            </a:fillRef>
+            <a:effectRef idx="0">
+              <a:schemeClr val="accent1"/>
+            </a:effectRef>
+            <a:fontRef idx="minor">
+              <a:schemeClr val="lt1"/>
+            </a:fontRef>
+          </p:style>
+          <p:txBody>
+            <a:bodyPr rtlCol="0" anchor="ctr"/>
+            <a:lstStyle/>
+            <a:p>
+              <a:pPr algn="ctr"/>
+              <a:r>
+                <a:rPr lang="en-US" dirty="0"/>
+                <a:t>Update</a:t>
+              </a:r>
+            </a:p>
+          </p:txBody>
+        </p:sp>
+        <p:sp>
+          <p:nvSpPr>
+            <p:cNvPr id="47" name="Rectangle 46">
+              <a:extLst>
+                <a:ext uri="{FF2B5EF4-FFF2-40B4-BE49-F238E27FC236}">
+                  <a16:creationId xmlns:a16="http://schemas.microsoft.com/office/drawing/2014/main" id="{F7F56D67-F14E-4B32-9115-2DD6B7099257}"/>
+                </a:ext>
+              </a:extLst>
+            </p:cNvPr>
+            <p:cNvSpPr/>
+            <p:nvPr/>
+          </p:nvSpPr>
+          <p:spPr>
+            <a:xfrm>
+              <a:off x="6779452" y="3212489"/>
+              <a:ext cx="1153411" cy="301137"/>
+            </a:xfrm>
+            <a:prstGeom prst="rect">
+              <a:avLst/>
+            </a:prstGeom>
+          </p:spPr>
+          <p:style>
+            <a:lnRef idx="2">
+              <a:schemeClr val="accent1">
+                <a:shade val="50000"/>
+              </a:schemeClr>
+            </a:lnRef>
+            <a:fillRef idx="1">
+              <a:schemeClr val="accent1"/>
+            </a:fillRef>
+            <a:effectRef idx="0">
+              <a:schemeClr val="accent1"/>
+            </a:effectRef>
+            <a:fontRef idx="minor">
+              <a:schemeClr val="lt1"/>
+            </a:fontRef>
+          </p:style>
+          <p:txBody>
+            <a:bodyPr rtlCol="0" anchor="ctr"/>
+            <a:lstStyle/>
+            <a:p>
+              <a:pPr algn="ctr"/>
+              <a:r>
+                <a:rPr lang="en-US" dirty="0"/>
+                <a:t>Delete</a:t>
+              </a:r>
+            </a:p>
+          </p:txBody>
+        </p:sp>
+        <p:cxnSp>
+          <p:nvCxnSpPr>
+            <p:cNvPr id="48" name="Straight Arrow Connector 47">
+              <a:extLst>
+                <a:ext uri="{FF2B5EF4-FFF2-40B4-BE49-F238E27FC236}">
+                  <a16:creationId xmlns:a16="http://schemas.microsoft.com/office/drawing/2014/main" id="{4345B5FD-A083-4F2F-AFFA-3F166C98C292}"/>
+                </a:ext>
+              </a:extLst>
+            </p:cNvPr>
+            <p:cNvCxnSpPr>
+              <a:cxnSpLocks/>
+              <a:stCxn id="43" idx="4"/>
+            </p:cNvCxnSpPr>
+            <p:nvPr/>
+          </p:nvCxnSpPr>
+          <p:spPr>
+            <a:xfrm flipH="1">
+              <a:off x="4657856" y="2398056"/>
+              <a:ext cx="1387674" cy="814433"/>
+            </a:xfrm>
+            <a:prstGeom prst="straightConnector1">
+              <a:avLst/>
+            </a:prstGeom>
+            <a:ln>
+              <a:tailEnd type="triangle"/>
+            </a:ln>
+          </p:spPr>
+          <p:style>
+            <a:lnRef idx="1">
+              <a:schemeClr val="accent1"/>
+            </a:lnRef>
+            <a:fillRef idx="0">
+              <a:schemeClr val="accent1"/>
+            </a:fillRef>
+            <a:effectRef idx="0">
+              <a:schemeClr val="accent1"/>
+            </a:effectRef>
+            <a:fontRef idx="minor">
+              <a:schemeClr val="tx1"/>
+            </a:fontRef>
+          </p:style>
+        </p:cxnSp>
+        <p:cxnSp>
+          <p:nvCxnSpPr>
+            <p:cNvPr id="49" name="Straight Arrow Connector 48">
+              <a:extLst>
+                <a:ext uri="{FF2B5EF4-FFF2-40B4-BE49-F238E27FC236}">
+                  <a16:creationId xmlns:a16="http://schemas.microsoft.com/office/drawing/2014/main" id="{A106E0D8-0023-4972-907A-44DAE764F9DA}"/>
+                </a:ext>
+              </a:extLst>
+            </p:cNvPr>
+            <p:cNvCxnSpPr>
+              <a:endCxn id="44" idx="0"/>
+            </p:cNvCxnSpPr>
+            <p:nvPr/>
+          </p:nvCxnSpPr>
+          <p:spPr>
+            <a:xfrm>
+              <a:off x="6045531" y="2398056"/>
+              <a:ext cx="0" cy="814433"/>
+            </a:xfrm>
+            <a:prstGeom prst="straightConnector1">
+              <a:avLst/>
+            </a:prstGeom>
+            <a:ln>
+              <a:tailEnd type="triangle"/>
+            </a:ln>
+          </p:spPr>
+          <p:style>
+            <a:lnRef idx="1">
+              <a:schemeClr val="accent1"/>
+            </a:lnRef>
+            <a:fillRef idx="0">
+              <a:schemeClr val="accent1"/>
+            </a:fillRef>
+            <a:effectRef idx="0">
+              <a:schemeClr val="accent1"/>
+            </a:effectRef>
+            <a:fontRef idx="minor">
+              <a:schemeClr val="tx1"/>
+            </a:fontRef>
+          </p:style>
+        </p:cxnSp>
+        <p:cxnSp>
+          <p:nvCxnSpPr>
+            <p:cNvPr id="51" name="Straight Arrow Connector 50">
+              <a:extLst>
+                <a:ext uri="{FF2B5EF4-FFF2-40B4-BE49-F238E27FC236}">
+                  <a16:creationId xmlns:a16="http://schemas.microsoft.com/office/drawing/2014/main" id="{44E33A07-7F9F-45DD-8224-AAB093F51FE5}"/>
+                </a:ext>
+              </a:extLst>
+            </p:cNvPr>
+            <p:cNvCxnSpPr>
+              <a:endCxn id="47" idx="0"/>
+            </p:cNvCxnSpPr>
+            <p:nvPr/>
+          </p:nvCxnSpPr>
+          <p:spPr>
+            <a:xfrm>
+              <a:off x="6045531" y="2398056"/>
+              <a:ext cx="1310627" cy="814433"/>
+            </a:xfrm>
+            <a:prstGeom prst="straightConnector1">
+              <a:avLst/>
+            </a:prstGeom>
+            <a:ln>
+              <a:tailEnd type="triangle"/>
+            </a:ln>
+          </p:spPr>
+          <p:style>
+            <a:lnRef idx="1">
+              <a:schemeClr val="accent1"/>
+            </a:lnRef>
+            <a:fillRef idx="0">
+              <a:schemeClr val="accent1"/>
+            </a:fillRef>
+            <a:effectRef idx="0">
+              <a:schemeClr val="accent1"/>
+            </a:effectRef>
+            <a:fontRef idx="minor">
+              <a:schemeClr val="tx1"/>
+            </a:fontRef>
+          </p:style>
+        </p:cxnSp>
+        <p:sp>
+          <p:nvSpPr>
+            <p:cNvPr id="113" name="Rectangle 112">
+              <a:extLst>
+                <a:ext uri="{FF2B5EF4-FFF2-40B4-BE49-F238E27FC236}">
+                  <a16:creationId xmlns:a16="http://schemas.microsoft.com/office/drawing/2014/main" id="{C110C48E-A9D5-47F0-8F5A-A5E10657E5A7}"/>
+                </a:ext>
+              </a:extLst>
+            </p:cNvPr>
+            <p:cNvSpPr/>
+            <p:nvPr/>
+          </p:nvSpPr>
+          <p:spPr>
+            <a:xfrm>
+              <a:off x="4165947" y="3645512"/>
+              <a:ext cx="1153411" cy="301137"/>
+            </a:xfrm>
+            <a:prstGeom prst="rect">
+              <a:avLst/>
+            </a:prstGeom>
+          </p:spPr>
+          <p:style>
+            <a:lnRef idx="2">
+              <a:schemeClr val="accent1">
+                <a:shade val="50000"/>
+              </a:schemeClr>
+            </a:lnRef>
+            <a:fillRef idx="1">
+              <a:schemeClr val="accent1"/>
+            </a:fillRef>
+            <a:effectRef idx="0">
+              <a:schemeClr val="accent1"/>
+            </a:effectRef>
+            <a:fontRef idx="minor">
+              <a:schemeClr val="lt1"/>
+            </a:fontRef>
+          </p:style>
+          <p:txBody>
+            <a:bodyPr rtlCol="0" anchor="ctr"/>
+            <a:lstStyle/>
+            <a:p>
+              <a:pPr algn="ctr"/>
+              <a:r>
+                <a:rPr lang="en-US" dirty="0"/>
+                <a:t>Voucher</a:t>
               </a:r>
             </a:p>
           </p:txBody>
         </p:sp>
       </p:grpSp>
+      <p:grpSp>
+        <p:nvGrpSpPr>
+          <p:cNvPr id="26" name="Group 25">
+            <a:extLst>
+              <a:ext uri="{FF2B5EF4-FFF2-40B4-BE49-F238E27FC236}">
+                <a16:creationId xmlns:a16="http://schemas.microsoft.com/office/drawing/2014/main" id="{80B74CFC-5765-4034-90AC-2394173CB7F0}"/>
+              </a:ext>
+            </a:extLst>
+          </p:cNvPr>
+          <p:cNvGrpSpPr/>
+          <p:nvPr/>
+        </p:nvGrpSpPr>
+        <p:grpSpPr>
+          <a:xfrm>
+            <a:off x="261058" y="4298604"/>
+            <a:ext cx="3742449" cy="1808753"/>
+            <a:chOff x="261058" y="4298604"/>
+            <a:chExt cx="3742449" cy="1808753"/>
+          </a:xfrm>
+        </p:grpSpPr>
+        <p:grpSp>
+          <p:nvGrpSpPr>
+            <p:cNvPr id="62" name="Group 61">
+              <a:extLst>
+                <a:ext uri="{FF2B5EF4-FFF2-40B4-BE49-F238E27FC236}">
+                  <a16:creationId xmlns:a16="http://schemas.microsoft.com/office/drawing/2014/main" id="{385CC3B7-0381-49E7-8A60-9B42E83F2FBA}"/>
+                </a:ext>
+              </a:extLst>
+            </p:cNvPr>
+            <p:cNvGrpSpPr/>
+            <p:nvPr/>
+          </p:nvGrpSpPr>
+          <p:grpSpPr>
+            <a:xfrm>
+              <a:off x="261058" y="4298604"/>
+              <a:ext cx="3742449" cy="1808753"/>
+              <a:chOff x="442605" y="1620247"/>
+              <a:chExt cx="4366787" cy="2110500"/>
+            </a:xfrm>
+          </p:grpSpPr>
+          <p:sp>
+            <p:nvSpPr>
+              <p:cNvPr id="63" name="Rectangle 62">
+                <a:extLst>
+                  <a:ext uri="{FF2B5EF4-FFF2-40B4-BE49-F238E27FC236}">
+                    <a16:creationId xmlns:a16="http://schemas.microsoft.com/office/drawing/2014/main" id="{CB7BCBE4-ABD0-4F16-9799-D17E1D164A73}"/>
+                  </a:ext>
+                </a:extLst>
+              </p:cNvPr>
+              <p:cNvSpPr/>
+              <p:nvPr/>
+            </p:nvSpPr>
+            <p:spPr>
+              <a:xfrm>
+                <a:off x="442605" y="3379373"/>
+                <a:ext cx="1345830" cy="351374"/>
+              </a:xfrm>
+              <a:prstGeom prst="rect">
+                <a:avLst/>
+              </a:prstGeom>
+            </p:spPr>
+            <p:style>
+              <a:lnRef idx="2">
+                <a:schemeClr val="accent1">
+                  <a:shade val="50000"/>
+                </a:schemeClr>
+              </a:lnRef>
+              <a:fillRef idx="1">
+                <a:schemeClr val="accent1"/>
+              </a:fillRef>
+              <a:effectRef idx="0">
+                <a:schemeClr val="accent1"/>
+              </a:effectRef>
+              <a:fontRef idx="minor">
+                <a:schemeClr val="lt1"/>
+              </a:fontRef>
+            </p:style>
+            <p:txBody>
+              <a:bodyPr rtlCol="0" anchor="ctr"/>
+              <a:lstStyle/>
+              <a:p>
+                <a:pPr algn="ctr"/>
+                <a:r>
+                  <a:rPr lang="en-US" dirty="0"/>
+                  <a:t>Create</a:t>
+                </a:r>
+              </a:p>
+            </p:txBody>
+          </p:sp>
+          <p:sp>
+            <p:nvSpPr>
+              <p:cNvPr id="64" name="Oval 63">
+                <a:extLst>
+                  <a:ext uri="{FF2B5EF4-FFF2-40B4-BE49-F238E27FC236}">
+                    <a16:creationId xmlns:a16="http://schemas.microsoft.com/office/drawing/2014/main" id="{747D2470-6CFE-4ABF-88E8-B68DF4AF3490}"/>
+                  </a:ext>
+                </a:extLst>
+              </p:cNvPr>
+              <p:cNvSpPr/>
+              <p:nvPr/>
+            </p:nvSpPr>
+            <p:spPr>
+              <a:xfrm>
+                <a:off x="1578115" y="1620247"/>
+                <a:ext cx="2058175" cy="808824"/>
+              </a:xfrm>
+              <a:prstGeom prst="ellipse">
+                <a:avLst/>
+              </a:prstGeom>
+            </p:spPr>
+            <p:style>
+              <a:lnRef idx="2">
+                <a:schemeClr val="accent1">
+                  <a:shade val="50000"/>
+                </a:schemeClr>
+              </a:lnRef>
+              <a:fillRef idx="1">
+                <a:schemeClr val="accent1"/>
+              </a:fillRef>
+              <a:effectRef idx="0">
+                <a:schemeClr val="accent1"/>
+              </a:effectRef>
+              <a:fontRef idx="minor">
+                <a:schemeClr val="lt1"/>
+              </a:fontRef>
+            </p:style>
+            <p:txBody>
+              <a:bodyPr rtlCol="0" anchor="ctr"/>
+              <a:lstStyle/>
+              <a:p>
+                <a:pPr algn="ctr"/>
+                <a:r>
+                  <a:rPr lang="en-US" dirty="0"/>
+                  <a:t>Invoice Return</a:t>
+                </a:r>
+              </a:p>
+            </p:txBody>
+          </p:sp>
+          <p:sp>
+            <p:nvSpPr>
+              <p:cNvPr id="66" name="Rectangle 65">
+                <a:extLst>
+                  <a:ext uri="{FF2B5EF4-FFF2-40B4-BE49-F238E27FC236}">
+                    <a16:creationId xmlns:a16="http://schemas.microsoft.com/office/drawing/2014/main" id="{AEC0176B-407E-44E0-8442-0AC5125E40B1}"/>
+                  </a:ext>
+                </a:extLst>
+              </p:cNvPr>
+              <p:cNvSpPr/>
+              <p:nvPr/>
+            </p:nvSpPr>
+            <p:spPr>
+              <a:xfrm>
+                <a:off x="3463562" y="3379373"/>
+                <a:ext cx="1345830" cy="351374"/>
+              </a:xfrm>
+              <a:prstGeom prst="rect">
+                <a:avLst/>
+              </a:prstGeom>
+            </p:spPr>
+            <p:style>
+              <a:lnRef idx="2">
+                <a:schemeClr val="accent1">
+                  <a:shade val="50000"/>
+                </a:schemeClr>
+              </a:lnRef>
+              <a:fillRef idx="1">
+                <a:schemeClr val="accent1"/>
+              </a:fillRef>
+              <a:effectRef idx="0">
+                <a:schemeClr val="accent1"/>
+              </a:effectRef>
+              <a:fontRef idx="minor">
+                <a:schemeClr val="lt1"/>
+              </a:fontRef>
+            </p:style>
+            <p:txBody>
+              <a:bodyPr rtlCol="0" anchor="ctr"/>
+              <a:lstStyle/>
+              <a:p>
+                <a:pPr algn="ctr"/>
+                <a:r>
+                  <a:rPr lang="en-US" dirty="0"/>
+                  <a:t>Delete</a:t>
+                </a:r>
+              </a:p>
+            </p:txBody>
+          </p:sp>
+          <p:cxnSp>
+            <p:nvCxnSpPr>
+              <p:cNvPr id="67" name="Straight Arrow Connector 66">
+                <a:extLst>
+                  <a:ext uri="{FF2B5EF4-FFF2-40B4-BE49-F238E27FC236}">
+                    <a16:creationId xmlns:a16="http://schemas.microsoft.com/office/drawing/2014/main" id="{A059203B-9025-4BA7-A047-C8F819EB9599}"/>
+                  </a:ext>
+                </a:extLst>
+              </p:cNvPr>
+              <p:cNvCxnSpPr>
+                <a:cxnSpLocks/>
+                <a:stCxn id="64" idx="4"/>
+              </p:cNvCxnSpPr>
+              <p:nvPr/>
+            </p:nvCxnSpPr>
+            <p:spPr>
+              <a:xfrm flipH="1">
+                <a:off x="988029" y="2429071"/>
+                <a:ext cx="1619174" cy="950302"/>
+              </a:xfrm>
+              <a:prstGeom prst="straightConnector1">
+                <a:avLst/>
+              </a:prstGeom>
+              <a:ln>
+                <a:tailEnd type="triangle"/>
+              </a:ln>
+            </p:spPr>
+            <p:style>
+              <a:lnRef idx="1">
+                <a:schemeClr val="accent1"/>
+              </a:lnRef>
+              <a:fillRef idx="0">
+                <a:schemeClr val="accent1"/>
+              </a:fillRef>
+              <a:effectRef idx="0">
+                <a:schemeClr val="accent1"/>
+              </a:effectRef>
+              <a:fontRef idx="minor">
+                <a:schemeClr val="tx1"/>
+              </a:fontRef>
+            </p:style>
+          </p:cxnSp>
+          <p:cxnSp>
+            <p:nvCxnSpPr>
+              <p:cNvPr id="69" name="Straight Arrow Connector 68">
+                <a:extLst>
+                  <a:ext uri="{FF2B5EF4-FFF2-40B4-BE49-F238E27FC236}">
+                    <a16:creationId xmlns:a16="http://schemas.microsoft.com/office/drawing/2014/main" id="{88F4BA0B-B69B-41D9-826E-79C248AC020E}"/>
+                  </a:ext>
+                </a:extLst>
+              </p:cNvPr>
+              <p:cNvCxnSpPr>
+                <a:endCxn id="66" idx="0"/>
+              </p:cNvCxnSpPr>
+              <p:nvPr/>
+            </p:nvCxnSpPr>
+            <p:spPr>
+              <a:xfrm>
+                <a:off x="2607204" y="2429071"/>
+                <a:ext cx="1529274" cy="950302"/>
+              </a:xfrm>
+              <a:prstGeom prst="straightConnector1">
+                <a:avLst/>
+              </a:prstGeom>
+              <a:ln>
+                <a:tailEnd type="triangle"/>
+              </a:ln>
+            </p:spPr>
+            <p:style>
+              <a:lnRef idx="1">
+                <a:schemeClr val="accent1"/>
+              </a:lnRef>
+              <a:fillRef idx="0">
+                <a:schemeClr val="accent1"/>
+              </a:fillRef>
+              <a:effectRef idx="0">
+                <a:schemeClr val="accent1"/>
+              </a:effectRef>
+              <a:fontRef idx="minor">
+                <a:schemeClr val="tx1"/>
+              </a:fontRef>
+            </p:style>
+          </p:cxnSp>
+        </p:grpSp>
+        <p:sp>
+          <p:nvSpPr>
+            <p:cNvPr id="115" name="Rectangle 114">
+              <a:extLst>
+                <a:ext uri="{FF2B5EF4-FFF2-40B4-BE49-F238E27FC236}">
+                  <a16:creationId xmlns:a16="http://schemas.microsoft.com/office/drawing/2014/main" id="{9BABAC17-969B-4496-8C03-FA46792F35A9}"/>
+                </a:ext>
+              </a:extLst>
+            </p:cNvPr>
+            <p:cNvSpPr/>
+            <p:nvPr/>
+          </p:nvSpPr>
+          <p:spPr>
+            <a:xfrm>
+              <a:off x="1566056" y="5806220"/>
+              <a:ext cx="1153411" cy="301137"/>
+            </a:xfrm>
+            <a:prstGeom prst="rect">
+              <a:avLst/>
+            </a:prstGeom>
+          </p:spPr>
+          <p:style>
+            <a:lnRef idx="2">
+              <a:schemeClr val="accent1">
+                <a:shade val="50000"/>
+              </a:schemeClr>
+            </a:lnRef>
+            <a:fillRef idx="1">
+              <a:schemeClr val="accent1"/>
+            </a:fillRef>
+            <a:effectRef idx="0">
+              <a:schemeClr val="accent1"/>
+            </a:effectRef>
+            <a:fontRef idx="minor">
+              <a:schemeClr val="lt1"/>
+            </a:fontRef>
+          </p:style>
+          <p:txBody>
+            <a:bodyPr rtlCol="0" anchor="ctr"/>
+            <a:lstStyle/>
+            <a:p>
+              <a:pPr algn="ctr"/>
+              <a:r>
+                <a:rPr lang="en-US" dirty="0"/>
+                <a:t>Voucher</a:t>
+              </a:r>
+            </a:p>
+          </p:txBody>
+        </p:sp>
+        <p:cxnSp>
+          <p:nvCxnSpPr>
+            <p:cNvPr id="15" name="Straight Arrow Connector 14">
+              <a:extLst>
+                <a:ext uri="{FF2B5EF4-FFF2-40B4-BE49-F238E27FC236}">
+                  <a16:creationId xmlns:a16="http://schemas.microsoft.com/office/drawing/2014/main" id="{71D3AAA8-C7E3-403F-B6DF-FE565C58F487}"/>
+                </a:ext>
+              </a:extLst>
+            </p:cNvPr>
+            <p:cNvCxnSpPr>
+              <a:stCxn id="64" idx="4"/>
+              <a:endCxn id="115" idx="0"/>
+            </p:cNvCxnSpPr>
+            <p:nvPr/>
+          </p:nvCxnSpPr>
+          <p:spPr>
+            <a:xfrm>
+              <a:off x="2116174" y="4991787"/>
+              <a:ext cx="26588" cy="814433"/>
+            </a:xfrm>
+            <a:prstGeom prst="straightConnector1">
+              <a:avLst/>
+            </a:prstGeom>
+            <a:ln>
+              <a:tailEnd type="triangle"/>
+            </a:ln>
+          </p:spPr>
+          <p:style>
+            <a:lnRef idx="1">
+              <a:schemeClr val="accent1"/>
+            </a:lnRef>
+            <a:fillRef idx="0">
+              <a:schemeClr val="accent1"/>
+            </a:fillRef>
+            <a:effectRef idx="0">
+              <a:schemeClr val="accent1"/>
+            </a:effectRef>
+            <a:fontRef idx="minor">
+              <a:schemeClr val="tx1"/>
+            </a:fontRef>
+          </p:style>
+        </p:cxnSp>
+      </p:grpSp>
+      <p:grpSp>
+        <p:nvGrpSpPr>
+          <p:cNvPr id="25" name="Group 24">
+            <a:extLst>
+              <a:ext uri="{FF2B5EF4-FFF2-40B4-BE49-F238E27FC236}">
+                <a16:creationId xmlns:a16="http://schemas.microsoft.com/office/drawing/2014/main" id="{DF765454-917B-4478-8299-CF91889D3A8C}"/>
+              </a:ext>
+            </a:extLst>
+          </p:cNvPr>
+          <p:cNvGrpSpPr/>
+          <p:nvPr/>
+        </p:nvGrpSpPr>
+        <p:grpSpPr>
+          <a:xfrm>
+            <a:off x="8231680" y="1773104"/>
+            <a:ext cx="3759050" cy="1751072"/>
+            <a:chOff x="8231680" y="1773104"/>
+            <a:chExt cx="3759050" cy="1751072"/>
+          </a:xfrm>
+        </p:grpSpPr>
+        <p:sp>
+          <p:nvSpPr>
+            <p:cNvPr id="55" name="Rectangle 54">
+              <a:extLst>
+                <a:ext uri="{FF2B5EF4-FFF2-40B4-BE49-F238E27FC236}">
+                  <a16:creationId xmlns:a16="http://schemas.microsoft.com/office/drawing/2014/main" id="{B8C3AFBE-AA6A-4F88-AB7C-01A6851828DE}"/>
+                </a:ext>
+              </a:extLst>
+            </p:cNvPr>
+            <p:cNvSpPr/>
+            <p:nvPr/>
+          </p:nvSpPr>
+          <p:spPr>
+            <a:xfrm>
+              <a:off x="8231680" y="3215786"/>
+              <a:ext cx="1153411" cy="301137"/>
+            </a:xfrm>
+            <a:prstGeom prst="rect">
+              <a:avLst/>
+            </a:prstGeom>
+          </p:spPr>
+          <p:style>
+            <a:lnRef idx="2">
+              <a:schemeClr val="accent1">
+                <a:shade val="50000"/>
+              </a:schemeClr>
+            </a:lnRef>
+            <a:fillRef idx="1">
+              <a:schemeClr val="accent1"/>
+            </a:fillRef>
+            <a:effectRef idx="0">
+              <a:schemeClr val="accent1"/>
+            </a:effectRef>
+            <a:fontRef idx="minor">
+              <a:schemeClr val="lt1"/>
+            </a:fontRef>
+          </p:style>
+          <p:txBody>
+            <a:bodyPr rtlCol="0" anchor="ctr"/>
+            <a:lstStyle/>
+            <a:p>
+              <a:pPr algn="ctr"/>
+              <a:r>
+                <a:rPr lang="en-US" dirty="0"/>
+                <a:t>Create</a:t>
+              </a:r>
+            </a:p>
+          </p:txBody>
+        </p:sp>
+        <p:sp>
+          <p:nvSpPr>
+            <p:cNvPr id="56" name="Oval 55">
+              <a:extLst>
+                <a:ext uri="{FF2B5EF4-FFF2-40B4-BE49-F238E27FC236}">
+                  <a16:creationId xmlns:a16="http://schemas.microsoft.com/office/drawing/2014/main" id="{81FA5315-3455-4270-910F-F0BECB63E210}"/>
+                </a:ext>
+              </a:extLst>
+            </p:cNvPr>
+            <p:cNvSpPr/>
+            <p:nvPr/>
+          </p:nvSpPr>
+          <p:spPr>
+            <a:xfrm>
+              <a:off x="9083575" y="1773104"/>
+              <a:ext cx="1763909" cy="693183"/>
+            </a:xfrm>
+            <a:prstGeom prst="ellipse">
+              <a:avLst/>
+            </a:prstGeom>
+          </p:spPr>
+          <p:style>
+            <a:lnRef idx="2">
+              <a:schemeClr val="accent1">
+                <a:shade val="50000"/>
+              </a:schemeClr>
+            </a:lnRef>
+            <a:fillRef idx="1">
+              <a:schemeClr val="accent1"/>
+            </a:fillRef>
+            <a:effectRef idx="0">
+              <a:schemeClr val="accent1"/>
+            </a:effectRef>
+            <a:fontRef idx="minor">
+              <a:schemeClr val="lt1"/>
+            </a:fontRef>
+          </p:style>
+          <p:txBody>
+            <a:bodyPr rtlCol="0" anchor="ctr"/>
+            <a:lstStyle/>
+            <a:p>
+              <a:pPr algn="ctr"/>
+              <a:r>
+                <a:rPr lang="en-US" dirty="0"/>
+                <a:t>Invoice</a:t>
+              </a:r>
+            </a:p>
+          </p:txBody>
+        </p:sp>
+        <p:sp>
+          <p:nvSpPr>
+            <p:cNvPr id="58" name="Rectangle 57">
+              <a:extLst>
+                <a:ext uri="{FF2B5EF4-FFF2-40B4-BE49-F238E27FC236}">
+                  <a16:creationId xmlns:a16="http://schemas.microsoft.com/office/drawing/2014/main" id="{539C419F-1971-4132-ABA6-69F2AD09A16F}"/>
+                </a:ext>
+              </a:extLst>
+            </p:cNvPr>
+            <p:cNvSpPr/>
+            <p:nvPr/>
+          </p:nvSpPr>
+          <p:spPr>
+            <a:xfrm>
+              <a:off x="10837319" y="3223039"/>
+              <a:ext cx="1153411" cy="301137"/>
+            </a:xfrm>
+            <a:prstGeom prst="rect">
+              <a:avLst/>
+            </a:prstGeom>
+          </p:spPr>
+          <p:style>
+            <a:lnRef idx="2">
+              <a:schemeClr val="accent1">
+                <a:shade val="50000"/>
+              </a:schemeClr>
+            </a:lnRef>
+            <a:fillRef idx="1">
+              <a:schemeClr val="accent1"/>
+            </a:fillRef>
+            <a:effectRef idx="0">
+              <a:schemeClr val="accent1"/>
+            </a:effectRef>
+            <a:fontRef idx="minor">
+              <a:schemeClr val="lt1"/>
+            </a:fontRef>
+          </p:style>
+          <p:txBody>
+            <a:bodyPr rtlCol="0" anchor="ctr"/>
+            <a:lstStyle/>
+            <a:p>
+              <a:pPr algn="ctr"/>
+              <a:r>
+                <a:rPr lang="en-US" dirty="0"/>
+                <a:t>Delete</a:t>
+              </a:r>
+            </a:p>
+          </p:txBody>
+        </p:sp>
+        <p:cxnSp>
+          <p:nvCxnSpPr>
+            <p:cNvPr id="5" name="Straight Arrow Connector 4">
+              <a:extLst>
+                <a:ext uri="{FF2B5EF4-FFF2-40B4-BE49-F238E27FC236}">
+                  <a16:creationId xmlns:a16="http://schemas.microsoft.com/office/drawing/2014/main" id="{0131BF04-8E9E-4FD8-A4EB-D9F3EE688C47}"/>
+                </a:ext>
+              </a:extLst>
+            </p:cNvPr>
+            <p:cNvCxnSpPr>
+              <a:stCxn id="56" idx="4"/>
+              <a:endCxn id="55" idx="0"/>
+            </p:cNvCxnSpPr>
+            <p:nvPr/>
+          </p:nvCxnSpPr>
+          <p:spPr>
+            <a:xfrm flipH="1">
+              <a:off x="8808386" y="2466287"/>
+              <a:ext cx="1157144" cy="749499"/>
+            </a:xfrm>
+            <a:prstGeom prst="straightConnector1">
+              <a:avLst/>
+            </a:prstGeom>
+            <a:ln>
+              <a:tailEnd type="triangle"/>
+            </a:ln>
+          </p:spPr>
+          <p:style>
+            <a:lnRef idx="1">
+              <a:schemeClr val="accent1"/>
+            </a:lnRef>
+            <a:fillRef idx="0">
+              <a:schemeClr val="accent1"/>
+            </a:fillRef>
+            <a:effectRef idx="0">
+              <a:schemeClr val="accent1"/>
+            </a:effectRef>
+            <a:fontRef idx="minor">
+              <a:schemeClr val="tx1"/>
+            </a:fontRef>
+          </p:style>
+        </p:cxnSp>
+        <p:cxnSp>
+          <p:nvCxnSpPr>
+            <p:cNvPr id="7" name="Straight Arrow Connector 6">
+              <a:extLst>
+                <a:ext uri="{FF2B5EF4-FFF2-40B4-BE49-F238E27FC236}">
+                  <a16:creationId xmlns:a16="http://schemas.microsoft.com/office/drawing/2014/main" id="{AE2C5860-1A12-4146-B96A-71B99A26220C}"/>
+                </a:ext>
+              </a:extLst>
+            </p:cNvPr>
+            <p:cNvCxnSpPr>
+              <a:stCxn id="56" idx="4"/>
+              <a:endCxn id="58" idx="0"/>
+            </p:cNvCxnSpPr>
+            <p:nvPr/>
+          </p:nvCxnSpPr>
+          <p:spPr>
+            <a:xfrm>
+              <a:off x="9965530" y="2466287"/>
+              <a:ext cx="1448495" cy="756752"/>
+            </a:xfrm>
+            <a:prstGeom prst="straightConnector1">
+              <a:avLst/>
+            </a:prstGeom>
+            <a:ln>
+              <a:tailEnd type="triangle"/>
+            </a:ln>
+          </p:spPr>
+          <p:style>
+            <a:lnRef idx="1">
+              <a:schemeClr val="accent1"/>
+            </a:lnRef>
+            <a:fillRef idx="0">
+              <a:schemeClr val="accent1"/>
+            </a:fillRef>
+            <a:effectRef idx="0">
+              <a:schemeClr val="accent1"/>
+            </a:effectRef>
+            <a:fontRef idx="minor">
+              <a:schemeClr val="tx1"/>
+            </a:fontRef>
+          </p:style>
+        </p:cxnSp>
+        <p:sp>
+          <p:nvSpPr>
+            <p:cNvPr id="114" name="Rectangle 113">
+              <a:extLst>
+                <a:ext uri="{FF2B5EF4-FFF2-40B4-BE49-F238E27FC236}">
+                  <a16:creationId xmlns:a16="http://schemas.microsoft.com/office/drawing/2014/main" id="{FE74E883-3C3A-4033-BF72-8342B050B06D}"/>
+                </a:ext>
+              </a:extLst>
+            </p:cNvPr>
+            <p:cNvSpPr/>
+            <p:nvPr/>
+          </p:nvSpPr>
+          <p:spPr>
+            <a:xfrm>
+              <a:off x="9504643" y="3223039"/>
+              <a:ext cx="1153411" cy="301137"/>
+            </a:xfrm>
+            <a:prstGeom prst="rect">
+              <a:avLst/>
+            </a:prstGeom>
+          </p:spPr>
+          <p:style>
+            <a:lnRef idx="2">
+              <a:schemeClr val="accent1">
+                <a:shade val="50000"/>
+              </a:schemeClr>
+            </a:lnRef>
+            <a:fillRef idx="1">
+              <a:schemeClr val="accent1"/>
+            </a:fillRef>
+            <a:effectRef idx="0">
+              <a:schemeClr val="accent1"/>
+            </a:effectRef>
+            <a:fontRef idx="minor">
+              <a:schemeClr val="lt1"/>
+            </a:fontRef>
+          </p:style>
+          <p:txBody>
+            <a:bodyPr rtlCol="0" anchor="ctr"/>
+            <a:lstStyle/>
+            <a:p>
+              <a:pPr algn="ctr"/>
+              <a:r>
+                <a:rPr lang="en-US" dirty="0"/>
+                <a:t>Voucher</a:t>
+              </a:r>
+            </a:p>
+          </p:txBody>
+        </p:sp>
+        <p:cxnSp>
+          <p:nvCxnSpPr>
+            <p:cNvPr id="24" name="Straight Arrow Connector 23">
+              <a:extLst>
+                <a:ext uri="{FF2B5EF4-FFF2-40B4-BE49-F238E27FC236}">
+                  <a16:creationId xmlns:a16="http://schemas.microsoft.com/office/drawing/2014/main" id="{A2C63E25-C680-4A12-991E-564D1291C21C}"/>
+                </a:ext>
+              </a:extLst>
+            </p:cNvPr>
+            <p:cNvCxnSpPr>
+              <a:stCxn id="56" idx="4"/>
+              <a:endCxn id="114" idx="0"/>
+            </p:cNvCxnSpPr>
+            <p:nvPr/>
+          </p:nvCxnSpPr>
+          <p:spPr>
+            <a:xfrm>
+              <a:off x="9965530" y="2466287"/>
+              <a:ext cx="115819" cy="756752"/>
+            </a:xfrm>
+            <a:prstGeom prst="straightConnector1">
+              <a:avLst/>
+            </a:prstGeom>
+            <a:ln>
+              <a:tailEnd type="triangle"/>
+            </a:ln>
+          </p:spPr>
+          <p:style>
+            <a:lnRef idx="1">
+              <a:schemeClr val="accent1"/>
+            </a:lnRef>
+            <a:fillRef idx="0">
+              <a:schemeClr val="accent1"/>
+            </a:fillRef>
+            <a:effectRef idx="0">
+              <a:schemeClr val="accent1"/>
+            </a:effectRef>
+            <a:fontRef idx="minor">
+              <a:schemeClr val="tx1"/>
+            </a:fontRef>
+          </p:style>
+        </p:cxnSp>
+      </p:grpSp>
     </p:spTree>
     <p:extLst>
       <p:ext uri="{BB962C8B-B14F-4D97-AF65-F5344CB8AC3E}">
-        <p14:creationId xmlns:p14="http://schemas.microsoft.com/office/powerpoint/2010/main" val="2052049933"/>
+        <p14:creationId xmlns:p14="http://schemas.microsoft.com/office/powerpoint/2010/main" val="1822950648"/>
+      </p:ext>
+    </p:extLst>
+  </p:cSld>
+  <p:clrMapOvr>
+    <a:masterClrMapping/>
+  </p:clrMapOvr>
+</p:sld>
+</file>
+
+<file path=ppt/slides/slide14.xml><?xml version="1.0" encoding="utf-8"?>
+<p:sld xmlns:a="http://schemas.openxmlformats.org/drawingml/2006/main" xmlns:r="http://schemas.openxmlformats.org/officeDocument/2006/relationships" xmlns:p="http://schemas.openxmlformats.org/presentationml/2006/main">
+  <p:cSld>
+    <p:spTree>
+      <p:nvGrpSpPr>
+        <p:cNvPr id="1" name=""/>
+        <p:cNvGrpSpPr/>
+        <p:nvPr/>
+      </p:nvGrpSpPr>
+      <p:grpSpPr>
+        <a:xfrm>
+          <a:off x="0" y="0"/>
+          <a:ext cx="0" cy="0"/>
+          <a:chOff x="0" y="0"/>
+          <a:chExt cx="0" cy="0"/>
+        </a:xfrm>
+      </p:grpSpPr>
+      <p:sp>
+        <p:nvSpPr>
+          <p:cNvPr id="2" name="Title 1">
+            <a:extLst>
+              <a:ext uri="{FF2B5EF4-FFF2-40B4-BE49-F238E27FC236}">
+                <a16:creationId xmlns:a16="http://schemas.microsoft.com/office/drawing/2014/main" id="{87F6C8E7-04E7-44E7-B23E-9421EBFF79C5}"/>
+              </a:ext>
+            </a:extLst>
+          </p:cNvPr>
+          <p:cNvSpPr>
+            <a:spLocks noGrp="1"/>
+          </p:cNvSpPr>
+          <p:nvPr>
+            <p:ph type="title"/>
+          </p:nvPr>
+        </p:nvSpPr>
+        <p:spPr>
+          <a:xfrm>
+            <a:off x="586271" y="150525"/>
+            <a:ext cx="10058400" cy="614406"/>
+          </a:xfrm>
+        </p:spPr>
+        <p:txBody>
+          <a:bodyPr>
+            <a:normAutofit fontScale="90000"/>
+          </a:bodyPr>
+          <a:lstStyle/>
+          <a:p>
+            <a:r>
+              <a:rPr lang="en-US" dirty="0"/>
+              <a:t>MODULE: CRM</a:t>
+            </a:r>
+          </a:p>
+        </p:txBody>
+      </p:sp>
+      <p:cxnSp>
+        <p:nvCxnSpPr>
+          <p:cNvPr id="12" name="Straight Connector 11">
+            <a:extLst>
+              <a:ext uri="{FF2B5EF4-FFF2-40B4-BE49-F238E27FC236}">
+                <a16:creationId xmlns:a16="http://schemas.microsoft.com/office/drawing/2014/main" id="{7D3567D8-F1B3-4F88-B2AD-A64A6E2D650B}"/>
+              </a:ext>
+            </a:extLst>
+          </p:cNvPr>
+          <p:cNvCxnSpPr/>
+          <p:nvPr/>
+        </p:nvCxnSpPr>
+        <p:spPr>
+          <a:xfrm>
+            <a:off x="586271" y="1022325"/>
+            <a:ext cx="11028367" cy="0"/>
+          </a:xfrm>
+          <a:prstGeom prst="line">
+            <a:avLst/>
+          </a:prstGeom>
+          <a:ln w="38100"/>
+        </p:spPr>
+        <p:style>
+          <a:lnRef idx="1">
+            <a:schemeClr val="accent1"/>
+          </a:lnRef>
+          <a:fillRef idx="0">
+            <a:schemeClr val="accent1"/>
+          </a:fillRef>
+          <a:effectRef idx="0">
+            <a:schemeClr val="accent1"/>
+          </a:effectRef>
+          <a:fontRef idx="minor">
+            <a:schemeClr val="tx1"/>
+          </a:fontRef>
+        </p:style>
+      </p:cxnSp>
+      <p:sp>
+        <p:nvSpPr>
+          <p:cNvPr id="34" name="Rectangle 33">
+            <a:extLst>
+              <a:ext uri="{FF2B5EF4-FFF2-40B4-BE49-F238E27FC236}">
+                <a16:creationId xmlns:a16="http://schemas.microsoft.com/office/drawing/2014/main" id="{068D9EFD-716C-4B57-ABC1-9FD7E29D191F}"/>
+              </a:ext>
+            </a:extLst>
+          </p:cNvPr>
+          <p:cNvSpPr/>
+          <p:nvPr/>
+        </p:nvSpPr>
+        <p:spPr>
+          <a:xfrm>
+            <a:off x="947768" y="4387143"/>
+            <a:ext cx="2371217" cy="301137"/>
+          </a:xfrm>
+          <a:prstGeom prst="rect">
+            <a:avLst/>
+          </a:prstGeom>
+        </p:spPr>
+        <p:style>
+          <a:lnRef idx="2">
+            <a:schemeClr val="accent1">
+              <a:shade val="50000"/>
+            </a:schemeClr>
+          </a:lnRef>
+          <a:fillRef idx="1">
+            <a:schemeClr val="accent1"/>
+          </a:fillRef>
+          <a:effectRef idx="0">
+            <a:schemeClr val="accent1"/>
+          </a:effectRef>
+          <a:fontRef idx="minor">
+            <a:schemeClr val="lt1"/>
+          </a:fontRef>
+        </p:style>
+        <p:txBody>
+          <a:bodyPr rtlCol="0" anchor="ctr"/>
+          <a:lstStyle/>
+          <a:p>
+            <a:pPr algn="ctr"/>
+            <a:r>
+              <a:rPr lang="en-US" dirty="0"/>
+              <a:t>Order Report</a:t>
+            </a:r>
+          </a:p>
+        </p:txBody>
+      </p:sp>
+      <p:sp>
+        <p:nvSpPr>
+          <p:cNvPr id="35" name="Oval 34">
+            <a:extLst>
+              <a:ext uri="{FF2B5EF4-FFF2-40B4-BE49-F238E27FC236}">
+                <a16:creationId xmlns:a16="http://schemas.microsoft.com/office/drawing/2014/main" id="{C368BA1A-A6D1-46B2-9FAA-FBD24C4D58C0}"/>
+              </a:ext>
+            </a:extLst>
+          </p:cNvPr>
+          <p:cNvSpPr/>
+          <p:nvPr/>
+        </p:nvSpPr>
+        <p:spPr>
+          <a:xfrm>
+            <a:off x="5009681" y="1627105"/>
+            <a:ext cx="1763909" cy="693183"/>
+          </a:xfrm>
+          <a:prstGeom prst="ellipse">
+            <a:avLst/>
+          </a:prstGeom>
+        </p:spPr>
+        <p:style>
+          <a:lnRef idx="2">
+            <a:schemeClr val="accent1">
+              <a:shade val="50000"/>
+            </a:schemeClr>
+          </a:lnRef>
+          <a:fillRef idx="1">
+            <a:schemeClr val="accent1"/>
+          </a:fillRef>
+          <a:effectRef idx="0">
+            <a:schemeClr val="accent1"/>
+          </a:effectRef>
+          <a:fontRef idx="minor">
+            <a:schemeClr val="lt1"/>
+          </a:fontRef>
+        </p:style>
+        <p:txBody>
+          <a:bodyPr rtlCol="0" anchor="ctr"/>
+          <a:lstStyle/>
+          <a:p>
+            <a:pPr algn="ctr"/>
+            <a:r>
+              <a:rPr lang="en-US" dirty="0"/>
+              <a:t>Reports</a:t>
+            </a:r>
+          </a:p>
+        </p:txBody>
+      </p:sp>
+      <p:sp>
+        <p:nvSpPr>
+          <p:cNvPr id="36" name="Rectangle 35">
+            <a:extLst>
+              <a:ext uri="{FF2B5EF4-FFF2-40B4-BE49-F238E27FC236}">
+                <a16:creationId xmlns:a16="http://schemas.microsoft.com/office/drawing/2014/main" id="{F46742AE-974D-4002-A3E3-2436EE1AFAD6}"/>
+              </a:ext>
+            </a:extLst>
+          </p:cNvPr>
+          <p:cNvSpPr/>
+          <p:nvPr/>
+        </p:nvSpPr>
+        <p:spPr>
+          <a:xfrm>
+            <a:off x="4843101" y="4387144"/>
+            <a:ext cx="2229417" cy="301137"/>
+          </a:xfrm>
+          <a:prstGeom prst="rect">
+            <a:avLst/>
+          </a:prstGeom>
+        </p:spPr>
+        <p:style>
+          <a:lnRef idx="2">
+            <a:schemeClr val="accent1">
+              <a:shade val="50000"/>
+            </a:schemeClr>
+          </a:lnRef>
+          <a:fillRef idx="1">
+            <a:schemeClr val="accent1"/>
+          </a:fillRef>
+          <a:effectRef idx="0">
+            <a:schemeClr val="accent1"/>
+          </a:effectRef>
+          <a:fontRef idx="minor">
+            <a:schemeClr val="lt1"/>
+          </a:fontRef>
+        </p:style>
+        <p:txBody>
+          <a:bodyPr rtlCol="0" anchor="ctr"/>
+          <a:lstStyle/>
+          <a:p>
+            <a:pPr algn="ctr"/>
+            <a:r>
+              <a:rPr lang="en-US" dirty="0"/>
+              <a:t>Invoice Report</a:t>
+            </a:r>
+          </a:p>
+        </p:txBody>
+      </p:sp>
+      <p:cxnSp>
+        <p:nvCxnSpPr>
+          <p:cNvPr id="18" name="Straight Arrow Connector 17">
+            <a:extLst>
+              <a:ext uri="{FF2B5EF4-FFF2-40B4-BE49-F238E27FC236}">
+                <a16:creationId xmlns:a16="http://schemas.microsoft.com/office/drawing/2014/main" id="{FA2E21A3-9829-4A59-B257-AEB554DA964E}"/>
+              </a:ext>
+            </a:extLst>
+          </p:cNvPr>
+          <p:cNvCxnSpPr>
+            <a:stCxn id="35" idx="4"/>
+            <a:endCxn id="34" idx="0"/>
+          </p:cNvCxnSpPr>
+          <p:nvPr/>
+        </p:nvCxnSpPr>
+        <p:spPr>
+          <a:xfrm flipH="1">
+            <a:off x="2133377" y="2320288"/>
+            <a:ext cx="3758259" cy="2066855"/>
+          </a:xfrm>
+          <a:prstGeom prst="straightConnector1">
+            <a:avLst/>
+          </a:prstGeom>
+          <a:ln>
+            <a:tailEnd type="triangle"/>
+          </a:ln>
+        </p:spPr>
+        <p:style>
+          <a:lnRef idx="1">
+            <a:schemeClr val="accent1"/>
+          </a:lnRef>
+          <a:fillRef idx="0">
+            <a:schemeClr val="accent1"/>
+          </a:fillRef>
+          <a:effectRef idx="0">
+            <a:schemeClr val="accent1"/>
+          </a:effectRef>
+          <a:fontRef idx="minor">
+            <a:schemeClr val="tx1"/>
+          </a:fontRef>
+        </p:style>
+      </p:cxnSp>
+      <p:cxnSp>
+        <p:nvCxnSpPr>
+          <p:cNvPr id="20" name="Straight Arrow Connector 19">
+            <a:extLst>
+              <a:ext uri="{FF2B5EF4-FFF2-40B4-BE49-F238E27FC236}">
+                <a16:creationId xmlns:a16="http://schemas.microsoft.com/office/drawing/2014/main" id="{6FA39EAE-2987-46D6-A229-FA161B4B314F}"/>
+              </a:ext>
+            </a:extLst>
+          </p:cNvPr>
+          <p:cNvCxnSpPr>
+            <a:cxnSpLocks/>
+            <a:stCxn id="35" idx="4"/>
+            <a:endCxn id="36" idx="0"/>
+          </p:cNvCxnSpPr>
+          <p:nvPr/>
+        </p:nvCxnSpPr>
+        <p:spPr>
+          <a:xfrm>
+            <a:off x="5891636" y="2320288"/>
+            <a:ext cx="66174" cy="2066856"/>
+          </a:xfrm>
+          <a:prstGeom prst="straightConnector1">
+            <a:avLst/>
+          </a:prstGeom>
+          <a:ln>
+            <a:tailEnd type="triangle"/>
+          </a:ln>
+        </p:spPr>
+        <p:style>
+          <a:lnRef idx="1">
+            <a:schemeClr val="accent1"/>
+          </a:lnRef>
+          <a:fillRef idx="0">
+            <a:schemeClr val="accent1"/>
+          </a:fillRef>
+          <a:effectRef idx="0">
+            <a:schemeClr val="accent1"/>
+          </a:effectRef>
+          <a:fontRef idx="minor">
+            <a:schemeClr val="tx1"/>
+          </a:fontRef>
+        </p:style>
+      </p:cxnSp>
+      <p:sp>
+        <p:nvSpPr>
+          <p:cNvPr id="17" name="Rectangle 16">
+            <a:extLst>
+              <a:ext uri="{FF2B5EF4-FFF2-40B4-BE49-F238E27FC236}">
+                <a16:creationId xmlns:a16="http://schemas.microsoft.com/office/drawing/2014/main" id="{DB012A54-2CBA-467B-A4DD-66ADDF860C76}"/>
+              </a:ext>
+            </a:extLst>
+          </p:cNvPr>
+          <p:cNvSpPr/>
+          <p:nvPr/>
+        </p:nvSpPr>
+        <p:spPr>
+          <a:xfrm>
+            <a:off x="8253401" y="4387143"/>
+            <a:ext cx="2640268" cy="301137"/>
+          </a:xfrm>
+          <a:prstGeom prst="rect">
+            <a:avLst/>
+          </a:prstGeom>
+        </p:spPr>
+        <p:style>
+          <a:lnRef idx="2">
+            <a:schemeClr val="accent1">
+              <a:shade val="50000"/>
+            </a:schemeClr>
+          </a:lnRef>
+          <a:fillRef idx="1">
+            <a:schemeClr val="accent1"/>
+          </a:fillRef>
+          <a:effectRef idx="0">
+            <a:schemeClr val="accent1"/>
+          </a:effectRef>
+          <a:fontRef idx="minor">
+            <a:schemeClr val="lt1"/>
+          </a:fontRef>
+        </p:style>
+        <p:txBody>
+          <a:bodyPr rtlCol="0" anchor="ctr"/>
+          <a:lstStyle/>
+          <a:p>
+            <a:pPr algn="ctr"/>
+            <a:r>
+              <a:rPr lang="en-US" dirty="0"/>
+              <a:t>Invoice Return Report</a:t>
+            </a:r>
+          </a:p>
+        </p:txBody>
+      </p:sp>
+      <p:cxnSp>
+        <p:nvCxnSpPr>
+          <p:cNvPr id="13" name="Straight Arrow Connector 12">
+            <a:extLst>
+              <a:ext uri="{FF2B5EF4-FFF2-40B4-BE49-F238E27FC236}">
+                <a16:creationId xmlns:a16="http://schemas.microsoft.com/office/drawing/2014/main" id="{E4B9A5EF-AA21-4E1E-A27A-3DD77D1C3364}"/>
+              </a:ext>
+            </a:extLst>
+          </p:cNvPr>
+          <p:cNvCxnSpPr>
+            <a:cxnSpLocks/>
+            <a:stCxn id="35" idx="4"/>
+            <a:endCxn id="17" idx="0"/>
+          </p:cNvCxnSpPr>
+          <p:nvPr/>
+        </p:nvCxnSpPr>
+        <p:spPr>
+          <a:xfrm>
+            <a:off x="5891636" y="2320288"/>
+            <a:ext cx="3681899" cy="2066855"/>
+          </a:xfrm>
+          <a:prstGeom prst="straightConnector1">
+            <a:avLst/>
+          </a:prstGeom>
+          <a:ln>
+            <a:tailEnd type="triangle"/>
+          </a:ln>
+        </p:spPr>
+        <p:style>
+          <a:lnRef idx="1">
+            <a:schemeClr val="accent1"/>
+          </a:lnRef>
+          <a:fillRef idx="0">
+            <a:schemeClr val="accent1"/>
+          </a:fillRef>
+          <a:effectRef idx="0">
+            <a:schemeClr val="accent1"/>
+          </a:effectRef>
+          <a:fontRef idx="minor">
+            <a:schemeClr val="tx1"/>
+          </a:fontRef>
+        </p:style>
+      </p:cxnSp>
+      <p:sp>
+        <p:nvSpPr>
+          <p:cNvPr id="21" name="Rectangle 20">
+            <a:extLst>
+              <a:ext uri="{FF2B5EF4-FFF2-40B4-BE49-F238E27FC236}">
+                <a16:creationId xmlns:a16="http://schemas.microsoft.com/office/drawing/2014/main" id="{4DED8507-E9E0-47CD-B843-EDF742A834BB}"/>
+              </a:ext>
+            </a:extLst>
+          </p:cNvPr>
+          <p:cNvSpPr/>
+          <p:nvPr/>
+        </p:nvSpPr>
+        <p:spPr>
+          <a:xfrm>
+            <a:off x="1864327" y="5383968"/>
+            <a:ext cx="2865935" cy="301137"/>
+          </a:xfrm>
+          <a:prstGeom prst="rect">
+            <a:avLst/>
+          </a:prstGeom>
+        </p:spPr>
+        <p:style>
+          <a:lnRef idx="2">
+            <a:schemeClr val="accent1">
+              <a:shade val="50000"/>
+            </a:schemeClr>
+          </a:lnRef>
+          <a:fillRef idx="1">
+            <a:schemeClr val="accent1"/>
+          </a:fillRef>
+          <a:effectRef idx="0">
+            <a:schemeClr val="accent1"/>
+          </a:effectRef>
+          <a:fontRef idx="minor">
+            <a:schemeClr val="lt1"/>
+          </a:fontRef>
+        </p:style>
+        <p:txBody>
+          <a:bodyPr rtlCol="0" anchor="ctr"/>
+          <a:lstStyle/>
+          <a:p>
+            <a:pPr algn="ctr"/>
+            <a:r>
+              <a:rPr lang="en-US" dirty="0"/>
+              <a:t>Customer Sales Report</a:t>
+            </a:r>
+          </a:p>
+        </p:txBody>
+      </p:sp>
+      <p:sp>
+        <p:nvSpPr>
+          <p:cNvPr id="22" name="Rectangle 21">
+            <a:extLst>
+              <a:ext uri="{FF2B5EF4-FFF2-40B4-BE49-F238E27FC236}">
+                <a16:creationId xmlns:a16="http://schemas.microsoft.com/office/drawing/2014/main" id="{58277932-1629-4AC0-9BC0-0324B6101EDB}"/>
+              </a:ext>
+            </a:extLst>
+          </p:cNvPr>
+          <p:cNvSpPr/>
+          <p:nvPr/>
+        </p:nvSpPr>
+        <p:spPr>
+          <a:xfrm>
+            <a:off x="6547923" y="5383968"/>
+            <a:ext cx="3025612" cy="301137"/>
+          </a:xfrm>
+          <a:prstGeom prst="rect">
+            <a:avLst/>
+          </a:prstGeom>
+        </p:spPr>
+        <p:style>
+          <a:lnRef idx="2">
+            <a:schemeClr val="accent1">
+              <a:shade val="50000"/>
+            </a:schemeClr>
+          </a:lnRef>
+          <a:fillRef idx="1">
+            <a:schemeClr val="accent1"/>
+          </a:fillRef>
+          <a:effectRef idx="0">
+            <a:schemeClr val="accent1"/>
+          </a:effectRef>
+          <a:fontRef idx="minor">
+            <a:schemeClr val="lt1"/>
+          </a:fontRef>
+        </p:style>
+        <p:txBody>
+          <a:bodyPr rtlCol="0" anchor="ctr"/>
+          <a:lstStyle/>
+          <a:p>
+            <a:pPr algn="ctr"/>
+            <a:r>
+              <a:rPr lang="en-US" dirty="0"/>
+              <a:t>Customer Return Report</a:t>
+            </a:r>
+          </a:p>
+        </p:txBody>
+      </p:sp>
+      <p:cxnSp>
+        <p:nvCxnSpPr>
+          <p:cNvPr id="9" name="Straight Arrow Connector 8">
+            <a:extLst>
+              <a:ext uri="{FF2B5EF4-FFF2-40B4-BE49-F238E27FC236}">
+                <a16:creationId xmlns:a16="http://schemas.microsoft.com/office/drawing/2014/main" id="{7D4AE1F9-E17C-4192-9630-2BDEEE1AF8CA}"/>
+              </a:ext>
+            </a:extLst>
+          </p:cNvPr>
+          <p:cNvCxnSpPr>
+            <a:stCxn id="35" idx="4"/>
+            <a:endCxn id="21" idx="0"/>
+          </p:cNvCxnSpPr>
+          <p:nvPr/>
+        </p:nvCxnSpPr>
+        <p:spPr>
+          <a:xfrm flipH="1">
+            <a:off x="3297295" y="2320288"/>
+            <a:ext cx="2594341" cy="3063680"/>
+          </a:xfrm>
+          <a:prstGeom prst="straightConnector1">
+            <a:avLst/>
+          </a:prstGeom>
+          <a:ln>
+            <a:tailEnd type="triangle"/>
+          </a:ln>
+        </p:spPr>
+        <p:style>
+          <a:lnRef idx="1">
+            <a:schemeClr val="accent1"/>
+          </a:lnRef>
+          <a:fillRef idx="0">
+            <a:schemeClr val="accent1"/>
+          </a:fillRef>
+          <a:effectRef idx="0">
+            <a:schemeClr val="accent1"/>
+          </a:effectRef>
+          <a:fontRef idx="minor">
+            <a:schemeClr val="tx1"/>
+          </a:fontRef>
+        </p:style>
+      </p:cxnSp>
+      <p:cxnSp>
+        <p:nvCxnSpPr>
+          <p:cNvPr id="11" name="Straight Arrow Connector 10">
+            <a:extLst>
+              <a:ext uri="{FF2B5EF4-FFF2-40B4-BE49-F238E27FC236}">
+                <a16:creationId xmlns:a16="http://schemas.microsoft.com/office/drawing/2014/main" id="{BF0E488E-94B6-467E-AFBD-453E07C02AC7}"/>
+              </a:ext>
+            </a:extLst>
+          </p:cNvPr>
+          <p:cNvCxnSpPr>
+            <a:stCxn id="35" idx="4"/>
+            <a:endCxn id="22" idx="0"/>
+          </p:cNvCxnSpPr>
+          <p:nvPr/>
+        </p:nvCxnSpPr>
+        <p:spPr>
+          <a:xfrm>
+            <a:off x="5891636" y="2320288"/>
+            <a:ext cx="2169093" cy="3063680"/>
+          </a:xfrm>
+          <a:prstGeom prst="straightConnector1">
+            <a:avLst/>
+          </a:prstGeom>
+          <a:ln>
+            <a:tailEnd type="triangle"/>
+          </a:ln>
+        </p:spPr>
+        <p:style>
+          <a:lnRef idx="1">
+            <a:schemeClr val="accent1"/>
+          </a:lnRef>
+          <a:fillRef idx="0">
+            <a:schemeClr val="accent1"/>
+          </a:fillRef>
+          <a:effectRef idx="0">
+            <a:schemeClr val="accent1"/>
+          </a:effectRef>
+          <a:fontRef idx="minor">
+            <a:schemeClr val="tx1"/>
+          </a:fontRef>
+        </p:style>
+      </p:cxnSp>
+    </p:spTree>
+    <p:extLst>
+      <p:ext uri="{BB962C8B-B14F-4D97-AF65-F5344CB8AC3E}">
+        <p14:creationId xmlns:p14="http://schemas.microsoft.com/office/powerpoint/2010/main" val="3785440459"/>
       </p:ext>
     </p:extLst>
   </p:cSld>
@@ -6187,13 +10696,13 @@
   <p:clrMapOvr>
     <a:masterClrMapping/>
   </p:clrMapOvr>
-  <mc:AlternateContent xmlns:mc="http://schemas.openxmlformats.org/markup-compatibility/2006">
-    <mc:Choice xmlns:p14="http://schemas.microsoft.com/office/powerpoint/2010/main" Requires="p14">
+  <mc:AlternateContent xmlns:mc="http://schemas.openxmlformats.org/markup-compatibility/2006" xmlns:p14="http://schemas.microsoft.com/office/powerpoint/2010/main">
+    <mc:Choice Requires="p14">
       <p:transition spd="slow">
         <p14:flash/>
       </p:transition>
     </mc:Choice>
-    <mc:Fallback>
+    <mc:Fallback xmlns="">
       <p:transition spd="slow">
         <p:fade/>
       </p:transition>
@@ -10408,9 +14917,9 @@
         <p:grpSpPr>
           <a:xfrm>
             <a:off x="1406163" y="1944462"/>
-            <a:ext cx="9121125" cy="2588023"/>
+            <a:ext cx="9121125" cy="3464831"/>
             <a:chOff x="1406163" y="1944462"/>
-            <a:chExt cx="9121125" cy="2588023"/>
+            <a:chExt cx="9121125" cy="3464831"/>
           </a:xfrm>
         </p:grpSpPr>
         <p:sp>
@@ -10735,7 +15244,98 @@
             </a:fontRef>
           </p:style>
         </p:cxnSp>
+        <p:sp>
+          <p:nvSpPr>
+            <p:cNvPr id="25" name="Rectangle 24">
+              <a:extLst>
+                <a:ext uri="{FF2B5EF4-FFF2-40B4-BE49-F238E27FC236}">
+                  <a16:creationId xmlns:a16="http://schemas.microsoft.com/office/drawing/2014/main" id="{164730C7-3176-467E-AAD4-E440C1D30BBC}"/>
+                </a:ext>
+              </a:extLst>
+            </p:cNvPr>
+            <p:cNvSpPr/>
+            <p:nvPr/>
+          </p:nvSpPr>
+          <p:spPr>
+            <a:xfrm>
+              <a:off x="3050325" y="5108156"/>
+              <a:ext cx="2371217" cy="301137"/>
+            </a:xfrm>
+            <a:prstGeom prst="rect">
+              <a:avLst/>
+            </a:prstGeom>
+          </p:spPr>
+          <p:style>
+            <a:lnRef idx="2">
+              <a:schemeClr val="accent1">
+                <a:shade val="50000"/>
+              </a:schemeClr>
+            </a:lnRef>
+            <a:fillRef idx="1">
+              <a:schemeClr val="accent1"/>
+            </a:fillRef>
+            <a:effectRef idx="0">
+              <a:schemeClr val="accent1"/>
+            </a:effectRef>
+            <a:fontRef idx="minor">
+              <a:schemeClr val="lt1"/>
+            </a:fontRef>
+          </p:style>
+          <p:txBody>
+            <a:bodyPr rtlCol="0" anchor="ctr"/>
+            <a:lstStyle/>
+            <a:p>
+              <a:pPr algn="ctr"/>
+              <a:r>
+                <a:rPr lang="en-US" dirty="0"/>
+                <a:t>Stock Ledger</a:t>
+              </a:r>
+            </a:p>
+          </p:txBody>
+        </p:sp>
       </p:grpSp>
+      <p:cxnSp>
+        <p:nvCxnSpPr>
+          <p:cNvPr id="7" name="Straight Arrow Connector 6">
+            <a:extLst>
+              <a:ext uri="{FF2B5EF4-FFF2-40B4-BE49-F238E27FC236}">
+                <a16:creationId xmlns:a16="http://schemas.microsoft.com/office/drawing/2014/main" id="{03788D9C-BC66-4573-A7E8-A7EF77DFD70A}"/>
+              </a:ext>
+            </a:extLst>
+          </p:cNvPr>
+          <p:cNvCxnSpPr>
+            <a:stCxn id="35" idx="4"/>
+            <a:endCxn id="25" idx="0"/>
+          </p:cNvCxnSpPr>
+          <p:nvPr/>
+        </p:nvCxnSpPr>
+        <p:spPr>
+          <a:xfrm flipH="1">
+            <a:off x="4235934" y="2637645"/>
+            <a:ext cx="1739698" cy="2470511"/>
+          </a:xfrm>
+          <a:prstGeom prst="straightConnector1">
+            <a:avLst/>
+          </a:prstGeom>
+          <a:ln>
+            <a:tailEnd type="triangle"/>
+          </a:ln>
+        </p:spPr>
+        <p:style>
+          <a:lnRef idx="1">
+            <a:schemeClr val="accent1"/>
+          </a:lnRef>
+          <a:fillRef idx="0">
+            <a:schemeClr val="accent1"/>
+          </a:fillRef>
+          <a:effectRef idx="0">
+            <a:schemeClr val="accent1"/>
+          </a:effectRef>
+          <a:fontRef idx="minor">
+            <a:schemeClr val="tx1"/>
+          </a:fontRef>
+        </p:style>
+      </p:cxnSp>
     </p:spTree>
     <p:extLst>
       <p:ext uri="{BB962C8B-B14F-4D97-AF65-F5344CB8AC3E}">
@@ -11774,7 +16374,7 @@
             <a:pPr algn="ctr"/>
             <a:r>
               <a:rPr lang="en-US" dirty="0"/>
-              <a:t>Purchase Return</a:t>
+              <a:t>Purchase Report</a:t>
             </a:r>
           </a:p>
         </p:txBody>
@@ -11997,7 +16597,7 @@
           <p:cNvPr id="2" name="Title 1">
             <a:extLst>
               <a:ext uri="{FF2B5EF4-FFF2-40B4-BE49-F238E27FC236}">
-                <a16:creationId xmlns:a16="http://schemas.microsoft.com/office/drawing/2014/main" id="{BF2DB4CA-A5D6-48DC-B219-3EC611B6222D}"/>
+                <a16:creationId xmlns:a16="http://schemas.microsoft.com/office/drawing/2014/main" id="{87F6C8E7-04E7-44E7-B23E-9421EBFF79C5}"/>
               </a:ext>
             </a:extLst>
           </p:cNvPr>
@@ -12008,44 +16608,1365 @@
             <p:ph type="title"/>
           </p:nvPr>
         </p:nvSpPr>
-        <p:spPr/>
+        <p:spPr>
+          <a:xfrm>
+            <a:off x="586271" y="150525"/>
+            <a:ext cx="10058400" cy="614406"/>
+          </a:xfrm>
+        </p:spPr>
         <p:txBody>
-          <a:bodyPr/>
+          <a:bodyPr>
+            <a:normAutofit fontScale="90000"/>
+          </a:bodyPr>
           <a:lstStyle/>
           <a:p>
-            <a:endParaRPr lang="en-US"/>
+            <a:r>
+              <a:rPr lang="en-US" dirty="0"/>
+              <a:t>MODULE: ACCOUNTING</a:t>
+            </a:r>
           </a:p>
         </p:txBody>
       </p:sp>
-      <p:sp>
-        <p:nvSpPr>
-          <p:cNvPr id="3" name="Content Placeholder 2">
+      <p:grpSp>
+        <p:nvGrpSpPr>
+          <p:cNvPr id="33" name="Group 32">
             <a:extLst>
               <a:ext uri="{FF2B5EF4-FFF2-40B4-BE49-F238E27FC236}">
-                <a16:creationId xmlns:a16="http://schemas.microsoft.com/office/drawing/2014/main" id="{12A91D9A-7A66-4BA4-ABC3-6CF3362DA1DB}"/>
+                <a16:creationId xmlns:a16="http://schemas.microsoft.com/office/drawing/2014/main" id="{AB76AAEB-F528-4A3B-9471-E838162B822F}"/>
               </a:ext>
             </a:extLst>
           </p:cNvPr>
-          <p:cNvSpPr>
-            <a:spLocks noGrp="1"/>
-          </p:cNvSpPr>
-          <p:nvPr>
-            <p:ph idx="1"/>
-          </p:nvPr>
+          <p:cNvGrpSpPr/>
+          <p:nvPr/>
+        </p:nvGrpSpPr>
+        <p:grpSpPr>
+          <a:xfrm>
+            <a:off x="4104405" y="1961822"/>
+            <a:ext cx="3742449" cy="1808753"/>
+            <a:chOff x="442605" y="1620247"/>
+            <a:chExt cx="4366787" cy="2110500"/>
+          </a:xfrm>
+        </p:grpSpPr>
+        <p:sp>
+          <p:nvSpPr>
+            <p:cNvPr id="34" name="Rectangle 33">
+              <a:extLst>
+                <a:ext uri="{FF2B5EF4-FFF2-40B4-BE49-F238E27FC236}">
+                  <a16:creationId xmlns:a16="http://schemas.microsoft.com/office/drawing/2014/main" id="{068D9EFD-716C-4B57-ABC1-9FD7E29D191F}"/>
+                </a:ext>
+              </a:extLst>
+            </p:cNvPr>
+            <p:cNvSpPr/>
+            <p:nvPr/>
+          </p:nvSpPr>
+          <p:spPr>
+            <a:xfrm>
+              <a:off x="442605" y="3379373"/>
+              <a:ext cx="1345830" cy="351374"/>
+            </a:xfrm>
+            <a:prstGeom prst="rect">
+              <a:avLst/>
+            </a:prstGeom>
+          </p:spPr>
+          <p:style>
+            <a:lnRef idx="2">
+              <a:schemeClr val="accent1">
+                <a:shade val="50000"/>
+              </a:schemeClr>
+            </a:lnRef>
+            <a:fillRef idx="1">
+              <a:schemeClr val="accent1"/>
+            </a:fillRef>
+            <a:effectRef idx="0">
+              <a:schemeClr val="accent1"/>
+            </a:effectRef>
+            <a:fontRef idx="minor">
+              <a:schemeClr val="lt1"/>
+            </a:fontRef>
+          </p:style>
+          <p:txBody>
+            <a:bodyPr rtlCol="0" anchor="ctr"/>
+            <a:lstStyle/>
+            <a:p>
+              <a:pPr algn="ctr"/>
+              <a:r>
+                <a:rPr lang="en-US" dirty="0"/>
+                <a:t>Create</a:t>
+              </a:r>
+            </a:p>
+          </p:txBody>
+        </p:sp>
+        <p:sp>
+          <p:nvSpPr>
+            <p:cNvPr id="35" name="Oval 34">
+              <a:extLst>
+                <a:ext uri="{FF2B5EF4-FFF2-40B4-BE49-F238E27FC236}">
+                  <a16:creationId xmlns:a16="http://schemas.microsoft.com/office/drawing/2014/main" id="{C368BA1A-A6D1-46B2-9FAA-FBD24C4D58C0}"/>
+                </a:ext>
+              </a:extLst>
+            </p:cNvPr>
+            <p:cNvSpPr/>
+            <p:nvPr/>
+          </p:nvSpPr>
+          <p:spPr>
+            <a:xfrm>
+              <a:off x="1578115" y="1620247"/>
+              <a:ext cx="2058175" cy="808824"/>
+            </a:xfrm>
+            <a:prstGeom prst="ellipse">
+              <a:avLst/>
+            </a:prstGeom>
+          </p:spPr>
+          <p:style>
+            <a:lnRef idx="2">
+              <a:schemeClr val="accent1">
+                <a:shade val="50000"/>
+              </a:schemeClr>
+            </a:lnRef>
+            <a:fillRef idx="1">
+              <a:schemeClr val="accent1"/>
+            </a:fillRef>
+            <a:effectRef idx="0">
+              <a:schemeClr val="accent1"/>
+            </a:effectRef>
+            <a:fontRef idx="minor">
+              <a:schemeClr val="lt1"/>
+            </a:fontRef>
+          </p:style>
+          <p:txBody>
+            <a:bodyPr rtlCol="0" anchor="ctr"/>
+            <a:lstStyle/>
+            <a:p>
+              <a:pPr algn="ctr"/>
+              <a:r>
+                <a:rPr lang="en-US" dirty="0"/>
+                <a:t>Chart Of AC</a:t>
+              </a:r>
+            </a:p>
+          </p:txBody>
+        </p:sp>
+        <p:sp>
+          <p:nvSpPr>
+            <p:cNvPr id="36" name="Rectangle 35">
+              <a:extLst>
+                <a:ext uri="{FF2B5EF4-FFF2-40B4-BE49-F238E27FC236}">
+                  <a16:creationId xmlns:a16="http://schemas.microsoft.com/office/drawing/2014/main" id="{F46742AE-974D-4002-A3E3-2436EE1AFAD6}"/>
+                </a:ext>
+              </a:extLst>
+            </p:cNvPr>
+            <p:cNvSpPr/>
+            <p:nvPr/>
+          </p:nvSpPr>
+          <p:spPr>
+            <a:xfrm>
+              <a:off x="1934289" y="3379373"/>
+              <a:ext cx="1345830" cy="351374"/>
+            </a:xfrm>
+            <a:prstGeom prst="rect">
+              <a:avLst/>
+            </a:prstGeom>
+          </p:spPr>
+          <p:style>
+            <a:lnRef idx="2">
+              <a:schemeClr val="accent1">
+                <a:shade val="50000"/>
+              </a:schemeClr>
+            </a:lnRef>
+            <a:fillRef idx="1">
+              <a:schemeClr val="accent1"/>
+            </a:fillRef>
+            <a:effectRef idx="0">
+              <a:schemeClr val="accent1"/>
+            </a:effectRef>
+            <a:fontRef idx="minor">
+              <a:schemeClr val="lt1"/>
+            </a:fontRef>
+          </p:style>
+          <p:txBody>
+            <a:bodyPr rtlCol="0" anchor="ctr"/>
+            <a:lstStyle/>
+            <a:p>
+              <a:pPr algn="ctr"/>
+              <a:r>
+                <a:rPr lang="en-US" dirty="0"/>
+                <a:t>Update</a:t>
+              </a:r>
+            </a:p>
+          </p:txBody>
+        </p:sp>
+        <p:sp>
+          <p:nvSpPr>
+            <p:cNvPr id="37" name="Rectangle 36">
+              <a:extLst>
+                <a:ext uri="{FF2B5EF4-FFF2-40B4-BE49-F238E27FC236}">
+                  <a16:creationId xmlns:a16="http://schemas.microsoft.com/office/drawing/2014/main" id="{46B3008B-4D15-49D1-84F5-EAD6F4296A56}"/>
+                </a:ext>
+              </a:extLst>
+            </p:cNvPr>
+            <p:cNvSpPr/>
+            <p:nvPr/>
+          </p:nvSpPr>
+          <p:spPr>
+            <a:xfrm>
+              <a:off x="3463562" y="3379373"/>
+              <a:ext cx="1345830" cy="351374"/>
+            </a:xfrm>
+            <a:prstGeom prst="rect">
+              <a:avLst/>
+            </a:prstGeom>
+          </p:spPr>
+          <p:style>
+            <a:lnRef idx="2">
+              <a:schemeClr val="accent1">
+                <a:shade val="50000"/>
+              </a:schemeClr>
+            </a:lnRef>
+            <a:fillRef idx="1">
+              <a:schemeClr val="accent1"/>
+            </a:fillRef>
+            <a:effectRef idx="0">
+              <a:schemeClr val="accent1"/>
+            </a:effectRef>
+            <a:fontRef idx="minor">
+              <a:schemeClr val="lt1"/>
+            </a:fontRef>
+          </p:style>
+          <p:txBody>
+            <a:bodyPr rtlCol="0" anchor="ctr"/>
+            <a:lstStyle/>
+            <a:p>
+              <a:pPr algn="ctr"/>
+              <a:r>
+                <a:rPr lang="en-US" dirty="0"/>
+                <a:t>Delete</a:t>
+              </a:r>
+            </a:p>
+          </p:txBody>
+        </p:sp>
+        <p:cxnSp>
+          <p:nvCxnSpPr>
+            <p:cNvPr id="38" name="Straight Arrow Connector 37">
+              <a:extLst>
+                <a:ext uri="{FF2B5EF4-FFF2-40B4-BE49-F238E27FC236}">
+                  <a16:creationId xmlns:a16="http://schemas.microsoft.com/office/drawing/2014/main" id="{F942F3FE-1AEE-49B1-8BDD-FE890A5E783D}"/>
+                </a:ext>
+              </a:extLst>
+            </p:cNvPr>
+            <p:cNvCxnSpPr>
+              <a:cxnSpLocks/>
+              <a:stCxn id="35" idx="4"/>
+            </p:cNvCxnSpPr>
+            <p:nvPr/>
+          </p:nvCxnSpPr>
+          <p:spPr>
+            <a:xfrm flipH="1">
+              <a:off x="988029" y="2429071"/>
+              <a:ext cx="1619174" cy="950302"/>
+            </a:xfrm>
+            <a:prstGeom prst="straightConnector1">
+              <a:avLst/>
+            </a:prstGeom>
+            <a:ln>
+              <a:tailEnd type="triangle"/>
+            </a:ln>
+          </p:spPr>
+          <p:style>
+            <a:lnRef idx="1">
+              <a:schemeClr val="accent1"/>
+            </a:lnRef>
+            <a:fillRef idx="0">
+              <a:schemeClr val="accent1"/>
+            </a:fillRef>
+            <a:effectRef idx="0">
+              <a:schemeClr val="accent1"/>
+            </a:effectRef>
+            <a:fontRef idx="minor">
+              <a:schemeClr val="tx1"/>
+            </a:fontRef>
+          </p:style>
+        </p:cxnSp>
+        <p:cxnSp>
+          <p:nvCxnSpPr>
+            <p:cNvPr id="39" name="Straight Arrow Connector 38">
+              <a:extLst>
+                <a:ext uri="{FF2B5EF4-FFF2-40B4-BE49-F238E27FC236}">
+                  <a16:creationId xmlns:a16="http://schemas.microsoft.com/office/drawing/2014/main" id="{F1ECFC4C-1C0B-4116-B29E-FC717AE19EF3}"/>
+                </a:ext>
+              </a:extLst>
+            </p:cNvPr>
+            <p:cNvCxnSpPr>
+              <a:endCxn id="36" idx="0"/>
+            </p:cNvCxnSpPr>
+            <p:nvPr/>
+          </p:nvCxnSpPr>
+          <p:spPr>
+            <a:xfrm>
+              <a:off x="2607204" y="2429071"/>
+              <a:ext cx="0" cy="950302"/>
+            </a:xfrm>
+            <a:prstGeom prst="straightConnector1">
+              <a:avLst/>
+            </a:prstGeom>
+            <a:ln>
+              <a:tailEnd type="triangle"/>
+            </a:ln>
+          </p:spPr>
+          <p:style>
+            <a:lnRef idx="1">
+              <a:schemeClr val="accent1"/>
+            </a:lnRef>
+            <a:fillRef idx="0">
+              <a:schemeClr val="accent1"/>
+            </a:fillRef>
+            <a:effectRef idx="0">
+              <a:schemeClr val="accent1"/>
+            </a:effectRef>
+            <a:fontRef idx="minor">
+              <a:schemeClr val="tx1"/>
+            </a:fontRef>
+          </p:style>
+        </p:cxnSp>
+        <p:cxnSp>
+          <p:nvCxnSpPr>
+            <p:cNvPr id="40" name="Straight Arrow Connector 39">
+              <a:extLst>
+                <a:ext uri="{FF2B5EF4-FFF2-40B4-BE49-F238E27FC236}">
+                  <a16:creationId xmlns:a16="http://schemas.microsoft.com/office/drawing/2014/main" id="{F051D6FE-D226-4CD8-9828-C0494929B554}"/>
+                </a:ext>
+              </a:extLst>
+            </p:cNvPr>
+            <p:cNvCxnSpPr>
+              <a:endCxn id="37" idx="0"/>
+            </p:cNvCxnSpPr>
+            <p:nvPr/>
+          </p:nvCxnSpPr>
+          <p:spPr>
+            <a:xfrm>
+              <a:off x="2607204" y="2429071"/>
+              <a:ext cx="1529274" cy="950302"/>
+            </a:xfrm>
+            <a:prstGeom prst="straightConnector1">
+              <a:avLst/>
+            </a:prstGeom>
+            <a:ln>
+              <a:tailEnd type="triangle"/>
+            </a:ln>
+          </p:spPr>
+          <p:style>
+            <a:lnRef idx="1">
+              <a:schemeClr val="accent1"/>
+            </a:lnRef>
+            <a:fillRef idx="0">
+              <a:schemeClr val="accent1"/>
+            </a:fillRef>
+            <a:effectRef idx="0">
+              <a:schemeClr val="accent1"/>
+            </a:effectRef>
+            <a:fontRef idx="minor">
+              <a:schemeClr val="tx1"/>
+            </a:fontRef>
+          </p:style>
+        </p:cxnSp>
+      </p:grpSp>
+      <p:sp>
+        <p:nvSpPr>
+          <p:cNvPr id="3" name="Oval 2">
+            <a:extLst>
+              <a:ext uri="{FF2B5EF4-FFF2-40B4-BE49-F238E27FC236}">
+                <a16:creationId xmlns:a16="http://schemas.microsoft.com/office/drawing/2014/main" id="{3CDA7BF8-D82F-41ED-8A74-0B246A73AE3C}"/>
+              </a:ext>
+            </a:extLst>
+          </p:cNvPr>
+          <p:cNvSpPr/>
+          <p:nvPr/>
         </p:nvSpPr>
-        <p:spPr/>
+        <p:spPr>
+          <a:xfrm>
+            <a:off x="4657856" y="764931"/>
+            <a:ext cx="2593731" cy="565125"/>
+          </a:xfrm>
+          <a:prstGeom prst="ellipse">
+            <a:avLst/>
+          </a:prstGeom>
+        </p:spPr>
+        <p:style>
+          <a:lnRef idx="2">
+            <a:schemeClr val="accent1">
+              <a:shade val="50000"/>
+            </a:schemeClr>
+          </a:lnRef>
+          <a:fillRef idx="1">
+            <a:schemeClr val="accent1"/>
+          </a:fillRef>
+          <a:effectRef idx="0">
+            <a:schemeClr val="accent1"/>
+          </a:effectRef>
+          <a:fontRef idx="minor">
+            <a:schemeClr val="lt1"/>
+          </a:fontRef>
+        </p:style>
         <p:txBody>
-          <a:bodyPr/>
+          <a:bodyPr rtlCol="0" anchor="ctr"/>
           <a:lstStyle/>
           <a:p>
-            <a:endParaRPr lang="en-US"/>
+            <a:pPr algn="ctr"/>
+            <a:r>
+              <a:rPr lang="en-US" dirty="0"/>
+              <a:t>Accounting</a:t>
+            </a:r>
           </a:p>
         </p:txBody>
       </p:sp>
+      <p:grpSp>
+        <p:nvGrpSpPr>
+          <p:cNvPr id="13" name="Group 12">
+            <a:extLst>
+              <a:ext uri="{FF2B5EF4-FFF2-40B4-BE49-F238E27FC236}">
+                <a16:creationId xmlns:a16="http://schemas.microsoft.com/office/drawing/2014/main" id="{6834EE9A-EE4B-4973-A08D-FCEEB66E8D42}"/>
+              </a:ext>
+            </a:extLst>
+          </p:cNvPr>
+          <p:cNvGrpSpPr/>
+          <p:nvPr/>
+        </p:nvGrpSpPr>
+        <p:grpSpPr>
+          <a:xfrm>
+            <a:off x="7987018" y="3619171"/>
+            <a:ext cx="3742449" cy="2216271"/>
+            <a:chOff x="8178365" y="1704873"/>
+            <a:chExt cx="3742449" cy="2216271"/>
+          </a:xfrm>
+        </p:grpSpPr>
+        <p:cxnSp>
+          <p:nvCxnSpPr>
+            <p:cNvPr id="11" name="Connector: Elbow 10">
+              <a:extLst>
+                <a:ext uri="{FF2B5EF4-FFF2-40B4-BE49-F238E27FC236}">
+                  <a16:creationId xmlns:a16="http://schemas.microsoft.com/office/drawing/2014/main" id="{5CC01D79-BC5A-4243-9B4B-E9710E4D3A2B}"/>
+                </a:ext>
+              </a:extLst>
+            </p:cNvPr>
+            <p:cNvCxnSpPr>
+              <a:stCxn id="56" idx="4"/>
+              <a:endCxn id="88" idx="3"/>
+            </p:cNvCxnSpPr>
+            <p:nvPr/>
+          </p:nvCxnSpPr>
+          <p:spPr>
+            <a:xfrm rot="5400000">
+              <a:off x="9000303" y="2737398"/>
+              <a:ext cx="1372520" cy="693837"/>
+            </a:xfrm>
+            <a:prstGeom prst="bentConnector2">
+              <a:avLst/>
+            </a:prstGeom>
+            <a:ln>
+              <a:tailEnd type="triangle"/>
+            </a:ln>
+          </p:spPr>
+          <p:style>
+            <a:lnRef idx="1">
+              <a:schemeClr val="accent1"/>
+            </a:lnRef>
+            <a:fillRef idx="0">
+              <a:schemeClr val="accent1"/>
+            </a:fillRef>
+            <a:effectRef idx="0">
+              <a:schemeClr val="accent1"/>
+            </a:effectRef>
+            <a:fontRef idx="minor">
+              <a:schemeClr val="tx1"/>
+            </a:fontRef>
+          </p:style>
+        </p:cxnSp>
+        <p:grpSp>
+          <p:nvGrpSpPr>
+            <p:cNvPr id="53" name="Group 52">
+              <a:extLst>
+                <a:ext uri="{FF2B5EF4-FFF2-40B4-BE49-F238E27FC236}">
+                  <a16:creationId xmlns:a16="http://schemas.microsoft.com/office/drawing/2014/main" id="{478233E8-A9B7-46F2-8BDC-0EAE47B0F70E}"/>
+                </a:ext>
+              </a:extLst>
+            </p:cNvPr>
+            <p:cNvGrpSpPr/>
+            <p:nvPr/>
+          </p:nvGrpSpPr>
+          <p:grpSpPr>
+            <a:xfrm>
+              <a:off x="8178365" y="1704873"/>
+              <a:ext cx="3742449" cy="2216271"/>
+              <a:chOff x="442605" y="1620247"/>
+              <a:chExt cx="4366787" cy="2586003"/>
+            </a:xfrm>
+          </p:grpSpPr>
+          <p:sp>
+            <p:nvSpPr>
+              <p:cNvPr id="55" name="Rectangle 54">
+                <a:extLst>
+                  <a:ext uri="{FF2B5EF4-FFF2-40B4-BE49-F238E27FC236}">
+                    <a16:creationId xmlns:a16="http://schemas.microsoft.com/office/drawing/2014/main" id="{B8C3AFBE-AA6A-4F88-AB7C-01A6851828DE}"/>
+                  </a:ext>
+                </a:extLst>
+              </p:cNvPr>
+              <p:cNvSpPr/>
+              <p:nvPr/>
+            </p:nvSpPr>
+            <p:spPr>
+              <a:xfrm>
+                <a:off x="442605" y="3379373"/>
+                <a:ext cx="1345830" cy="351374"/>
+              </a:xfrm>
+              <a:prstGeom prst="rect">
+                <a:avLst/>
+              </a:prstGeom>
+            </p:spPr>
+            <p:style>
+              <a:lnRef idx="2">
+                <a:schemeClr val="accent1">
+                  <a:shade val="50000"/>
+                </a:schemeClr>
+              </a:lnRef>
+              <a:fillRef idx="1">
+                <a:schemeClr val="accent1"/>
+              </a:fillRef>
+              <a:effectRef idx="0">
+                <a:schemeClr val="accent1"/>
+              </a:effectRef>
+              <a:fontRef idx="minor">
+                <a:schemeClr val="lt1"/>
+              </a:fontRef>
+            </p:style>
+            <p:txBody>
+              <a:bodyPr rtlCol="0" anchor="ctr"/>
+              <a:lstStyle/>
+              <a:p>
+                <a:pPr algn="ctr"/>
+                <a:r>
+                  <a:rPr lang="en-US" dirty="0"/>
+                  <a:t>Create</a:t>
+                </a:r>
+              </a:p>
+            </p:txBody>
+          </p:sp>
+          <p:sp>
+            <p:nvSpPr>
+              <p:cNvPr id="56" name="Oval 55">
+                <a:extLst>
+                  <a:ext uri="{FF2B5EF4-FFF2-40B4-BE49-F238E27FC236}">
+                    <a16:creationId xmlns:a16="http://schemas.microsoft.com/office/drawing/2014/main" id="{81FA5315-3455-4270-910F-F0BECB63E210}"/>
+                  </a:ext>
+                </a:extLst>
+              </p:cNvPr>
+              <p:cNvSpPr/>
+              <p:nvPr/>
+            </p:nvSpPr>
+            <p:spPr>
+              <a:xfrm>
+                <a:off x="1578115" y="1620247"/>
+                <a:ext cx="2058175" cy="808824"/>
+              </a:xfrm>
+              <a:prstGeom prst="ellipse">
+                <a:avLst/>
+              </a:prstGeom>
+            </p:spPr>
+            <p:style>
+              <a:lnRef idx="2">
+                <a:schemeClr val="accent1">
+                  <a:shade val="50000"/>
+                </a:schemeClr>
+              </a:lnRef>
+              <a:fillRef idx="1">
+                <a:schemeClr val="accent1"/>
+              </a:fillRef>
+              <a:effectRef idx="0">
+                <a:schemeClr val="accent1"/>
+              </a:effectRef>
+              <a:fontRef idx="minor">
+                <a:schemeClr val="lt1"/>
+              </a:fontRef>
+            </p:style>
+            <p:txBody>
+              <a:bodyPr rtlCol="0" anchor="ctr"/>
+              <a:lstStyle/>
+              <a:p>
+                <a:pPr algn="ctr"/>
+                <a:r>
+                  <a:rPr lang="en-US" dirty="0"/>
+                  <a:t>Supplier Payment</a:t>
+                </a:r>
+              </a:p>
+            </p:txBody>
+          </p:sp>
+          <p:sp>
+            <p:nvSpPr>
+              <p:cNvPr id="57" name="Rectangle 56">
+                <a:extLst>
+                  <a:ext uri="{FF2B5EF4-FFF2-40B4-BE49-F238E27FC236}">
+                    <a16:creationId xmlns:a16="http://schemas.microsoft.com/office/drawing/2014/main" id="{C9F9905C-9B25-4BF9-A3A4-D287CEFE000E}"/>
+                  </a:ext>
+                </a:extLst>
+              </p:cNvPr>
+              <p:cNvSpPr/>
+              <p:nvPr/>
+            </p:nvSpPr>
+            <p:spPr>
+              <a:xfrm>
+                <a:off x="1934289" y="3379373"/>
+                <a:ext cx="1345830" cy="351374"/>
+              </a:xfrm>
+              <a:prstGeom prst="rect">
+                <a:avLst/>
+              </a:prstGeom>
+            </p:spPr>
+            <p:style>
+              <a:lnRef idx="2">
+                <a:schemeClr val="accent1">
+                  <a:shade val="50000"/>
+                </a:schemeClr>
+              </a:lnRef>
+              <a:fillRef idx="1">
+                <a:schemeClr val="accent1"/>
+              </a:fillRef>
+              <a:effectRef idx="0">
+                <a:schemeClr val="accent1"/>
+              </a:effectRef>
+              <a:fontRef idx="minor">
+                <a:schemeClr val="lt1"/>
+              </a:fontRef>
+            </p:style>
+            <p:txBody>
+              <a:bodyPr rtlCol="0" anchor="ctr"/>
+              <a:lstStyle/>
+              <a:p>
+                <a:pPr algn="ctr"/>
+                <a:r>
+                  <a:rPr lang="en-US" dirty="0"/>
+                  <a:t>Update</a:t>
+                </a:r>
+              </a:p>
+            </p:txBody>
+          </p:sp>
+          <p:sp>
+            <p:nvSpPr>
+              <p:cNvPr id="58" name="Rectangle 57">
+                <a:extLst>
+                  <a:ext uri="{FF2B5EF4-FFF2-40B4-BE49-F238E27FC236}">
+                    <a16:creationId xmlns:a16="http://schemas.microsoft.com/office/drawing/2014/main" id="{539C419F-1971-4132-ABA6-69F2AD09A16F}"/>
+                  </a:ext>
+                </a:extLst>
+              </p:cNvPr>
+              <p:cNvSpPr/>
+              <p:nvPr/>
+            </p:nvSpPr>
+            <p:spPr>
+              <a:xfrm>
+                <a:off x="3463562" y="3379373"/>
+                <a:ext cx="1345830" cy="351374"/>
+              </a:xfrm>
+              <a:prstGeom prst="rect">
+                <a:avLst/>
+              </a:prstGeom>
+            </p:spPr>
+            <p:style>
+              <a:lnRef idx="2">
+                <a:schemeClr val="accent1">
+                  <a:shade val="50000"/>
+                </a:schemeClr>
+              </a:lnRef>
+              <a:fillRef idx="1">
+                <a:schemeClr val="accent1"/>
+              </a:fillRef>
+              <a:effectRef idx="0">
+                <a:schemeClr val="accent1"/>
+              </a:effectRef>
+              <a:fontRef idx="minor">
+                <a:schemeClr val="lt1"/>
+              </a:fontRef>
+            </p:style>
+            <p:txBody>
+              <a:bodyPr rtlCol="0" anchor="ctr"/>
+              <a:lstStyle/>
+              <a:p>
+                <a:pPr algn="ctr"/>
+                <a:r>
+                  <a:rPr lang="en-US" dirty="0"/>
+                  <a:t>Delete</a:t>
+                </a:r>
+              </a:p>
+            </p:txBody>
+          </p:sp>
+          <p:cxnSp>
+            <p:nvCxnSpPr>
+              <p:cNvPr id="59" name="Straight Arrow Connector 58">
+                <a:extLst>
+                  <a:ext uri="{FF2B5EF4-FFF2-40B4-BE49-F238E27FC236}">
+                    <a16:creationId xmlns:a16="http://schemas.microsoft.com/office/drawing/2014/main" id="{FA63942F-27E2-4EEF-BF0F-DB82B254EDB0}"/>
+                  </a:ext>
+                </a:extLst>
+              </p:cNvPr>
+              <p:cNvCxnSpPr>
+                <a:cxnSpLocks/>
+                <a:stCxn id="56" idx="4"/>
+              </p:cNvCxnSpPr>
+              <p:nvPr/>
+            </p:nvCxnSpPr>
+            <p:spPr>
+              <a:xfrm flipH="1">
+                <a:off x="988029" y="2429071"/>
+                <a:ext cx="1619174" cy="950302"/>
+              </a:xfrm>
+              <a:prstGeom prst="straightConnector1">
+                <a:avLst/>
+              </a:prstGeom>
+              <a:ln>
+                <a:tailEnd type="triangle"/>
+              </a:ln>
+            </p:spPr>
+            <p:style>
+              <a:lnRef idx="1">
+                <a:schemeClr val="accent1"/>
+              </a:lnRef>
+              <a:fillRef idx="0">
+                <a:schemeClr val="accent1"/>
+              </a:fillRef>
+              <a:effectRef idx="0">
+                <a:schemeClr val="accent1"/>
+              </a:effectRef>
+              <a:fontRef idx="minor">
+                <a:schemeClr val="tx1"/>
+              </a:fontRef>
+            </p:style>
+          </p:cxnSp>
+          <p:cxnSp>
+            <p:nvCxnSpPr>
+              <p:cNvPr id="60" name="Straight Arrow Connector 59">
+                <a:extLst>
+                  <a:ext uri="{FF2B5EF4-FFF2-40B4-BE49-F238E27FC236}">
+                    <a16:creationId xmlns:a16="http://schemas.microsoft.com/office/drawing/2014/main" id="{7CCD9CD4-14E8-494E-B687-34E0D14A453F}"/>
+                  </a:ext>
+                </a:extLst>
+              </p:cNvPr>
+              <p:cNvCxnSpPr>
+                <a:endCxn id="57" idx="0"/>
+              </p:cNvCxnSpPr>
+              <p:nvPr/>
+            </p:nvCxnSpPr>
+            <p:spPr>
+              <a:xfrm>
+                <a:off x="2607204" y="2429071"/>
+                <a:ext cx="0" cy="950302"/>
+              </a:xfrm>
+              <a:prstGeom prst="straightConnector1">
+                <a:avLst/>
+              </a:prstGeom>
+              <a:ln>
+                <a:tailEnd type="triangle"/>
+              </a:ln>
+            </p:spPr>
+            <p:style>
+              <a:lnRef idx="1">
+                <a:schemeClr val="accent1"/>
+              </a:lnRef>
+              <a:fillRef idx="0">
+                <a:schemeClr val="accent1"/>
+              </a:fillRef>
+              <a:effectRef idx="0">
+                <a:schemeClr val="accent1"/>
+              </a:effectRef>
+              <a:fontRef idx="minor">
+                <a:schemeClr val="tx1"/>
+              </a:fontRef>
+            </p:style>
+          </p:cxnSp>
+          <p:cxnSp>
+            <p:nvCxnSpPr>
+              <p:cNvPr id="61" name="Straight Arrow Connector 60">
+                <a:extLst>
+                  <a:ext uri="{FF2B5EF4-FFF2-40B4-BE49-F238E27FC236}">
+                    <a16:creationId xmlns:a16="http://schemas.microsoft.com/office/drawing/2014/main" id="{399CCBE7-2749-40F8-B608-D50472A621F7}"/>
+                  </a:ext>
+                </a:extLst>
+              </p:cNvPr>
+              <p:cNvCxnSpPr>
+                <a:endCxn id="58" idx="0"/>
+              </p:cNvCxnSpPr>
+              <p:nvPr/>
+            </p:nvCxnSpPr>
+            <p:spPr>
+              <a:xfrm>
+                <a:off x="2607204" y="2429071"/>
+                <a:ext cx="1529274" cy="950302"/>
+              </a:xfrm>
+              <a:prstGeom prst="straightConnector1">
+                <a:avLst/>
+              </a:prstGeom>
+              <a:ln>
+                <a:tailEnd type="triangle"/>
+              </a:ln>
+            </p:spPr>
+            <p:style>
+              <a:lnRef idx="1">
+                <a:schemeClr val="accent1"/>
+              </a:lnRef>
+              <a:fillRef idx="0">
+                <a:schemeClr val="accent1"/>
+              </a:fillRef>
+              <a:effectRef idx="0">
+                <a:schemeClr val="accent1"/>
+              </a:effectRef>
+              <a:fontRef idx="minor">
+                <a:schemeClr val="tx1"/>
+              </a:fontRef>
+            </p:style>
+          </p:cxnSp>
+          <p:sp>
+            <p:nvSpPr>
+              <p:cNvPr id="88" name="Rectangle 87">
+                <a:extLst>
+                  <a:ext uri="{FF2B5EF4-FFF2-40B4-BE49-F238E27FC236}">
+                    <a16:creationId xmlns:a16="http://schemas.microsoft.com/office/drawing/2014/main" id="{47CA80FE-F9C2-41E6-B06B-07F754AC4A97}"/>
+                  </a:ext>
+                </a:extLst>
+              </p:cNvPr>
+              <p:cNvSpPr/>
+              <p:nvPr/>
+            </p:nvSpPr>
+            <p:spPr>
+              <a:xfrm>
+                <a:off x="451786" y="3854876"/>
+                <a:ext cx="1345830" cy="351374"/>
+              </a:xfrm>
+              <a:prstGeom prst="rect">
+                <a:avLst/>
+              </a:prstGeom>
+            </p:spPr>
+            <p:style>
+              <a:lnRef idx="2">
+                <a:schemeClr val="accent1">
+                  <a:shade val="50000"/>
+                </a:schemeClr>
+              </a:lnRef>
+              <a:fillRef idx="1">
+                <a:schemeClr val="accent1"/>
+              </a:fillRef>
+              <a:effectRef idx="0">
+                <a:schemeClr val="accent1"/>
+              </a:effectRef>
+              <a:fontRef idx="minor">
+                <a:schemeClr val="lt1"/>
+              </a:fontRef>
+            </p:style>
+            <p:txBody>
+              <a:bodyPr rtlCol="0" anchor="ctr"/>
+              <a:lstStyle/>
+              <a:p>
+                <a:pPr algn="ctr"/>
+                <a:r>
+                  <a:rPr lang="en-US" dirty="0"/>
+                  <a:t>Voucher</a:t>
+                </a:r>
+              </a:p>
+            </p:txBody>
+          </p:sp>
+        </p:grpSp>
+      </p:grpSp>
+      <p:cxnSp>
+        <p:nvCxnSpPr>
+          <p:cNvPr id="86" name="Straight Connector 85">
+            <a:extLst>
+              <a:ext uri="{FF2B5EF4-FFF2-40B4-BE49-F238E27FC236}">
+                <a16:creationId xmlns:a16="http://schemas.microsoft.com/office/drawing/2014/main" id="{9E5BE527-52D2-4BBE-941F-F170CC5819AE}"/>
+              </a:ext>
+            </a:extLst>
+          </p:cNvPr>
+          <p:cNvCxnSpPr/>
+          <p:nvPr/>
+        </p:nvCxnSpPr>
+        <p:spPr>
+          <a:xfrm>
+            <a:off x="461447" y="1497110"/>
+            <a:ext cx="11028367" cy="0"/>
+          </a:xfrm>
+          <a:prstGeom prst="line">
+            <a:avLst/>
+          </a:prstGeom>
+          <a:ln w="38100"/>
+        </p:spPr>
+        <p:style>
+          <a:lnRef idx="1">
+            <a:schemeClr val="accent1"/>
+          </a:lnRef>
+          <a:fillRef idx="0">
+            <a:schemeClr val="accent1"/>
+          </a:fillRef>
+          <a:effectRef idx="0">
+            <a:schemeClr val="accent1"/>
+          </a:effectRef>
+          <a:fontRef idx="minor">
+            <a:schemeClr val="tx1"/>
+          </a:fontRef>
+        </p:style>
+      </p:cxnSp>
+      <p:grpSp>
+        <p:nvGrpSpPr>
+          <p:cNvPr id="12" name="Group 11">
+            <a:extLst>
+              <a:ext uri="{FF2B5EF4-FFF2-40B4-BE49-F238E27FC236}">
+                <a16:creationId xmlns:a16="http://schemas.microsoft.com/office/drawing/2014/main" id="{C38DBE63-7056-4349-BBE2-2AD3DC3DC7EC}"/>
+              </a:ext>
+            </a:extLst>
+          </p:cNvPr>
+          <p:cNvGrpSpPr/>
+          <p:nvPr/>
+        </p:nvGrpSpPr>
+        <p:grpSpPr>
+          <a:xfrm>
+            <a:off x="555051" y="3633457"/>
+            <a:ext cx="3742644" cy="2172225"/>
+            <a:chOff x="4190219" y="1704873"/>
+            <a:chExt cx="3742644" cy="2172225"/>
+          </a:xfrm>
+        </p:grpSpPr>
+        <p:cxnSp>
+          <p:nvCxnSpPr>
+            <p:cNvPr id="9" name="Connector: Elbow 8">
+              <a:extLst>
+                <a:ext uri="{FF2B5EF4-FFF2-40B4-BE49-F238E27FC236}">
+                  <a16:creationId xmlns:a16="http://schemas.microsoft.com/office/drawing/2014/main" id="{1A2678AB-05B3-42AC-8CBB-74D471E649EF}"/>
+                </a:ext>
+              </a:extLst>
+            </p:cNvPr>
+            <p:cNvCxnSpPr>
+              <a:stCxn id="43" idx="4"/>
+              <a:endCxn id="87" idx="3"/>
+            </p:cNvCxnSpPr>
+            <p:nvPr/>
+          </p:nvCxnSpPr>
+          <p:spPr>
+            <a:xfrm rot="5400000">
+              <a:off x="5055979" y="2685708"/>
+              <a:ext cx="1328474" cy="753171"/>
+            </a:xfrm>
+            <a:prstGeom prst="bentConnector2">
+              <a:avLst/>
+            </a:prstGeom>
+            <a:ln>
+              <a:tailEnd type="triangle"/>
+            </a:ln>
+          </p:spPr>
+          <p:style>
+            <a:lnRef idx="1">
+              <a:schemeClr val="accent1"/>
+            </a:lnRef>
+            <a:fillRef idx="0">
+              <a:schemeClr val="accent1"/>
+            </a:fillRef>
+            <a:effectRef idx="0">
+              <a:schemeClr val="accent1"/>
+            </a:effectRef>
+            <a:fontRef idx="minor">
+              <a:schemeClr val="tx1"/>
+            </a:fontRef>
+          </p:style>
+        </p:cxnSp>
+        <p:grpSp>
+          <p:nvGrpSpPr>
+            <p:cNvPr id="41" name="Group 40">
+              <a:extLst>
+                <a:ext uri="{FF2B5EF4-FFF2-40B4-BE49-F238E27FC236}">
+                  <a16:creationId xmlns:a16="http://schemas.microsoft.com/office/drawing/2014/main" id="{3D1BD8F4-B670-49B7-9F99-CDC801C50B6E}"/>
+                </a:ext>
+              </a:extLst>
+            </p:cNvPr>
+            <p:cNvGrpSpPr/>
+            <p:nvPr/>
+          </p:nvGrpSpPr>
+          <p:grpSpPr>
+            <a:xfrm>
+              <a:off x="4190219" y="1704873"/>
+              <a:ext cx="3742644" cy="2172225"/>
+              <a:chOff x="442377" y="1620247"/>
+              <a:chExt cx="4367015" cy="2534609"/>
+            </a:xfrm>
+          </p:grpSpPr>
+          <p:sp>
+            <p:nvSpPr>
+              <p:cNvPr id="42" name="Rectangle 41">
+                <a:extLst>
+                  <a:ext uri="{FF2B5EF4-FFF2-40B4-BE49-F238E27FC236}">
+                    <a16:creationId xmlns:a16="http://schemas.microsoft.com/office/drawing/2014/main" id="{9661A8FF-9AF9-4CBC-B88F-44991FF8E0DC}"/>
+                  </a:ext>
+                </a:extLst>
+              </p:cNvPr>
+              <p:cNvSpPr/>
+              <p:nvPr/>
+            </p:nvSpPr>
+            <p:spPr>
+              <a:xfrm>
+                <a:off x="442605" y="3379372"/>
+                <a:ext cx="1345830" cy="351374"/>
+              </a:xfrm>
+              <a:prstGeom prst="rect">
+                <a:avLst/>
+              </a:prstGeom>
+            </p:spPr>
+            <p:style>
+              <a:lnRef idx="2">
+                <a:schemeClr val="accent1">
+                  <a:shade val="50000"/>
+                </a:schemeClr>
+              </a:lnRef>
+              <a:fillRef idx="1">
+                <a:schemeClr val="accent1"/>
+              </a:fillRef>
+              <a:effectRef idx="0">
+                <a:schemeClr val="accent1"/>
+              </a:effectRef>
+              <a:fontRef idx="minor">
+                <a:schemeClr val="lt1"/>
+              </a:fontRef>
+            </p:style>
+            <p:txBody>
+              <a:bodyPr rtlCol="0" anchor="ctr"/>
+              <a:lstStyle/>
+              <a:p>
+                <a:pPr algn="ctr"/>
+                <a:r>
+                  <a:rPr lang="en-US" dirty="0"/>
+                  <a:t>Create</a:t>
+                </a:r>
+              </a:p>
+            </p:txBody>
+          </p:sp>
+          <p:sp>
+            <p:nvSpPr>
+              <p:cNvPr id="43" name="Oval 42">
+                <a:extLst>
+                  <a:ext uri="{FF2B5EF4-FFF2-40B4-BE49-F238E27FC236}">
+                    <a16:creationId xmlns:a16="http://schemas.microsoft.com/office/drawing/2014/main" id="{86FE0440-7DBA-4E59-85F4-C90B1CABB609}"/>
+                  </a:ext>
+                </a:extLst>
+              </p:cNvPr>
+              <p:cNvSpPr/>
+              <p:nvPr/>
+            </p:nvSpPr>
+            <p:spPr>
+              <a:xfrm>
+                <a:off x="1226122" y="1620247"/>
+                <a:ext cx="2881808" cy="808824"/>
+              </a:xfrm>
+              <a:prstGeom prst="ellipse">
+                <a:avLst/>
+              </a:prstGeom>
+            </p:spPr>
+            <p:style>
+              <a:lnRef idx="2">
+                <a:schemeClr val="accent1">
+                  <a:shade val="50000"/>
+                </a:schemeClr>
+              </a:lnRef>
+              <a:fillRef idx="1">
+                <a:schemeClr val="accent1"/>
+              </a:fillRef>
+              <a:effectRef idx="0">
+                <a:schemeClr val="accent1"/>
+              </a:effectRef>
+              <a:fontRef idx="minor">
+                <a:schemeClr val="lt1"/>
+              </a:fontRef>
+            </p:style>
+            <p:txBody>
+              <a:bodyPr rtlCol="0" anchor="ctr"/>
+              <a:lstStyle/>
+              <a:p>
+                <a:pPr algn="ctr"/>
+                <a:r>
+                  <a:rPr lang="en-US" dirty="0" err="1"/>
+                  <a:t>MoneyReceipt</a:t>
+                </a:r>
+                <a:endParaRPr lang="en-US" dirty="0"/>
+              </a:p>
+            </p:txBody>
+          </p:sp>
+          <p:sp>
+            <p:nvSpPr>
+              <p:cNvPr id="44" name="Rectangle 43">
+                <a:extLst>
+                  <a:ext uri="{FF2B5EF4-FFF2-40B4-BE49-F238E27FC236}">
+                    <a16:creationId xmlns:a16="http://schemas.microsoft.com/office/drawing/2014/main" id="{C1762566-67DC-461B-B5C6-04DB9A6D293F}"/>
+                  </a:ext>
+                </a:extLst>
+              </p:cNvPr>
+              <p:cNvSpPr/>
+              <p:nvPr/>
+            </p:nvSpPr>
+            <p:spPr>
+              <a:xfrm>
+                <a:off x="1934289" y="3379373"/>
+                <a:ext cx="1345830" cy="351374"/>
+              </a:xfrm>
+              <a:prstGeom prst="rect">
+                <a:avLst/>
+              </a:prstGeom>
+            </p:spPr>
+            <p:style>
+              <a:lnRef idx="2">
+                <a:schemeClr val="accent1">
+                  <a:shade val="50000"/>
+                </a:schemeClr>
+              </a:lnRef>
+              <a:fillRef idx="1">
+                <a:schemeClr val="accent1"/>
+              </a:fillRef>
+              <a:effectRef idx="0">
+                <a:schemeClr val="accent1"/>
+              </a:effectRef>
+              <a:fontRef idx="minor">
+                <a:schemeClr val="lt1"/>
+              </a:fontRef>
+            </p:style>
+            <p:txBody>
+              <a:bodyPr rtlCol="0" anchor="ctr"/>
+              <a:lstStyle/>
+              <a:p>
+                <a:pPr algn="ctr"/>
+                <a:r>
+                  <a:rPr lang="en-US" dirty="0"/>
+                  <a:t>Update</a:t>
+                </a:r>
+              </a:p>
+            </p:txBody>
+          </p:sp>
+          <p:sp>
+            <p:nvSpPr>
+              <p:cNvPr id="47" name="Rectangle 46">
+                <a:extLst>
+                  <a:ext uri="{FF2B5EF4-FFF2-40B4-BE49-F238E27FC236}">
+                    <a16:creationId xmlns:a16="http://schemas.microsoft.com/office/drawing/2014/main" id="{F7F56D67-F14E-4B32-9115-2DD6B7099257}"/>
+                  </a:ext>
+                </a:extLst>
+              </p:cNvPr>
+              <p:cNvSpPr/>
+              <p:nvPr/>
+            </p:nvSpPr>
+            <p:spPr>
+              <a:xfrm>
+                <a:off x="3463562" y="3379373"/>
+                <a:ext cx="1345830" cy="351374"/>
+              </a:xfrm>
+              <a:prstGeom prst="rect">
+                <a:avLst/>
+              </a:prstGeom>
+            </p:spPr>
+            <p:style>
+              <a:lnRef idx="2">
+                <a:schemeClr val="accent1">
+                  <a:shade val="50000"/>
+                </a:schemeClr>
+              </a:lnRef>
+              <a:fillRef idx="1">
+                <a:schemeClr val="accent1"/>
+              </a:fillRef>
+              <a:effectRef idx="0">
+                <a:schemeClr val="accent1"/>
+              </a:effectRef>
+              <a:fontRef idx="minor">
+                <a:schemeClr val="lt1"/>
+              </a:fontRef>
+            </p:style>
+            <p:txBody>
+              <a:bodyPr rtlCol="0" anchor="ctr"/>
+              <a:lstStyle/>
+              <a:p>
+                <a:pPr algn="ctr"/>
+                <a:r>
+                  <a:rPr lang="en-US" dirty="0"/>
+                  <a:t>Delete</a:t>
+                </a:r>
+              </a:p>
+            </p:txBody>
+          </p:sp>
+          <p:cxnSp>
+            <p:nvCxnSpPr>
+              <p:cNvPr id="49" name="Straight Arrow Connector 48">
+                <a:extLst>
+                  <a:ext uri="{FF2B5EF4-FFF2-40B4-BE49-F238E27FC236}">
+                    <a16:creationId xmlns:a16="http://schemas.microsoft.com/office/drawing/2014/main" id="{A106E0D8-0023-4972-907A-44DAE764F9DA}"/>
+                  </a:ext>
+                </a:extLst>
+              </p:cNvPr>
+              <p:cNvCxnSpPr>
+                <a:cxnSpLocks/>
+                <a:endCxn id="44" idx="0"/>
+              </p:cNvCxnSpPr>
+              <p:nvPr/>
+            </p:nvCxnSpPr>
+            <p:spPr>
+              <a:xfrm>
+                <a:off x="2607204" y="2429071"/>
+                <a:ext cx="0" cy="950302"/>
+              </a:xfrm>
+              <a:prstGeom prst="straightConnector1">
+                <a:avLst/>
+              </a:prstGeom>
+              <a:ln>
+                <a:tailEnd type="triangle"/>
+              </a:ln>
+            </p:spPr>
+            <p:style>
+              <a:lnRef idx="1">
+                <a:schemeClr val="accent1"/>
+              </a:lnRef>
+              <a:fillRef idx="0">
+                <a:schemeClr val="accent1"/>
+              </a:fillRef>
+              <a:effectRef idx="0">
+                <a:schemeClr val="accent1"/>
+              </a:effectRef>
+              <a:fontRef idx="minor">
+                <a:schemeClr val="tx1"/>
+              </a:fontRef>
+            </p:style>
+          </p:cxnSp>
+          <p:cxnSp>
+            <p:nvCxnSpPr>
+              <p:cNvPr id="51" name="Straight Arrow Connector 50">
+                <a:extLst>
+                  <a:ext uri="{FF2B5EF4-FFF2-40B4-BE49-F238E27FC236}">
+                    <a16:creationId xmlns:a16="http://schemas.microsoft.com/office/drawing/2014/main" id="{44E33A07-7F9F-45DD-8224-AAB093F51FE5}"/>
+                  </a:ext>
+                </a:extLst>
+              </p:cNvPr>
+              <p:cNvCxnSpPr>
+                <a:cxnSpLocks/>
+                <a:endCxn id="47" idx="0"/>
+              </p:cNvCxnSpPr>
+              <p:nvPr/>
+            </p:nvCxnSpPr>
+            <p:spPr>
+              <a:xfrm>
+                <a:off x="2607204" y="2429071"/>
+                <a:ext cx="1529274" cy="950302"/>
+              </a:xfrm>
+              <a:prstGeom prst="straightConnector1">
+                <a:avLst/>
+              </a:prstGeom>
+              <a:ln>
+                <a:tailEnd type="triangle"/>
+              </a:ln>
+            </p:spPr>
+            <p:style>
+              <a:lnRef idx="1">
+                <a:schemeClr val="accent1"/>
+              </a:lnRef>
+              <a:fillRef idx="0">
+                <a:schemeClr val="accent1"/>
+              </a:fillRef>
+              <a:effectRef idx="0">
+                <a:schemeClr val="accent1"/>
+              </a:effectRef>
+              <a:fontRef idx="minor">
+                <a:schemeClr val="tx1"/>
+              </a:fontRef>
+            </p:style>
+          </p:cxnSp>
+          <p:sp>
+            <p:nvSpPr>
+              <p:cNvPr id="87" name="Rectangle 86">
+                <a:extLst>
+                  <a:ext uri="{FF2B5EF4-FFF2-40B4-BE49-F238E27FC236}">
+                    <a16:creationId xmlns:a16="http://schemas.microsoft.com/office/drawing/2014/main" id="{68D3353B-F428-412B-8AFE-3A02E2BD3D7A}"/>
+                  </a:ext>
+                </a:extLst>
+              </p:cNvPr>
+              <p:cNvSpPr/>
+              <p:nvPr/>
+            </p:nvSpPr>
+            <p:spPr>
+              <a:xfrm>
+                <a:off x="442377" y="3803482"/>
+                <a:ext cx="1345830" cy="351374"/>
+              </a:xfrm>
+              <a:prstGeom prst="rect">
+                <a:avLst/>
+              </a:prstGeom>
+            </p:spPr>
+            <p:style>
+              <a:lnRef idx="2">
+                <a:schemeClr val="accent1">
+                  <a:shade val="50000"/>
+                </a:schemeClr>
+              </a:lnRef>
+              <a:fillRef idx="1">
+                <a:schemeClr val="accent1"/>
+              </a:fillRef>
+              <a:effectRef idx="0">
+                <a:schemeClr val="accent1"/>
+              </a:effectRef>
+              <a:fontRef idx="minor">
+                <a:schemeClr val="lt1"/>
+              </a:fontRef>
+            </p:style>
+            <p:txBody>
+              <a:bodyPr rtlCol="0" anchor="ctr"/>
+              <a:lstStyle/>
+              <a:p>
+                <a:pPr algn="ctr"/>
+                <a:r>
+                  <a:rPr lang="en-US" dirty="0"/>
+                  <a:t>Voucher</a:t>
+                </a:r>
+              </a:p>
+            </p:txBody>
+          </p:sp>
+        </p:grpSp>
+        <p:cxnSp>
+          <p:nvCxnSpPr>
+            <p:cNvPr id="7" name="Straight Arrow Connector 6">
+              <a:extLst>
+                <a:ext uri="{FF2B5EF4-FFF2-40B4-BE49-F238E27FC236}">
+                  <a16:creationId xmlns:a16="http://schemas.microsoft.com/office/drawing/2014/main" id="{B4957FB6-DC98-415F-B9CA-7526C244E5C9}"/>
+                </a:ext>
+              </a:extLst>
+            </p:cNvPr>
+            <p:cNvCxnSpPr>
+              <a:stCxn id="43" idx="4"/>
+              <a:endCxn id="42" idx="0"/>
+            </p:cNvCxnSpPr>
+            <p:nvPr/>
+          </p:nvCxnSpPr>
+          <p:spPr>
+            <a:xfrm flipH="1">
+              <a:off x="4767120" y="2398056"/>
+              <a:ext cx="1329681" cy="814432"/>
+            </a:xfrm>
+            <a:prstGeom prst="straightConnector1">
+              <a:avLst/>
+            </a:prstGeom>
+            <a:ln>
+              <a:tailEnd type="triangle"/>
+            </a:ln>
+          </p:spPr>
+          <p:style>
+            <a:lnRef idx="1">
+              <a:schemeClr val="accent1"/>
+            </a:lnRef>
+            <a:fillRef idx="0">
+              <a:schemeClr val="accent1"/>
+            </a:fillRef>
+            <a:effectRef idx="0">
+              <a:schemeClr val="accent1"/>
+            </a:effectRef>
+            <a:fontRef idx="minor">
+              <a:schemeClr val="tx1"/>
+            </a:fontRef>
+          </p:style>
+        </p:cxnSp>
+      </p:grpSp>
     </p:spTree>
     <p:extLst>
       <p:ext uri="{BB962C8B-B14F-4D97-AF65-F5344CB8AC3E}">
-        <p14:creationId xmlns:p14="http://schemas.microsoft.com/office/powerpoint/2010/main" val="1361989871"/>
+        <p14:creationId xmlns:p14="http://schemas.microsoft.com/office/powerpoint/2010/main" val="1620728092"/>
       </p:ext>
     </p:extLst>
   </p:cSld>

--- a/Clouster Erp.pptx
+++ b/Clouster Erp.pptx
@@ -10751,7 +10751,7 @@
           <a:p>
             <a:r>
               <a:rPr lang="en-US" dirty="0"/>
-              <a:t>MODULE: SOFTARE CONFIGURATION</a:t>
+              <a:t>MODULE: SOFTWARE CONFIGURATION</a:t>
             </a:r>
           </a:p>
         </p:txBody>
@@ -14917,9 +14917,9 @@
         <p:grpSpPr>
           <a:xfrm>
             <a:off x="1406163" y="1944462"/>
-            <a:ext cx="9121125" cy="3464831"/>
+            <a:ext cx="9121125" cy="2588023"/>
             <a:chOff x="1406163" y="1944462"/>
-            <a:chExt cx="9121125" cy="3464831"/>
+            <a:chExt cx="9121125" cy="2588023"/>
           </a:xfrm>
         </p:grpSpPr>
         <p:sp>
@@ -15244,98 +15244,7 @@
             </a:fontRef>
           </p:style>
         </p:cxnSp>
-        <p:sp>
-          <p:nvSpPr>
-            <p:cNvPr id="25" name="Rectangle 24">
-              <a:extLst>
-                <a:ext uri="{FF2B5EF4-FFF2-40B4-BE49-F238E27FC236}">
-                  <a16:creationId xmlns:a16="http://schemas.microsoft.com/office/drawing/2014/main" id="{164730C7-3176-467E-AAD4-E440C1D30BBC}"/>
-                </a:ext>
-              </a:extLst>
-            </p:cNvPr>
-            <p:cNvSpPr/>
-            <p:nvPr/>
-          </p:nvSpPr>
-          <p:spPr>
-            <a:xfrm>
-              <a:off x="3050325" y="5108156"/>
-              <a:ext cx="2371217" cy="301137"/>
-            </a:xfrm>
-            <a:prstGeom prst="rect">
-              <a:avLst/>
-            </a:prstGeom>
-          </p:spPr>
-          <p:style>
-            <a:lnRef idx="2">
-              <a:schemeClr val="accent1">
-                <a:shade val="50000"/>
-              </a:schemeClr>
-            </a:lnRef>
-            <a:fillRef idx="1">
-              <a:schemeClr val="accent1"/>
-            </a:fillRef>
-            <a:effectRef idx="0">
-              <a:schemeClr val="accent1"/>
-            </a:effectRef>
-            <a:fontRef idx="minor">
-              <a:schemeClr val="lt1"/>
-            </a:fontRef>
-          </p:style>
-          <p:txBody>
-            <a:bodyPr rtlCol="0" anchor="ctr"/>
-            <a:lstStyle/>
-            <a:p>
-              <a:pPr algn="ctr"/>
-              <a:r>
-                <a:rPr lang="en-US" dirty="0"/>
-                <a:t>Stock Ledger</a:t>
-              </a:r>
-            </a:p>
-          </p:txBody>
-        </p:sp>
       </p:grpSp>
-      <p:cxnSp>
-        <p:nvCxnSpPr>
-          <p:cNvPr id="7" name="Straight Arrow Connector 6">
-            <a:extLst>
-              <a:ext uri="{FF2B5EF4-FFF2-40B4-BE49-F238E27FC236}">
-                <a16:creationId xmlns:a16="http://schemas.microsoft.com/office/drawing/2014/main" id="{03788D9C-BC66-4573-A7E8-A7EF77DFD70A}"/>
-              </a:ext>
-            </a:extLst>
-          </p:cNvPr>
-          <p:cNvCxnSpPr>
-            <a:stCxn id="35" idx="4"/>
-            <a:endCxn id="25" idx="0"/>
-          </p:cNvCxnSpPr>
-          <p:nvPr/>
-        </p:nvCxnSpPr>
-        <p:spPr>
-          <a:xfrm flipH="1">
-            <a:off x="4235934" y="2637645"/>
-            <a:ext cx="1739698" cy="2470511"/>
-          </a:xfrm>
-          <a:prstGeom prst="straightConnector1">
-            <a:avLst/>
-          </a:prstGeom>
-          <a:ln>
-            <a:tailEnd type="triangle"/>
-          </a:ln>
-        </p:spPr>
-        <p:style>
-          <a:lnRef idx="1">
-            <a:schemeClr val="accent1"/>
-          </a:lnRef>
-          <a:fillRef idx="0">
-            <a:schemeClr val="accent1"/>
-          </a:fillRef>
-          <a:effectRef idx="0">
-            <a:schemeClr val="accent1"/>
-          </a:effectRef>
-          <a:fontRef idx="minor">
-            <a:schemeClr val="tx1"/>
-          </a:fontRef>
-        </p:style>
-      </p:cxnSp>
     </p:spTree>
     <p:extLst>
       <p:ext uri="{BB962C8B-B14F-4D97-AF65-F5344CB8AC3E}">
@@ -17963,6 +17872,347 @@
           </p:style>
         </p:cxnSp>
       </p:grpSp>
+      <p:grpSp>
+        <p:nvGrpSpPr>
+          <p:cNvPr id="89" name="Group 88">
+            <a:extLst>
+              <a:ext uri="{FF2B5EF4-FFF2-40B4-BE49-F238E27FC236}">
+                <a16:creationId xmlns:a16="http://schemas.microsoft.com/office/drawing/2014/main" id="{B4486F5F-0E10-454E-B415-11BD0631ECE1}"/>
+              </a:ext>
+            </a:extLst>
+          </p:cNvPr>
+          <p:cNvGrpSpPr/>
+          <p:nvPr/>
+        </p:nvGrpSpPr>
+        <p:grpSpPr>
+          <a:xfrm>
+            <a:off x="4106961" y="4537388"/>
+            <a:ext cx="3742449" cy="1808753"/>
+            <a:chOff x="442605" y="1620247"/>
+            <a:chExt cx="4366787" cy="2110500"/>
+          </a:xfrm>
+        </p:grpSpPr>
+        <p:sp>
+          <p:nvSpPr>
+            <p:cNvPr id="90" name="Rectangle 89">
+              <a:extLst>
+                <a:ext uri="{FF2B5EF4-FFF2-40B4-BE49-F238E27FC236}">
+                  <a16:creationId xmlns:a16="http://schemas.microsoft.com/office/drawing/2014/main" id="{739A9F13-6AE9-479B-A32B-14E151AED9D9}"/>
+                </a:ext>
+              </a:extLst>
+            </p:cNvPr>
+            <p:cNvSpPr/>
+            <p:nvPr/>
+          </p:nvSpPr>
+          <p:spPr>
+            <a:xfrm>
+              <a:off x="442605" y="3379373"/>
+              <a:ext cx="1345830" cy="351374"/>
+            </a:xfrm>
+            <a:prstGeom prst="rect">
+              <a:avLst/>
+            </a:prstGeom>
+          </p:spPr>
+          <p:style>
+            <a:lnRef idx="2">
+              <a:schemeClr val="accent1">
+                <a:shade val="50000"/>
+              </a:schemeClr>
+            </a:lnRef>
+            <a:fillRef idx="1">
+              <a:schemeClr val="accent1"/>
+            </a:fillRef>
+            <a:effectRef idx="0">
+              <a:schemeClr val="accent1"/>
+            </a:effectRef>
+            <a:fontRef idx="minor">
+              <a:schemeClr val="lt1"/>
+            </a:fontRef>
+          </p:style>
+          <p:txBody>
+            <a:bodyPr rtlCol="0" anchor="ctr"/>
+            <a:lstStyle/>
+            <a:p>
+              <a:pPr algn="ctr"/>
+              <a:r>
+                <a:rPr lang="en-US" dirty="0"/>
+                <a:t>Create</a:t>
+              </a:r>
+            </a:p>
+          </p:txBody>
+        </p:sp>
+        <p:sp>
+          <p:nvSpPr>
+            <p:cNvPr id="91" name="Oval 90">
+              <a:extLst>
+                <a:ext uri="{FF2B5EF4-FFF2-40B4-BE49-F238E27FC236}">
+                  <a16:creationId xmlns:a16="http://schemas.microsoft.com/office/drawing/2014/main" id="{14E8C660-726C-4D4B-BAF8-443F90707994}"/>
+                </a:ext>
+              </a:extLst>
+            </p:cNvPr>
+            <p:cNvSpPr/>
+            <p:nvPr/>
+          </p:nvSpPr>
+          <p:spPr>
+            <a:xfrm>
+              <a:off x="1578115" y="1620247"/>
+              <a:ext cx="2058175" cy="808824"/>
+            </a:xfrm>
+            <a:prstGeom prst="ellipse">
+              <a:avLst/>
+            </a:prstGeom>
+          </p:spPr>
+          <p:style>
+            <a:lnRef idx="2">
+              <a:schemeClr val="accent1">
+                <a:shade val="50000"/>
+              </a:schemeClr>
+            </a:lnRef>
+            <a:fillRef idx="1">
+              <a:schemeClr val="accent1"/>
+            </a:fillRef>
+            <a:effectRef idx="0">
+              <a:schemeClr val="accent1"/>
+            </a:effectRef>
+            <a:fontRef idx="minor">
+              <a:schemeClr val="lt1"/>
+            </a:fontRef>
+          </p:style>
+          <p:txBody>
+            <a:bodyPr rtlCol="0" anchor="ctr"/>
+            <a:lstStyle/>
+            <a:p>
+              <a:pPr algn="ctr"/>
+              <a:r>
+                <a:rPr lang="en-US" dirty="0"/>
+                <a:t>Journal</a:t>
+              </a:r>
+            </a:p>
+          </p:txBody>
+        </p:sp>
+        <p:sp>
+          <p:nvSpPr>
+            <p:cNvPr id="92" name="Rectangle 91">
+              <a:extLst>
+                <a:ext uri="{FF2B5EF4-FFF2-40B4-BE49-F238E27FC236}">
+                  <a16:creationId xmlns:a16="http://schemas.microsoft.com/office/drawing/2014/main" id="{CC881189-7701-4881-AEC0-9B0EA3332BF5}"/>
+                </a:ext>
+              </a:extLst>
+            </p:cNvPr>
+            <p:cNvSpPr/>
+            <p:nvPr/>
+          </p:nvSpPr>
+          <p:spPr>
+            <a:xfrm>
+              <a:off x="1934289" y="3379373"/>
+              <a:ext cx="1345830" cy="351374"/>
+            </a:xfrm>
+            <a:prstGeom prst="rect">
+              <a:avLst/>
+            </a:prstGeom>
+          </p:spPr>
+          <p:style>
+            <a:lnRef idx="2">
+              <a:schemeClr val="accent1">
+                <a:shade val="50000"/>
+              </a:schemeClr>
+            </a:lnRef>
+            <a:fillRef idx="1">
+              <a:schemeClr val="accent1"/>
+            </a:fillRef>
+            <a:effectRef idx="0">
+              <a:schemeClr val="accent1"/>
+            </a:effectRef>
+            <a:fontRef idx="minor">
+              <a:schemeClr val="lt1"/>
+            </a:fontRef>
+          </p:style>
+          <p:txBody>
+            <a:bodyPr rtlCol="0" anchor="ctr"/>
+            <a:lstStyle/>
+            <a:p>
+              <a:pPr algn="ctr"/>
+              <a:r>
+                <a:rPr lang="en-US" dirty="0"/>
+                <a:t>Update</a:t>
+              </a:r>
+            </a:p>
+          </p:txBody>
+        </p:sp>
+        <p:sp>
+          <p:nvSpPr>
+            <p:cNvPr id="93" name="Rectangle 92">
+              <a:extLst>
+                <a:ext uri="{FF2B5EF4-FFF2-40B4-BE49-F238E27FC236}">
+                  <a16:creationId xmlns:a16="http://schemas.microsoft.com/office/drawing/2014/main" id="{B88021E8-5D57-441C-8E99-161F15E977AB}"/>
+                </a:ext>
+              </a:extLst>
+            </p:cNvPr>
+            <p:cNvSpPr/>
+            <p:nvPr/>
+          </p:nvSpPr>
+          <p:spPr>
+            <a:xfrm>
+              <a:off x="3463562" y="3379373"/>
+              <a:ext cx="1345830" cy="351374"/>
+            </a:xfrm>
+            <a:prstGeom prst="rect">
+              <a:avLst/>
+            </a:prstGeom>
+          </p:spPr>
+          <p:style>
+            <a:lnRef idx="2">
+              <a:schemeClr val="accent1">
+                <a:shade val="50000"/>
+              </a:schemeClr>
+            </a:lnRef>
+            <a:fillRef idx="1">
+              <a:schemeClr val="accent1"/>
+            </a:fillRef>
+            <a:effectRef idx="0">
+              <a:schemeClr val="accent1"/>
+            </a:effectRef>
+            <a:fontRef idx="minor">
+              <a:schemeClr val="lt1"/>
+            </a:fontRef>
+          </p:style>
+          <p:txBody>
+            <a:bodyPr rtlCol="0" anchor="ctr"/>
+            <a:lstStyle/>
+            <a:p>
+              <a:pPr algn="ctr"/>
+              <a:r>
+                <a:rPr lang="en-US" dirty="0"/>
+                <a:t>Delete</a:t>
+              </a:r>
+            </a:p>
+          </p:txBody>
+        </p:sp>
+        <p:cxnSp>
+          <p:nvCxnSpPr>
+            <p:cNvPr id="94" name="Straight Arrow Connector 93">
+              <a:extLst>
+                <a:ext uri="{FF2B5EF4-FFF2-40B4-BE49-F238E27FC236}">
+                  <a16:creationId xmlns:a16="http://schemas.microsoft.com/office/drawing/2014/main" id="{10016873-56A9-4F35-B865-B7AA78D8913D}"/>
+                </a:ext>
+              </a:extLst>
+            </p:cNvPr>
+            <p:cNvCxnSpPr>
+              <a:cxnSpLocks/>
+              <a:stCxn id="91" idx="4"/>
+            </p:cNvCxnSpPr>
+            <p:nvPr/>
+          </p:nvCxnSpPr>
+          <p:spPr>
+            <a:xfrm flipH="1">
+              <a:off x="988029" y="2429071"/>
+              <a:ext cx="1619174" cy="950302"/>
+            </a:xfrm>
+            <a:prstGeom prst="straightConnector1">
+              <a:avLst/>
+            </a:prstGeom>
+            <a:ln>
+              <a:tailEnd type="triangle"/>
+            </a:ln>
+          </p:spPr>
+          <p:style>
+            <a:lnRef idx="1">
+              <a:schemeClr val="accent1"/>
+            </a:lnRef>
+            <a:fillRef idx="0">
+              <a:schemeClr val="accent1"/>
+            </a:fillRef>
+            <a:effectRef idx="0">
+              <a:schemeClr val="accent1"/>
+            </a:effectRef>
+            <a:fontRef idx="minor">
+              <a:schemeClr val="tx1"/>
+            </a:fontRef>
+          </p:style>
+        </p:cxnSp>
+        <p:cxnSp>
+          <p:nvCxnSpPr>
+            <p:cNvPr id="95" name="Straight Arrow Connector 94">
+              <a:extLst>
+                <a:ext uri="{FF2B5EF4-FFF2-40B4-BE49-F238E27FC236}">
+                  <a16:creationId xmlns:a16="http://schemas.microsoft.com/office/drawing/2014/main" id="{E2F9E8F8-08F4-4B00-A2BA-F0478D22B3CB}"/>
+                </a:ext>
+              </a:extLst>
+            </p:cNvPr>
+            <p:cNvCxnSpPr>
+              <a:endCxn id="92" idx="0"/>
+            </p:cNvCxnSpPr>
+            <p:nvPr/>
+          </p:nvCxnSpPr>
+          <p:spPr>
+            <a:xfrm>
+              <a:off x="2607204" y="2429071"/>
+              <a:ext cx="0" cy="950302"/>
+            </a:xfrm>
+            <a:prstGeom prst="straightConnector1">
+              <a:avLst/>
+            </a:prstGeom>
+            <a:ln>
+              <a:tailEnd type="triangle"/>
+            </a:ln>
+          </p:spPr>
+          <p:style>
+            <a:lnRef idx="1">
+              <a:schemeClr val="accent1"/>
+            </a:lnRef>
+            <a:fillRef idx="0">
+              <a:schemeClr val="accent1"/>
+            </a:fillRef>
+            <a:effectRef idx="0">
+              <a:schemeClr val="accent1"/>
+            </a:effectRef>
+            <a:fontRef idx="minor">
+              <a:schemeClr val="tx1"/>
+            </a:fontRef>
+          </p:style>
+        </p:cxnSp>
+        <p:cxnSp>
+          <p:nvCxnSpPr>
+            <p:cNvPr id="96" name="Straight Arrow Connector 95">
+              <a:extLst>
+                <a:ext uri="{FF2B5EF4-FFF2-40B4-BE49-F238E27FC236}">
+                  <a16:creationId xmlns:a16="http://schemas.microsoft.com/office/drawing/2014/main" id="{13D49494-2157-464F-AEED-22C1EAF4B4A6}"/>
+                </a:ext>
+              </a:extLst>
+            </p:cNvPr>
+            <p:cNvCxnSpPr>
+              <a:endCxn id="93" idx="0"/>
+            </p:cNvCxnSpPr>
+            <p:nvPr/>
+          </p:nvCxnSpPr>
+          <p:spPr>
+            <a:xfrm>
+              <a:off x="2607204" y="2429071"/>
+              <a:ext cx="1529274" cy="950302"/>
+            </a:xfrm>
+            <a:prstGeom prst="straightConnector1">
+              <a:avLst/>
+            </a:prstGeom>
+            <a:ln>
+              <a:tailEnd type="triangle"/>
+            </a:ln>
+          </p:spPr>
+          <p:style>
+            <a:lnRef idx="1">
+              <a:schemeClr val="accent1"/>
+            </a:lnRef>
+            <a:fillRef idx="0">
+              <a:schemeClr val="accent1"/>
+            </a:fillRef>
+            <a:effectRef idx="0">
+              <a:schemeClr val="accent1"/>
+            </a:effectRef>
+            <a:fontRef idx="minor">
+              <a:schemeClr val="tx1"/>
+            </a:fontRef>
+          </p:style>
+        </p:cxnSp>
+      </p:grpSp>
     </p:spTree>
     <p:extLst>
       <p:ext uri="{BB962C8B-B14F-4D97-AF65-F5344CB8AC3E}">
